--- a/Modules/04.TaskEditScreen.InitialSetup/04.TaskEditScreen.InitialSetup.pptx
+++ b/Modules/04.TaskEditScreen.InitialSetup/04.TaskEditScreen.InitialSetup.pptx
@@ -5,10 +5,10 @@
     <p:sldMasterId id="2147483731" r:id="rId4"/>
   </p:sldMasterIdLst>
   <p:notesMasterIdLst>
-    <p:notesMasterId r:id="rId35"/>
+    <p:notesMasterId r:id="rId37"/>
   </p:notesMasterIdLst>
   <p:handoutMasterIdLst>
-    <p:handoutMasterId r:id="rId36"/>
+    <p:handoutMasterId r:id="rId38"/>
   </p:handoutMasterIdLst>
   <p:sldIdLst>
     <p:sldId id="356" r:id="rId5"/>
@@ -20,27 +20,29 @@
     <p:sldId id="373" r:id="rId11"/>
     <p:sldId id="372" r:id="rId12"/>
     <p:sldId id="391" r:id="rId13"/>
-    <p:sldId id="392" r:id="rId14"/>
+    <p:sldId id="414" r:id="rId14"/>
     <p:sldId id="401" r:id="rId15"/>
     <p:sldId id="402" r:id="rId16"/>
     <p:sldId id="393" r:id="rId17"/>
-    <p:sldId id="394" r:id="rId18"/>
+    <p:sldId id="415" r:id="rId18"/>
     <p:sldId id="403" r:id="rId19"/>
-    <p:sldId id="395" r:id="rId20"/>
-    <p:sldId id="396" r:id="rId21"/>
-    <p:sldId id="404" r:id="rId22"/>
-    <p:sldId id="405" r:id="rId23"/>
-    <p:sldId id="397" r:id="rId24"/>
-    <p:sldId id="398" r:id="rId25"/>
-    <p:sldId id="406" r:id="rId26"/>
-    <p:sldId id="407" r:id="rId27"/>
-    <p:sldId id="399" r:id="rId28"/>
-    <p:sldId id="400" r:id="rId29"/>
-    <p:sldId id="410" r:id="rId30"/>
-    <p:sldId id="411" r:id="rId31"/>
-    <p:sldId id="412" r:id="rId32"/>
-    <p:sldId id="408" r:id="rId33"/>
-    <p:sldId id="413" r:id="rId34"/>
+    <p:sldId id="416" r:id="rId20"/>
+    <p:sldId id="395" r:id="rId21"/>
+    <p:sldId id="417" r:id="rId22"/>
+    <p:sldId id="419" r:id="rId23"/>
+    <p:sldId id="404" r:id="rId24"/>
+    <p:sldId id="420" r:id="rId25"/>
+    <p:sldId id="397" r:id="rId26"/>
+    <p:sldId id="398" r:id="rId27"/>
+    <p:sldId id="406" r:id="rId28"/>
+    <p:sldId id="407" r:id="rId29"/>
+    <p:sldId id="399" r:id="rId30"/>
+    <p:sldId id="400" r:id="rId31"/>
+    <p:sldId id="410" r:id="rId32"/>
+    <p:sldId id="411" r:id="rId33"/>
+    <p:sldId id="412" r:id="rId34"/>
+    <p:sldId id="408" r:id="rId35"/>
+    <p:sldId id="413" r:id="rId36"/>
   </p:sldIdLst>
   <p:sldSz cx="9144000" cy="6858000" type="screen4x3"/>
   <p:notesSz cx="7315200" cy="9601200"/>
@@ -183,16 +185,18 @@
             <p14:sldId id="373"/>
             <p14:sldId id="372"/>
             <p14:sldId id="391"/>
-            <p14:sldId id="392"/>
+            <p14:sldId id="414"/>
             <p14:sldId id="401"/>
             <p14:sldId id="402"/>
             <p14:sldId id="393"/>
-            <p14:sldId id="394"/>
+            <p14:sldId id="415"/>
             <p14:sldId id="403"/>
+            <p14:sldId id="416"/>
             <p14:sldId id="395"/>
-            <p14:sldId id="396"/>
+            <p14:sldId id="417"/>
+            <p14:sldId id="419"/>
             <p14:sldId id="404"/>
-            <p14:sldId id="405"/>
+            <p14:sldId id="420"/>
             <p14:sldId id="397"/>
             <p14:sldId id="398"/>
             <p14:sldId id="406"/>
@@ -1054,13 +1058,30 @@
           <a:bodyPr/>
           <a:lstStyle/>
           <a:p>
+            <a:pPr marL="0" marR="0" indent="0" algn="l" defTabSz="914400" rtl="0" eaLnBrk="0" fontAlgn="base" latinLnBrk="0" hangingPunct="0">
+              <a:lnSpc>
+                <a:spcPct val="100000"/>
+              </a:lnSpc>
+              <a:spcBef>
+                <a:spcPct val="30000"/>
+              </a:spcBef>
+              <a:spcAft>
+                <a:spcPct val="0"/>
+              </a:spcAft>
+              <a:buClrTx/>
+              <a:buSzTx/>
+              <a:buFontTx/>
+              <a:buNone/>
+              <a:tabLst/>
+              <a:defRPr/>
+            </a:pPr>
             <a:r>
               <a:rPr lang="en-US" dirty="0" smtClean="0"/>
-              <a:t>Now that we know how to handle 2way</a:t>
+              <a:t>Now</a:t>
             </a:r>
             <a:r>
               <a:rPr lang="en-US" baseline="0" dirty="0" smtClean="0"/>
-              <a:t> binding with real time updating to our view model we should take a look at how to use this in conjunction with client side data filtering.</a:t>
+              <a:t> that we have shelled out our view, we need to spend some time on the views underlying view model</a:t>
             </a:r>
             <a:endParaRPr lang="en-US" dirty="0"/>
           </a:p>
@@ -1085,28 +1106,20 @@
               <a:defRPr/>
             </a:pPr>
             <a:fld id="{47C584BF-6945-4E60-B2A7-1638FF8EA8EE}" type="slidenum">
-              <a:rPr lang="en-US" smtClean="0">
-                <a:solidFill>
-                  <a:srgbClr val="000000"/>
-                </a:solidFill>
-              </a:rPr>
+              <a:rPr lang="en-US" smtClean="0"/>
               <a:pPr>
                 <a:defRPr/>
               </a:pPr>
               <a:t>10</a:t>
             </a:fld>
-            <a:endParaRPr lang="en-US">
-              <a:solidFill>
-                <a:srgbClr val="000000"/>
-              </a:solidFill>
-            </a:endParaRPr>
+            <a:endParaRPr lang="en-US"/>
           </a:p>
         </p:txBody>
       </p:sp>
     </p:spTree>
     <p:extLst>
       <p:ext uri="{BB962C8B-B14F-4D97-AF65-F5344CB8AC3E}">
-        <p14:creationId xmlns:p14="http://schemas.microsoft.com/office/powerpoint/2010/main" val="3912246115"/>
+        <p14:creationId xmlns:p14="http://schemas.microsoft.com/office/powerpoint/2010/main" val="1194133774"/>
       </p:ext>
     </p:extLst>
   </p:cSld>
@@ -1162,18 +1175,37 @@
           <a:p>
             <a:r>
               <a:rPr lang="en-US" dirty="0" smtClean="0"/>
-              <a:t>[show animation]</a:t>
-            </a:r>
+              <a:t>Our initial view model is going to be pretty</a:t>
+            </a:r>
+            <a:r>
+              <a:rPr lang="en-US" baseline="0" dirty="0" smtClean="0"/>
+              <a:t> straight forward.</a:t>
+            </a:r>
+            <a:endParaRPr lang="en-US" dirty="0" smtClean="0"/>
+          </a:p>
+          <a:p>
+            <a:endParaRPr lang="en-US" dirty="0" smtClean="0"/>
           </a:p>
           <a:p>
             <a:r>
               <a:rPr lang="en-US" dirty="0" smtClean="0"/>
-              <a:t>When</a:t>
+              <a:t>[</a:t>
+            </a:r>
+            <a:r>
+              <a:rPr lang="en-US" dirty="0" smtClean="0"/>
+              <a:t>show animation]</a:t>
+            </a:r>
+          </a:p>
+          <a:p>
+            <a:r>
+              <a:rPr lang="en-US" dirty="0" smtClean="0"/>
+              <a:t>We are going</a:t>
             </a:r>
             <a:r>
               <a:rPr lang="en-US" baseline="0" dirty="0" smtClean="0"/>
-              <a:t> wanting to do data filtering in your view model you may have some code that looks like you see here</a:t>
-            </a:r>
+              <a:t> to first add all our needed Typescript definition reference files.</a:t>
+            </a:r>
+            <a:endParaRPr lang="en-US" baseline="0" dirty="0" smtClean="0"/>
           </a:p>
           <a:p>
             <a:endParaRPr lang="en-US" baseline="0" dirty="0" smtClean="0"/>
@@ -1187,33 +1219,8 @@
           <a:p>
             <a:r>
               <a:rPr lang="en-US" baseline="0" dirty="0" smtClean="0"/>
-              <a:t>We would take our data listing and use </a:t>
-            </a:r>
-            <a:r>
-              <a:rPr lang="en-US" baseline="0" dirty="0" err="1" smtClean="0"/>
-              <a:t>Linq</a:t>
-            </a:r>
-            <a:r>
-              <a:rPr lang="en-US" baseline="0" dirty="0" smtClean="0"/>
-              <a:t> to filter it down based on the filter text provided by the users</a:t>
-            </a:r>
-          </a:p>
-          <a:p>
-            <a:endParaRPr lang="en-US" baseline="0" dirty="0" smtClean="0"/>
-          </a:p>
-          <a:p>
-            <a:r>
-              <a:rPr lang="en-US" baseline="0" dirty="0" smtClean="0"/>
-              <a:t>[show animation]</a:t>
-            </a:r>
-          </a:p>
-          <a:p>
-            <a:r>
-              <a:rPr lang="en-US" baseline="0" dirty="0" smtClean="0"/>
-              <a:t>Once we have our filtered data we just simply need to add it to our bound collection.</a:t>
-            </a:r>
-          </a:p>
-          <a:p>
+              <a:t>Next we are going to create our various properties needed to handle our user input. Some of these properties will be simple observables and others will be arrays used for our selection drop downs</a:t>
+            </a:r>
             <a:endParaRPr lang="en-US" baseline="0" dirty="0" smtClean="0"/>
           </a:p>
         </p:txBody>
@@ -1306,101 +1313,81 @@
           <a:p>
             <a:r>
               <a:rPr lang="en-US" dirty="0" smtClean="0"/>
-              <a:t>[show animation]</a:t>
-            </a:r>
+              <a:t>We</a:t>
+            </a:r>
+            <a:r>
+              <a:rPr lang="en-US" baseline="0" dirty="0" smtClean="0"/>
+              <a:t> that we have our shell view model created, now we need to bind it to our view</a:t>
+            </a:r>
+            <a:endParaRPr lang="en-US" dirty="0" smtClean="0"/>
+          </a:p>
+          <a:p>
+            <a:endParaRPr lang="en-US" dirty="0" smtClean="0"/>
           </a:p>
           <a:p>
             <a:r>
               <a:rPr lang="en-US" dirty="0" smtClean="0"/>
-              <a:t>When doing</a:t>
+              <a:t>[</a:t>
+            </a:r>
+            <a:r>
+              <a:rPr lang="en-US" dirty="0" smtClean="0"/>
+              <a:t>show animation]</a:t>
+            </a:r>
+          </a:p>
+          <a:p>
+            <a:r>
+              <a:rPr lang="en-US" dirty="0" smtClean="0"/>
+              <a:t>We are going to go</a:t>
             </a:r>
             <a:r>
               <a:rPr lang="en-US" baseline="0" dirty="0" smtClean="0"/>
-              <a:t> this inside our </a:t>
+              <a:t> back to </a:t>
             </a:r>
             <a:r>
               <a:rPr lang="en-US" baseline="0" dirty="0" err="1" smtClean="0"/>
-              <a:t>TypeScript</a:t>
+              <a:t>ur</a:t>
             </a:r>
             <a:r>
               <a:rPr lang="en-US" baseline="0" dirty="0" smtClean="0"/>
-              <a:t> view model the code would look something as you see here</a:t>
-            </a:r>
-          </a:p>
-          <a:p>
+              <a:t> </a:t>
+            </a:r>
+            <a:r>
+              <a:rPr lang="en-US" baseline="0" dirty="0" err="1" smtClean="0"/>
+              <a:t>addNewToDo</a:t>
+            </a:r>
+            <a:r>
+              <a:rPr lang="en-US" baseline="0" dirty="0" smtClean="0"/>
+              <a:t> method which is in our main view model and extend it just a bit.</a:t>
+            </a:r>
             <a:endParaRPr lang="en-US" baseline="0" dirty="0" smtClean="0"/>
           </a:p>
           <a:p>
+            <a:endParaRPr lang="en-US" baseline="0" dirty="0" smtClean="0"/>
+          </a:p>
+          <a:p>
             <a:r>
               <a:rPr lang="en-US" baseline="0" dirty="0" smtClean="0"/>
-              <a:t>[show animation]</a:t>
-            </a:r>
-          </a:p>
-          <a:p>
+              <a:t>[show animation</a:t>
+            </a:r>
             <a:r>
               <a:rPr lang="en-US" baseline="0" dirty="0" smtClean="0"/>
-              <a:t>Sadly we cannot use </a:t>
+              <a:t>]</a:t>
+            </a:r>
+          </a:p>
+          <a:p>
+            <a:r>
+              <a:rPr lang="en-US" baseline="0" dirty="0" smtClean="0"/>
+              <a:t>We are going to need to create an instance of our maintain item view model.  Once we have an instance of our view model created, we need to create listener for the ‘shown’ event for our modal dialog.  Inside our event handler we will bind our view to the html by using </a:t>
             </a:r>
             <a:r>
               <a:rPr lang="en-US" baseline="0" dirty="0" err="1" smtClean="0"/>
-              <a:t>Linq</a:t>
+              <a:t>applybindings</a:t>
             </a:r>
             <a:r>
               <a:rPr lang="en-US" baseline="0" dirty="0" smtClean="0"/>
-              <a:t> in </a:t>
-            </a:r>
-            <a:r>
-              <a:rPr lang="en-US" baseline="0" dirty="0" err="1" smtClean="0"/>
-              <a:t>javascript</a:t>
-            </a:r>
-            <a:r>
-              <a:rPr lang="en-US" baseline="0" dirty="0" smtClean="0"/>
-              <a:t>, however the next best thing is the Underscore </a:t>
-            </a:r>
-            <a:r>
-              <a:rPr lang="en-US" baseline="0" dirty="0" err="1" smtClean="0"/>
-              <a:t>js</a:t>
-            </a:r>
-            <a:r>
-              <a:rPr lang="en-US" baseline="0" dirty="0" smtClean="0"/>
-              <a:t> library.  This library has a filter method which will reduce a list in the same manor as </a:t>
-            </a:r>
-            <a:r>
-              <a:rPr lang="en-US" baseline="0" dirty="0" err="1" smtClean="0"/>
-              <a:t>Linq</a:t>
-            </a:r>
-            <a:r>
-              <a:rPr lang="en-US" baseline="0" dirty="0" smtClean="0"/>
-              <a:t>.</a:t>
-            </a:r>
-          </a:p>
-          <a:p>
+              <a:t>.  This time we will not only provide our view model, but also the html element we want to bind to.</a:t>
+            </a:r>
             <a:endParaRPr lang="en-US" baseline="0" dirty="0" smtClean="0"/>
-          </a:p>
-          <a:p>
-            <a:r>
-              <a:rPr lang="en-US" baseline="0" dirty="0" smtClean="0"/>
-              <a:t>[show animation]</a:t>
-            </a:r>
-          </a:p>
-          <a:p>
-            <a:r>
-              <a:rPr lang="en-US" baseline="0" dirty="0" smtClean="0"/>
-              <a:t>Once we have filtered our list via the filter method all we need to do is populate our underlying list of </a:t>
-            </a:r>
-            <a:r>
-              <a:rPr lang="en-US" baseline="0" dirty="0" err="1" smtClean="0"/>
-              <a:t>ToDo’s</a:t>
-            </a:r>
-            <a:r>
-              <a:rPr lang="en-US" baseline="0" dirty="0" smtClean="0"/>
-              <a:t>.  By pushing our results into our bound collection our UI will be updated to reflect our new list of </a:t>
-            </a:r>
-            <a:r>
-              <a:rPr lang="en-US" baseline="0" dirty="0" err="1" smtClean="0"/>
-              <a:t>ToDo’s</a:t>
-            </a:r>
-            <a:endParaRPr lang="en-US" dirty="0" smtClean="0"/>
           </a:p>
         </p:txBody>
       </p:sp>
@@ -1588,13 +1575,30 @@
           <a:bodyPr/>
           <a:lstStyle/>
           <a:p>
+            <a:pPr marL="0" marR="0" indent="0" algn="l" defTabSz="914400" rtl="0" eaLnBrk="0" fontAlgn="base" latinLnBrk="0" hangingPunct="0">
+              <a:lnSpc>
+                <a:spcPct val="100000"/>
+              </a:lnSpc>
+              <a:spcBef>
+                <a:spcPct val="30000"/>
+              </a:spcBef>
+              <a:spcAft>
+                <a:spcPct val="0"/>
+              </a:spcAft>
+              <a:buClrTx/>
+              <a:buSzTx/>
+              <a:buFontTx/>
+              <a:buNone/>
+              <a:tabLst/>
+              <a:defRPr/>
+            </a:pPr>
             <a:r>
               <a:rPr lang="en-US" dirty="0" smtClean="0"/>
-              <a:t>In</a:t>
+              <a:t>Now</a:t>
             </a:r>
             <a:r>
               <a:rPr lang="en-US" baseline="0" dirty="0" smtClean="0"/>
-              <a:t> a module 2 we took a look at how to change a UI style by using a custom observable.  Now we are going to look at a different, more reusable way to accomplish this task now by creating a custom knockout binding.</a:t>
+              <a:t> that we have our view and view model setup, we need to spend some time working on getting our Selection Dropdowns to populate correctly</a:t>
             </a:r>
             <a:endParaRPr lang="en-US" dirty="0"/>
           </a:p>
@@ -1619,28 +1623,20 @@
               <a:defRPr/>
             </a:pPr>
             <a:fld id="{47C584BF-6945-4E60-B2A7-1638FF8EA8EE}" type="slidenum">
-              <a:rPr lang="en-US" smtClean="0">
-                <a:solidFill>
-                  <a:srgbClr val="000000"/>
-                </a:solidFill>
-              </a:rPr>
+              <a:rPr lang="en-US" smtClean="0"/>
               <a:pPr>
                 <a:defRPr/>
               </a:pPr>
               <a:t>14</a:t>
             </a:fld>
-            <a:endParaRPr lang="en-US">
-              <a:solidFill>
-                <a:srgbClr val="000000"/>
-              </a:solidFill>
-            </a:endParaRPr>
+            <a:endParaRPr lang="en-US"/>
           </a:p>
         </p:txBody>
       </p:sp>
     </p:spTree>
     <p:extLst>
       <p:ext uri="{BB962C8B-B14F-4D97-AF65-F5344CB8AC3E}">
-        <p14:creationId xmlns:p14="http://schemas.microsoft.com/office/powerpoint/2010/main" val="346542928"/>
+        <p14:creationId xmlns:p14="http://schemas.microsoft.com/office/powerpoint/2010/main" val="3365240822"/>
       </p:ext>
     </p:extLst>
   </p:cSld>
@@ -1696,17 +1692,11 @@
           <a:p>
             <a:r>
               <a:rPr lang="en-US" dirty="0" smtClean="0"/>
-              <a:t>[show animation]</a:t>
-            </a:r>
-          </a:p>
-          <a:p>
-            <a:r>
-              <a:rPr lang="en-US" dirty="0" smtClean="0"/>
-              <a:t>I</a:t>
+              <a:t>When using a selection</a:t>
             </a:r>
             <a:r>
               <a:rPr lang="en-US" baseline="0" dirty="0" smtClean="0"/>
-              <a:t>n the previous module we saw how we could use Computed Observables to return a string which would be put into the class attribute in HTML.  The problem with this is that this is not highly reusable and is constrained to a single view model</a:t>
+              <a:t> combo in XAML your markup may look something like you see here</a:t>
             </a:r>
           </a:p>
           <a:p>
@@ -1721,7 +1711,23 @@
           <a:p>
             <a:r>
               <a:rPr lang="en-US" baseline="0" dirty="0" smtClean="0"/>
-              <a:t>If we wanted to perform this same action but in a highly reusable way we could use Custom Knockout Bindings.</a:t>
+              <a:t>You would bind your </a:t>
+            </a:r>
+            <a:r>
+              <a:rPr lang="en-US" baseline="0" dirty="0" err="1" smtClean="0"/>
+              <a:t>itemsource</a:t>
+            </a:r>
+            <a:r>
+              <a:rPr lang="en-US" baseline="0" dirty="0" smtClean="0"/>
+              <a:t> to some collection on your view model, this </a:t>
+            </a:r>
+            <a:r>
+              <a:rPr lang="en-US" baseline="0" dirty="0" err="1" smtClean="0"/>
+              <a:t>wll</a:t>
+            </a:r>
+            <a:r>
+              <a:rPr lang="en-US" baseline="0" dirty="0" smtClean="0"/>
+              <a:t> populate the combo box.</a:t>
             </a:r>
           </a:p>
           <a:p>
@@ -1736,16 +1742,21 @@
           <a:p>
             <a:r>
               <a:rPr lang="en-US" baseline="0" dirty="0" smtClean="0"/>
-              <a:t>To create a custom bindings we need to add a new item to the </a:t>
+              <a:t>Next you would setup the </a:t>
             </a:r>
             <a:r>
               <a:rPr lang="en-US" baseline="0" dirty="0" err="1" smtClean="0"/>
-              <a:t>ko.bindingHandlers</a:t>
+              <a:t>SelectedItem</a:t>
             </a:r>
             <a:r>
               <a:rPr lang="en-US" baseline="0" dirty="0" smtClean="0"/>
-              <a:t> collection.   After we add this we can now use this binding in HTML throughout our application.</a:t>
-            </a:r>
+              <a:t> binding in order to store the selected item.  You would also have to remember to set the mode == to </a:t>
+            </a:r>
+            <a:r>
+              <a:rPr lang="en-US" baseline="0" dirty="0" err="1" smtClean="0"/>
+              <a:t>twoway</a:t>
+            </a:r>
+            <a:endParaRPr lang="en-US" baseline="0" dirty="0" smtClean="0"/>
           </a:p>
           <a:p>
             <a:endParaRPr lang="en-US" baseline="0" dirty="0" smtClean="0"/>
@@ -1759,47 +1770,8 @@
           <a:p>
             <a:r>
               <a:rPr lang="en-US" baseline="0" dirty="0" smtClean="0"/>
-              <a:t>Once we have declared our binding we need to implement the </a:t>
-            </a:r>
-            <a:r>
-              <a:rPr lang="en-US" baseline="0" dirty="0" err="1" smtClean="0"/>
-              <a:t>init</a:t>
-            </a:r>
-            <a:r>
-              <a:rPr lang="en-US" baseline="0" dirty="0" smtClean="0"/>
-              <a:t> method on the binding.  Our </a:t>
-            </a:r>
-            <a:r>
-              <a:rPr lang="en-US" baseline="0" dirty="0" err="1" smtClean="0"/>
-              <a:t>Init</a:t>
-            </a:r>
-            <a:r>
-              <a:rPr lang="en-US" baseline="0" dirty="0" smtClean="0"/>
-              <a:t> method accepts 2 arguments, the UI element and its value.  This is great because it allows us evaluate a value and take some action on our underlying HTML element.</a:t>
-            </a:r>
-          </a:p>
-          <a:p>
-            <a:endParaRPr lang="en-US" baseline="0" dirty="0" smtClean="0"/>
-          </a:p>
-          <a:p>
-            <a:r>
-              <a:rPr lang="en-US" baseline="0" dirty="0" smtClean="0"/>
-              <a:t>[show animation]</a:t>
-            </a:r>
-          </a:p>
-          <a:p>
-            <a:r>
-              <a:rPr lang="en-US" baseline="0" dirty="0" smtClean="0"/>
-              <a:t>Implementing our new binding is done using the exact same syntax as other binders such as Value or Text.</a:t>
-            </a:r>
-          </a:p>
-          <a:p>
-            <a:endParaRPr lang="en-US" baseline="0" dirty="0" smtClean="0"/>
-          </a:p>
-          <a:p>
-            <a:endParaRPr lang="en-US" baseline="0" dirty="0" smtClean="0"/>
-          </a:p>
-          <a:p>
+              <a:t>Finally, if you are bound to a collection of objects, you will most likely create a data template to define which property, or properties, you want displayed for each instance of the underlying collection.</a:t>
+            </a:r>
             <a:endParaRPr lang="en-US" dirty="0"/>
           </a:p>
         </p:txBody>
@@ -1890,6 +1862,75 @@
           <a:bodyPr/>
           <a:lstStyle/>
           <a:p>
+            <a:r>
+              <a:rPr lang="en-US" dirty="0" smtClean="0"/>
+              <a:t>When using a selection</a:t>
+            </a:r>
+            <a:r>
+              <a:rPr lang="en-US" baseline="0" dirty="0" smtClean="0"/>
+              <a:t> combo in HTML with knockout your markup may look something like you see here</a:t>
+            </a:r>
+          </a:p>
+          <a:p>
+            <a:endParaRPr lang="en-US" baseline="0" dirty="0" smtClean="0"/>
+          </a:p>
+          <a:p>
+            <a:r>
+              <a:rPr lang="en-US" baseline="0" dirty="0" smtClean="0"/>
+              <a:t>[show animation]</a:t>
+            </a:r>
+          </a:p>
+          <a:p>
+            <a:r>
+              <a:rPr lang="en-US" baseline="0" dirty="0" smtClean="0"/>
+              <a:t>You would use the options binder to bind a collection in your </a:t>
+            </a:r>
+            <a:r>
+              <a:rPr lang="en-US" baseline="0" dirty="0" err="1" smtClean="0"/>
+              <a:t>viewmodel</a:t>
+            </a:r>
+            <a:r>
+              <a:rPr lang="en-US" baseline="0" dirty="0" smtClean="0"/>
+              <a:t> to your selection box.</a:t>
+            </a:r>
+          </a:p>
+          <a:p>
+            <a:endParaRPr lang="en-US" baseline="0" dirty="0" smtClean="0"/>
+          </a:p>
+          <a:p>
+            <a:r>
+              <a:rPr lang="en-US" baseline="0" dirty="0" smtClean="0"/>
+              <a:t>[show animation]</a:t>
+            </a:r>
+          </a:p>
+          <a:p>
+            <a:r>
+              <a:rPr lang="en-US" baseline="0" dirty="0" smtClean="0"/>
+              <a:t>Next you would use the value binder to specify where in your view model to store the value of the selected item.</a:t>
+            </a:r>
+          </a:p>
+          <a:p>
+            <a:endParaRPr lang="en-US" baseline="0" dirty="0" smtClean="0"/>
+          </a:p>
+          <a:p>
+            <a:r>
+              <a:rPr lang="en-US" baseline="0" dirty="0" smtClean="0"/>
+              <a:t>[show animation]</a:t>
+            </a:r>
+          </a:p>
+          <a:p>
+            <a:r>
+              <a:rPr lang="en-US" baseline="0" dirty="0" smtClean="0"/>
+              <a:t>Finally, you would use the </a:t>
+            </a:r>
+            <a:r>
+              <a:rPr lang="en-US" baseline="0" dirty="0" err="1" smtClean="0"/>
+              <a:t>optionsText</a:t>
+            </a:r>
+            <a:r>
+              <a:rPr lang="en-US" baseline="0" dirty="0" smtClean="0"/>
+              <a:t> binder to specify which observable to use when displaying data for each item in the collection. </a:t>
+            </a:r>
             <a:endParaRPr lang="en-US" dirty="0"/>
           </a:p>
         </p:txBody>
@@ -1913,28 +1954,20 @@
               <a:defRPr/>
             </a:pPr>
             <a:fld id="{47C584BF-6945-4E60-B2A7-1638FF8EA8EE}" type="slidenum">
-              <a:rPr lang="en-US" smtClean="0">
-                <a:solidFill>
-                  <a:srgbClr val="000000"/>
-                </a:solidFill>
-              </a:rPr>
+              <a:rPr lang="en-US" smtClean="0"/>
               <a:pPr>
                 <a:defRPr/>
               </a:pPr>
               <a:t>16</a:t>
             </a:fld>
-            <a:endParaRPr lang="en-US">
-              <a:solidFill>
-                <a:srgbClr val="000000"/>
-              </a:solidFill>
-            </a:endParaRPr>
+            <a:endParaRPr lang="en-US"/>
           </a:p>
         </p:txBody>
       </p:sp>
     </p:spTree>
     <p:extLst>
       <p:ext uri="{BB962C8B-B14F-4D97-AF65-F5344CB8AC3E}">
-        <p14:creationId xmlns:p14="http://schemas.microsoft.com/office/powerpoint/2010/main" val="1061958653"/>
+        <p14:creationId xmlns:p14="http://schemas.microsoft.com/office/powerpoint/2010/main" val="2536360049"/>
       </p:ext>
     </p:extLst>
   </p:cSld>
@@ -1988,14 +2021,6 @@
           <a:bodyPr/>
           <a:lstStyle/>
           <a:p>
-            <a:r>
-              <a:rPr lang="en-US" dirty="0" smtClean="0"/>
-              <a:t>When building XAML based applications it is very common to use a Boolean</a:t>
-            </a:r>
-            <a:r>
-              <a:rPr lang="en-US" baseline="0" dirty="0" smtClean="0"/>
-              <a:t> to visibility converter to drive the visibility of your UI elements based on a property in your view model..  We can accomplish this same result via knockout but with less code.</a:t>
-            </a:r>
             <a:endParaRPr lang="en-US" dirty="0"/>
           </a:p>
         </p:txBody>
@@ -2040,7 +2065,7 @@
     </p:spTree>
     <p:extLst>
       <p:ext uri="{BB962C8B-B14F-4D97-AF65-F5344CB8AC3E}">
-        <p14:creationId xmlns:p14="http://schemas.microsoft.com/office/powerpoint/2010/main" val="3096285953"/>
+        <p14:creationId xmlns:p14="http://schemas.microsoft.com/office/powerpoint/2010/main" val="1061958653"/>
       </p:ext>
     </p:extLst>
   </p:cSld>
@@ -2094,42 +2119,30 @@
           <a:bodyPr/>
           <a:lstStyle/>
           <a:p>
+            <a:pPr marL="0" marR="0" indent="0" algn="l" defTabSz="914400" rtl="0" eaLnBrk="0" fontAlgn="base" latinLnBrk="0" hangingPunct="0">
+              <a:lnSpc>
+                <a:spcPct val="100000"/>
+              </a:lnSpc>
+              <a:spcBef>
+                <a:spcPct val="30000"/>
+              </a:spcBef>
+              <a:spcAft>
+                <a:spcPct val="0"/>
+              </a:spcAft>
+              <a:buClrTx/>
+              <a:buSzTx/>
+              <a:buFontTx/>
+              <a:buNone/>
+              <a:tabLst/>
+              <a:defRPr/>
+            </a:pPr>
             <a:r>
               <a:rPr lang="en-US" dirty="0" smtClean="0"/>
-              <a:t>[show animation]</a:t>
-            </a:r>
-          </a:p>
-          <a:p>
-            <a:r>
-              <a:rPr lang="en-US" dirty="0" smtClean="0"/>
-              <a:t>I</a:t>
+              <a:t>Now</a:t>
             </a:r>
             <a:r>
               <a:rPr lang="en-US" baseline="0" dirty="0" smtClean="0"/>
-              <a:t>n Silverlight you would use an </a:t>
-            </a:r>
-            <a:r>
-              <a:rPr lang="en-US" baseline="0" dirty="0" err="1" smtClean="0"/>
-              <a:t>IValueConverter</a:t>
-            </a:r>
-            <a:r>
-              <a:rPr lang="en-US" baseline="0" dirty="0" smtClean="0"/>
-              <a:t> to toggle visibility state and the code would look something like you see here on screen </a:t>
-            </a:r>
-          </a:p>
-          <a:p>
-            <a:endParaRPr lang="en-US" baseline="0" dirty="0" smtClean="0"/>
-          </a:p>
-          <a:p>
-            <a:r>
-              <a:rPr lang="en-US" baseline="0" dirty="0" smtClean="0"/>
-              <a:t>[show animation]</a:t>
-            </a:r>
-          </a:p>
-          <a:p>
-            <a:r>
-              <a:rPr lang="en-US" baseline="0" dirty="0" smtClean="0"/>
-              <a:t>The converter you see here will accept a value provided to it via the bound property and will return the correct visibility status based on the evaluation of that value.</a:t>
+              <a:t> that we have our view and view model setup, we need to spend some time working on getting our Selection Dropdowns to populate correctly</a:t>
             </a:r>
             <a:endParaRPr lang="en-US" dirty="0"/>
           </a:p>
@@ -2167,7 +2180,7 @@
     </p:spTree>
     <p:extLst>
       <p:ext uri="{BB962C8B-B14F-4D97-AF65-F5344CB8AC3E}">
-        <p14:creationId xmlns:p14="http://schemas.microsoft.com/office/powerpoint/2010/main" val="332736205"/>
+        <p14:creationId xmlns:p14="http://schemas.microsoft.com/office/powerpoint/2010/main" val="1576668571"/>
       </p:ext>
     </p:extLst>
   </p:cSld>
@@ -2225,16 +2238,23 @@
               <a:rPr lang="en-US" dirty="0" smtClean="0"/>
               <a:t>[show animation]</a:t>
             </a:r>
-            <a:endParaRPr lang="en-US" dirty="0"/>
           </a:p>
           <a:p>
             <a:r>
               <a:rPr lang="en-US" dirty="0" smtClean="0"/>
-              <a:t>To</a:t>
+              <a:t>I</a:t>
             </a:r>
             <a:r>
               <a:rPr lang="en-US" baseline="0" dirty="0" smtClean="0"/>
-              <a:t> accomplish the same result in knockout you would create html like you see here on screen</a:t>
+              <a:t>n Silverlight you would use an </a:t>
+            </a:r>
+            <a:r>
+              <a:rPr lang="en-US" baseline="0" dirty="0" err="1" smtClean="0"/>
+              <a:t>IValueConverter</a:t>
+            </a:r>
+            <a:r>
+              <a:rPr lang="en-US" baseline="0" dirty="0" smtClean="0"/>
+              <a:t> to toggle visibility state and the code would look something like you see here on screen </a:t>
             </a:r>
           </a:p>
           <a:p>
@@ -2249,48 +2269,9 @@
           <a:p>
             <a:r>
               <a:rPr lang="en-US" baseline="0" dirty="0" smtClean="0"/>
-              <a:t>Knockout has a visible binding which will toggle the associated html DOM element to either be visible or hidden</a:t>
-            </a:r>
-          </a:p>
-          <a:p>
-            <a:endParaRPr lang="en-US" baseline="0" dirty="0" smtClean="0"/>
-          </a:p>
-          <a:p>
-            <a:r>
-              <a:rPr lang="en-US" baseline="0" dirty="0" smtClean="0"/>
-              <a:t>[show animation]</a:t>
-            </a:r>
-          </a:p>
-          <a:p>
-            <a:r>
-              <a:rPr lang="en-US" baseline="0" dirty="0" smtClean="0"/>
-              <a:t>When using visible binding, you need to provide a statement to be evaluated.  In our example we are going to evaluate a text property to see if it matches a predetermined value.  There is one special thing should understand about the way this evaluates and that is this does not follow strict true/false lines.  This follows the </a:t>
-            </a:r>
-            <a:r>
-              <a:rPr lang="en-US" baseline="0" dirty="0" err="1" smtClean="0"/>
-              <a:t>javascript</a:t>
-            </a:r>
-            <a:r>
-              <a:rPr lang="en-US" baseline="0" dirty="0" smtClean="0"/>
-              <a:t> </a:t>
-            </a:r>
-            <a:r>
-              <a:rPr lang="en-US" baseline="0" dirty="0" err="1" smtClean="0"/>
-              <a:t>truthly</a:t>
-            </a:r>
-            <a:r>
-              <a:rPr lang="en-US" baseline="0" dirty="0" smtClean="0"/>
-              <a:t> </a:t>
-            </a:r>
-            <a:r>
-              <a:rPr lang="en-US" baseline="0" dirty="0" err="1" smtClean="0"/>
-              <a:t>falsly</a:t>
-            </a:r>
-            <a:r>
-              <a:rPr lang="en-US" baseline="0" dirty="0" smtClean="0"/>
-              <a:t> concept which basically means that if it appears true by either having a true Boolean, a true string or a non 0 value it will evaluate as true. However, if it appears false, by either being false, 0, null or undefined value it will resolve to false.</a:t>
-            </a:r>
-            <a:endParaRPr lang="en-US" dirty="0" smtClean="0"/>
+              <a:t>The converter you see here will accept a value provided to it via the bound property and will return the correct visibility status based on the evaluation of that value.</a:t>
+            </a:r>
+            <a:endParaRPr lang="en-US" dirty="0"/>
           </a:p>
         </p:txBody>
       </p:sp>
@@ -2326,7 +2307,7 @@
     </p:spTree>
     <p:extLst>
       <p:ext uri="{BB962C8B-B14F-4D97-AF65-F5344CB8AC3E}">
-        <p14:creationId xmlns:p14="http://schemas.microsoft.com/office/powerpoint/2010/main" val="1193386891"/>
+        <p14:creationId xmlns:p14="http://schemas.microsoft.com/office/powerpoint/2010/main" val="3966943197"/>
       </p:ext>
     </p:extLst>
   </p:cSld>
@@ -2382,7 +2363,15 @@
           <a:p>
             <a:r>
               <a:rPr lang="en-US" baseline="0" dirty="0" smtClean="0"/>
-              <a:t>In this module we are going to take a look at 6 different areas.</a:t>
+              <a:t>In this module we are going to take a look at </a:t>
+            </a:r>
+            <a:r>
+              <a:rPr lang="en-US" baseline="0" dirty="0" smtClean="0"/>
+              <a:t>7 </a:t>
+            </a:r>
+            <a:r>
+              <a:rPr lang="en-US" baseline="0" dirty="0" smtClean="0"/>
+              <a:t>different areas.</a:t>
             </a:r>
           </a:p>
           <a:p>
@@ -2397,16 +2386,13 @@
           <a:p>
             <a:r>
               <a:rPr lang="en-US" baseline="0" dirty="0" smtClean="0"/>
-              <a:t>The first thing we are going to do is take a look at how to handle 2 way text binding along w/ real time text </a:t>
-            </a:r>
-            <a:r>
-              <a:rPr lang="en-US" baseline="0" dirty="0" err="1" smtClean="0"/>
-              <a:t>bindng</a:t>
+              <a:t>The first thing we are going to </a:t>
             </a:r>
             <a:r>
               <a:rPr lang="en-US" baseline="0" dirty="0" smtClean="0"/>
-              <a:t>. We will compare how we can do this with XAML bindings to how we can accomplish this with knockout</a:t>
-            </a:r>
+              <a:t>do is build the raw html for our maintenance dialog.  When building our html we will pay attention to how we can use the Twitter Bootstrap library provide some of our functionality</a:t>
+            </a:r>
+            <a:endParaRPr lang="en-US" baseline="0" dirty="0" smtClean="0"/>
           </a:p>
           <a:p>
             <a:endParaRPr lang="en-US" baseline="0" dirty="0" smtClean="0"/>
@@ -2420,16 +2406,13 @@
           <a:p>
             <a:r>
               <a:rPr lang="en-US" baseline="0" dirty="0" smtClean="0"/>
-              <a:t>Next we will learn how to filter our data on the client side.  We will compare the filter via knockout and </a:t>
-            </a:r>
-            <a:r>
-              <a:rPr lang="en-US" baseline="0" dirty="0" err="1" smtClean="0"/>
-              <a:t>javasript</a:t>
+              <a:t>Next </a:t>
             </a:r>
             <a:r>
               <a:rPr lang="en-US" baseline="0" dirty="0" smtClean="0"/>
-              <a:t> to how we would do it if we were in our C# View model</a:t>
-            </a:r>
+              <a:t>we will shift to working on our base view model.  Initially we are going to create just a simple view model which we will extend in later lessons.</a:t>
+            </a:r>
+            <a:endParaRPr lang="en-US" baseline="0" dirty="0" smtClean="0"/>
           </a:p>
           <a:p>
             <a:endParaRPr lang="en-US" baseline="0" dirty="0" smtClean="0"/>
@@ -2443,16 +2426,36 @@
           <a:p>
             <a:r>
               <a:rPr lang="en-US" baseline="0" dirty="0" smtClean="0"/>
-              <a:t>After this we explore another way in which we can dynamically apply styles to our </a:t>
+              <a:t>After this we </a:t>
+            </a:r>
+            <a:r>
+              <a:rPr lang="en-US" baseline="0" dirty="0" smtClean="0"/>
+              <a:t>are going to explore how to use knockout </a:t>
             </a:r>
             <a:r>
               <a:rPr lang="en-US" baseline="0" dirty="0" err="1" smtClean="0"/>
-              <a:t>ui</a:t>
+              <a:t>js</a:t>
             </a:r>
             <a:r>
               <a:rPr lang="en-US" baseline="0" dirty="0" smtClean="0"/>
-              <a:t>.  We will compare this new method in knockout to the how it could be done by using a style converter</a:t>
-            </a:r>
+              <a:t> to setup and populate or data selection combo boxes.  When setting up these selection boxes we will learn how to bind a collection to the control as well as how to define which value it displays to the user.</a:t>
+            </a:r>
+          </a:p>
+          <a:p>
+            <a:endParaRPr lang="en-US" baseline="0" dirty="0" smtClean="0"/>
+          </a:p>
+          <a:p>
+            <a:r>
+              <a:rPr lang="en-US" baseline="0" dirty="0" smtClean="0"/>
+              <a:t>[show animation]</a:t>
+            </a:r>
+          </a:p>
+          <a:p>
+            <a:r>
+              <a:rPr lang="en-US" baseline="0" dirty="0" smtClean="0"/>
+              <a:t>Following this we are going to learn how to work with date fields in our data entry form.  Dates can be painful as the built in support is not truly cross browser yet.  We will take a look at 2 different ways to work with date controls in our lesson.</a:t>
+            </a:r>
+            <a:endParaRPr lang="en-US" baseline="0" dirty="0" smtClean="0"/>
           </a:p>
           <a:p>
             <a:endParaRPr lang="en-US" baseline="0" dirty="0" smtClean="0"/>
@@ -2545,6 +2548,43 @@
           <a:bodyPr/>
           <a:lstStyle/>
           <a:p>
+            <a:r>
+              <a:rPr lang="en-US" dirty="0" smtClean="0"/>
+              <a:t>[show animation]</a:t>
+            </a:r>
+          </a:p>
+          <a:p>
+            <a:r>
+              <a:rPr lang="en-US" dirty="0" smtClean="0"/>
+              <a:t>I</a:t>
+            </a:r>
+            <a:r>
+              <a:rPr lang="en-US" baseline="0" dirty="0" smtClean="0"/>
+              <a:t>n Silverlight you would use an </a:t>
+            </a:r>
+            <a:r>
+              <a:rPr lang="en-US" baseline="0" dirty="0" err="1" smtClean="0"/>
+              <a:t>IValueConverter</a:t>
+            </a:r>
+            <a:r>
+              <a:rPr lang="en-US" baseline="0" dirty="0" smtClean="0"/>
+              <a:t> to toggle visibility state and the code would look something like you see here on screen </a:t>
+            </a:r>
+          </a:p>
+          <a:p>
+            <a:endParaRPr lang="en-US" baseline="0" dirty="0" smtClean="0"/>
+          </a:p>
+          <a:p>
+            <a:r>
+              <a:rPr lang="en-US" baseline="0" dirty="0" smtClean="0"/>
+              <a:t>[show animation]</a:t>
+            </a:r>
+          </a:p>
+          <a:p>
+            <a:r>
+              <a:rPr lang="en-US" baseline="0" dirty="0" smtClean="0"/>
+              <a:t>The converter you see here will accept a value provided to it via the bound property and will return the correct visibility status based on the evaluation of that value.</a:t>
+            </a:r>
             <a:endParaRPr lang="en-US" dirty="0"/>
           </a:p>
         </p:txBody>
@@ -2568,28 +2608,20 @@
               <a:defRPr/>
             </a:pPr>
             <a:fld id="{47C584BF-6945-4E60-B2A7-1638FF8EA8EE}" type="slidenum">
-              <a:rPr lang="en-US" smtClean="0">
-                <a:solidFill>
-                  <a:srgbClr val="000000"/>
-                </a:solidFill>
-              </a:rPr>
+              <a:rPr lang="en-US" smtClean="0"/>
               <a:pPr>
                 <a:defRPr/>
               </a:pPr>
               <a:t>20</a:t>
             </a:fld>
-            <a:endParaRPr lang="en-US">
-              <a:solidFill>
-                <a:srgbClr val="000000"/>
-              </a:solidFill>
-            </a:endParaRPr>
+            <a:endParaRPr lang="en-US"/>
           </a:p>
         </p:txBody>
       </p:sp>
     </p:spTree>
     <p:extLst>
       <p:ext uri="{BB962C8B-B14F-4D97-AF65-F5344CB8AC3E}">
-        <p14:creationId xmlns:p14="http://schemas.microsoft.com/office/powerpoint/2010/main" val="2213122466"/>
+        <p14:creationId xmlns:p14="http://schemas.microsoft.com/office/powerpoint/2010/main" val="332736205"/>
       </p:ext>
     </p:extLst>
   </p:cSld>
@@ -2645,31 +2677,40 @@
           <a:p>
             <a:r>
               <a:rPr lang="en-US" dirty="0" smtClean="0"/>
-              <a:t>In most applications</a:t>
+              <a:t>[show animation]</a:t>
+            </a:r>
+          </a:p>
+          <a:p>
+            <a:r>
+              <a:rPr lang="en-US" dirty="0" smtClean="0"/>
+              <a:t>I</a:t>
             </a:r>
             <a:r>
               <a:rPr lang="en-US" baseline="0" dirty="0" smtClean="0"/>
-              <a:t> there will be a need to delete application data.  We are going to take a look at how we would delete data via an HTTP post using </a:t>
+              <a:t>n Silverlight you would use an </a:t>
             </a:r>
             <a:r>
               <a:rPr lang="en-US" baseline="0" dirty="0" err="1" smtClean="0"/>
-              <a:t>jquery</a:t>
+              <a:t>IValueConverter</a:t>
             </a:r>
             <a:r>
               <a:rPr lang="en-US" baseline="0" dirty="0" smtClean="0"/>
-              <a:t> and </a:t>
-            </a:r>
-            <a:r>
-              <a:rPr lang="en-US" baseline="0" dirty="0" err="1" smtClean="0"/>
-              <a:t>ajax</a:t>
-            </a:r>
+              <a:t> to toggle visibility state and the code would look something like you see here on screen </a:t>
+            </a:r>
+          </a:p>
+          <a:p>
+            <a:endParaRPr lang="en-US" baseline="0" dirty="0" smtClean="0"/>
+          </a:p>
+          <a:p>
             <a:r>
               <a:rPr lang="en-US" baseline="0" dirty="0" smtClean="0"/>
-              <a:t>.  We will compare how this would be accomplished if we were doing this in </a:t>
-            </a:r>
-            <a:r>
-              <a:rPr lang="en-US" baseline="0" dirty="0" err="1" smtClean="0"/>
-              <a:t>silverlight</a:t>
+              <a:t>[show animation]</a:t>
+            </a:r>
+          </a:p>
+          <a:p>
+            <a:r>
+              <a:rPr lang="en-US" baseline="0" dirty="0" smtClean="0"/>
+              <a:t>The converter you see here will accept a value provided to it via the bound property and will return the correct visibility status based on the evaluation of that value.</a:t>
             </a:r>
             <a:endParaRPr lang="en-US" dirty="0"/>
           </a:p>
@@ -2694,28 +2735,20 @@
               <a:defRPr/>
             </a:pPr>
             <a:fld id="{47C584BF-6945-4E60-B2A7-1638FF8EA8EE}" type="slidenum">
-              <a:rPr lang="en-US" smtClean="0">
-                <a:solidFill>
-                  <a:srgbClr val="000000"/>
-                </a:solidFill>
-              </a:rPr>
+              <a:rPr lang="en-US" smtClean="0"/>
               <a:pPr>
                 <a:defRPr/>
               </a:pPr>
               <a:t>21</a:t>
             </a:fld>
-            <a:endParaRPr lang="en-US">
-              <a:solidFill>
-                <a:srgbClr val="000000"/>
-              </a:solidFill>
-            </a:endParaRPr>
+            <a:endParaRPr lang="en-US"/>
           </a:p>
         </p:txBody>
       </p:sp>
     </p:spTree>
     <p:extLst>
       <p:ext uri="{BB962C8B-B14F-4D97-AF65-F5344CB8AC3E}">
-        <p14:creationId xmlns:p14="http://schemas.microsoft.com/office/powerpoint/2010/main" val="417372404"/>
+        <p14:creationId xmlns:p14="http://schemas.microsoft.com/office/powerpoint/2010/main" val="983071863"/>
       </p:ext>
     </p:extLst>
   </p:cSld>
@@ -2769,79 +2802,7 @@
           <a:bodyPr/>
           <a:lstStyle/>
           <a:p>
-            <a:r>
-              <a:rPr lang="en-US" dirty="0" smtClean="0"/>
-              <a:t>If you are</a:t>
-            </a:r>
-            <a:r>
-              <a:rPr lang="en-US" baseline="0" dirty="0" smtClean="0"/>
-              <a:t> using Silverlight and needed to make an http post you may have code which looks a bit like you see here</a:t>
-            </a:r>
-          </a:p>
-          <a:p>
-            <a:endParaRPr lang="en-US" baseline="0" dirty="0" smtClean="0"/>
-          </a:p>
-          <a:p>
-            <a:r>
-              <a:rPr lang="en-US" baseline="0" dirty="0" smtClean="0"/>
-              <a:t>[show animation]</a:t>
-            </a:r>
-          </a:p>
-          <a:p>
-            <a:r>
-              <a:rPr lang="en-US" dirty="0" smtClean="0"/>
-              <a:t>The first thing we would</a:t>
-            </a:r>
-            <a:r>
-              <a:rPr lang="en-US" baseline="0" dirty="0" smtClean="0"/>
-              <a:t> need to do is determine the http endpoint to call in order to perform our delete</a:t>
-            </a:r>
-          </a:p>
-          <a:p>
-            <a:endParaRPr lang="en-US" baseline="0" dirty="0" smtClean="0"/>
-          </a:p>
-          <a:p>
-            <a:r>
-              <a:rPr lang="en-US" baseline="0" dirty="0" smtClean="0"/>
-              <a:t>[show animation]</a:t>
-            </a:r>
-          </a:p>
-          <a:p>
-            <a:r>
-              <a:rPr lang="en-US" baseline="0" dirty="0" smtClean="0"/>
-              <a:t>Next we would need to create some sort of connection to this endpoint, here we are using Rest client which is a </a:t>
-            </a:r>
-            <a:r>
-              <a:rPr lang="en-US" baseline="0" dirty="0" err="1" smtClean="0"/>
-              <a:t>.net</a:t>
-            </a:r>
-            <a:r>
-              <a:rPr lang="en-US" baseline="0" dirty="0" smtClean="0"/>
-              <a:t> library for working with restful end points</a:t>
-            </a:r>
-          </a:p>
-          <a:p>
-            <a:endParaRPr lang="en-US" baseline="0" dirty="0" smtClean="0"/>
-          </a:p>
-          <a:p>
-            <a:r>
-              <a:rPr lang="en-US" baseline="0" dirty="0" smtClean="0"/>
-              <a:t>[show animation]</a:t>
-            </a:r>
-          </a:p>
-          <a:p>
-            <a:r>
-              <a:rPr lang="en-US" baseline="0" dirty="0" smtClean="0"/>
-              <a:t>Finally we would make the call </a:t>
-            </a:r>
-            <a:r>
-              <a:rPr lang="en-US" baseline="0" dirty="0" err="1" smtClean="0"/>
-              <a:t>asynchronisly</a:t>
-            </a:r>
-            <a:r>
-              <a:rPr lang="en-US" baseline="0" dirty="0" smtClean="0"/>
-              <a:t> and would wait for the response.  Once we received our call back we would check some status indicator in order to process the result.  Depending on the returned status we would either process he results successfully or handle some sort of error condition. </a:t>
-            </a:r>
+            <a:endParaRPr lang="en-US" dirty="0"/>
           </a:p>
         </p:txBody>
       </p:sp>
@@ -2864,20 +2825,28 @@
               <a:defRPr/>
             </a:pPr>
             <a:fld id="{47C584BF-6945-4E60-B2A7-1638FF8EA8EE}" type="slidenum">
-              <a:rPr lang="en-US" smtClean="0"/>
+              <a:rPr lang="en-US" smtClean="0">
+                <a:solidFill>
+                  <a:srgbClr val="000000"/>
+                </a:solidFill>
+              </a:rPr>
               <a:pPr>
                 <a:defRPr/>
               </a:pPr>
               <a:t>22</a:t>
             </a:fld>
-            <a:endParaRPr lang="en-US"/>
+            <a:endParaRPr lang="en-US">
+              <a:solidFill>
+                <a:srgbClr val="000000"/>
+              </a:solidFill>
+            </a:endParaRPr>
           </a:p>
         </p:txBody>
       </p:sp>
     </p:spTree>
     <p:extLst>
       <p:ext uri="{BB962C8B-B14F-4D97-AF65-F5344CB8AC3E}">
-        <p14:creationId xmlns:p14="http://schemas.microsoft.com/office/powerpoint/2010/main" val="3220638113"/>
+        <p14:creationId xmlns:p14="http://schemas.microsoft.com/office/powerpoint/2010/main" val="2213122466"/>
       </p:ext>
     </p:extLst>
   </p:cSld>
@@ -2933,49 +2902,11 @@
           <a:p>
             <a:r>
               <a:rPr lang="en-US" dirty="0" smtClean="0"/>
-              <a:t>When</a:t>
+              <a:t>In most applications</a:t>
             </a:r>
             <a:r>
               <a:rPr lang="en-US" baseline="0" dirty="0" smtClean="0"/>
-              <a:t> using Typescript and </a:t>
-            </a:r>
-            <a:r>
-              <a:rPr lang="en-US" baseline="0" dirty="0" err="1" smtClean="0"/>
-              <a:t>jQuery</a:t>
-            </a:r>
-            <a:r>
-              <a:rPr lang="en-US" baseline="0" dirty="0" smtClean="0"/>
-              <a:t> our code would look quite similar to that in c# and Silverlight.</a:t>
-            </a:r>
-          </a:p>
-          <a:p>
-            <a:endParaRPr lang="en-US" baseline="0" dirty="0" smtClean="0"/>
-          </a:p>
-          <a:p>
-            <a:r>
-              <a:rPr lang="en-US" baseline="0" dirty="0" smtClean="0"/>
-              <a:t>[show animation]</a:t>
-            </a:r>
-          </a:p>
-          <a:p>
-            <a:r>
-              <a:rPr lang="en-US" baseline="0" dirty="0" smtClean="0"/>
-              <a:t>We still need to know the address of our end point to connect to.</a:t>
-            </a:r>
-          </a:p>
-          <a:p>
-            <a:endParaRPr lang="en-US" baseline="0" dirty="0" smtClean="0"/>
-          </a:p>
-          <a:p>
-            <a:r>
-              <a:rPr lang="en-US" baseline="0" dirty="0" smtClean="0"/>
-              <a:t>[show animation]</a:t>
-            </a:r>
-          </a:p>
-          <a:p>
-            <a:r>
-              <a:rPr lang="en-US" baseline="0" dirty="0" smtClean="0"/>
-              <a:t>We would need to use some library to make our remote call to perform the action, in our case we are going to use the </a:t>
+              <a:t> there will be a need to delete application data.  We are going to take a look at how we would delete data via an HTTP post using </a:t>
             </a:r>
             <a:r>
               <a:rPr lang="en-US" baseline="0" dirty="0" err="1" smtClean="0"/>
@@ -2983,7 +2914,7 @@
             </a:r>
             <a:r>
               <a:rPr lang="en-US" baseline="0" dirty="0" smtClean="0"/>
-              <a:t> </a:t>
+              <a:t> and </a:t>
             </a:r>
             <a:r>
               <a:rPr lang="en-US" baseline="0" dirty="0" err="1" smtClean="0"/>
@@ -2991,22 +2922,11 @@
             </a:r>
             <a:r>
               <a:rPr lang="en-US" baseline="0" dirty="0" smtClean="0"/>
-              <a:t> library</a:t>
-            </a:r>
-          </a:p>
-          <a:p>
-            <a:endParaRPr lang="en-US" baseline="0" dirty="0" smtClean="0"/>
-          </a:p>
-          <a:p>
-            <a:r>
-              <a:rPr lang="en-US" baseline="0" dirty="0" smtClean="0"/>
-              <a:t>[show animation]</a:t>
-            </a:r>
-          </a:p>
-          <a:p>
-            <a:r>
-              <a:rPr lang="en-US" baseline="0" dirty="0" smtClean="0"/>
-              <a:t>Finally you would need to process the results from the call.  Again based on the status returned you would either handle successful results or process some sort of failure.</a:t>
+              <a:t>.  We will compare how this would be accomplished if we were doing this in </a:t>
+            </a:r>
+            <a:r>
+              <a:rPr lang="en-US" baseline="0" dirty="0" err="1" smtClean="0"/>
+              <a:t>silverlight</a:t>
             </a:r>
             <a:endParaRPr lang="en-US" dirty="0"/>
           </a:p>
@@ -3031,20 +2951,28 @@
               <a:defRPr/>
             </a:pPr>
             <a:fld id="{47C584BF-6945-4E60-B2A7-1638FF8EA8EE}" type="slidenum">
-              <a:rPr lang="en-US" smtClean="0"/>
+              <a:rPr lang="en-US" smtClean="0">
+                <a:solidFill>
+                  <a:srgbClr val="000000"/>
+                </a:solidFill>
+              </a:rPr>
               <a:pPr>
                 <a:defRPr/>
               </a:pPr>
               <a:t>23</a:t>
             </a:fld>
-            <a:endParaRPr lang="en-US"/>
+            <a:endParaRPr lang="en-US">
+              <a:solidFill>
+                <a:srgbClr val="000000"/>
+              </a:solidFill>
+            </a:endParaRPr>
           </a:p>
         </p:txBody>
       </p:sp>
     </p:spTree>
     <p:extLst>
       <p:ext uri="{BB962C8B-B14F-4D97-AF65-F5344CB8AC3E}">
-        <p14:creationId xmlns:p14="http://schemas.microsoft.com/office/powerpoint/2010/main" val="1086209664"/>
+        <p14:creationId xmlns:p14="http://schemas.microsoft.com/office/powerpoint/2010/main" val="417372404"/>
       </p:ext>
     </p:extLst>
   </p:cSld>
@@ -3098,7 +3026,79 @@
           <a:bodyPr/>
           <a:lstStyle/>
           <a:p>
-            <a:endParaRPr lang="en-US" dirty="0"/>
+            <a:r>
+              <a:rPr lang="en-US" dirty="0" smtClean="0"/>
+              <a:t>If you are</a:t>
+            </a:r>
+            <a:r>
+              <a:rPr lang="en-US" baseline="0" dirty="0" smtClean="0"/>
+              <a:t> using Silverlight and needed to make an http post you may have code which looks a bit like you see here</a:t>
+            </a:r>
+          </a:p>
+          <a:p>
+            <a:endParaRPr lang="en-US" baseline="0" dirty="0" smtClean="0"/>
+          </a:p>
+          <a:p>
+            <a:r>
+              <a:rPr lang="en-US" baseline="0" dirty="0" smtClean="0"/>
+              <a:t>[show animation]</a:t>
+            </a:r>
+          </a:p>
+          <a:p>
+            <a:r>
+              <a:rPr lang="en-US" dirty="0" smtClean="0"/>
+              <a:t>The first thing we would</a:t>
+            </a:r>
+            <a:r>
+              <a:rPr lang="en-US" baseline="0" dirty="0" smtClean="0"/>
+              <a:t> need to do is determine the http endpoint to call in order to perform our delete</a:t>
+            </a:r>
+          </a:p>
+          <a:p>
+            <a:endParaRPr lang="en-US" baseline="0" dirty="0" smtClean="0"/>
+          </a:p>
+          <a:p>
+            <a:r>
+              <a:rPr lang="en-US" baseline="0" dirty="0" smtClean="0"/>
+              <a:t>[show animation]</a:t>
+            </a:r>
+          </a:p>
+          <a:p>
+            <a:r>
+              <a:rPr lang="en-US" baseline="0" dirty="0" smtClean="0"/>
+              <a:t>Next we would need to create some sort of connection to this endpoint, here we are using Rest client which is a </a:t>
+            </a:r>
+            <a:r>
+              <a:rPr lang="en-US" baseline="0" dirty="0" err="1" smtClean="0"/>
+              <a:t>.net</a:t>
+            </a:r>
+            <a:r>
+              <a:rPr lang="en-US" baseline="0" dirty="0" smtClean="0"/>
+              <a:t> library for working with restful end points</a:t>
+            </a:r>
+          </a:p>
+          <a:p>
+            <a:endParaRPr lang="en-US" baseline="0" dirty="0" smtClean="0"/>
+          </a:p>
+          <a:p>
+            <a:r>
+              <a:rPr lang="en-US" baseline="0" dirty="0" smtClean="0"/>
+              <a:t>[show animation]</a:t>
+            </a:r>
+          </a:p>
+          <a:p>
+            <a:r>
+              <a:rPr lang="en-US" baseline="0" dirty="0" smtClean="0"/>
+              <a:t>Finally we would make the call </a:t>
+            </a:r>
+            <a:r>
+              <a:rPr lang="en-US" baseline="0" dirty="0" err="1" smtClean="0"/>
+              <a:t>asynchronisly</a:t>
+            </a:r>
+            <a:r>
+              <a:rPr lang="en-US" baseline="0" dirty="0" smtClean="0"/>
+              <a:t> and would wait for the response.  Once we received our call back we would check some status indicator in order to process the result.  Depending on the returned status we would either process he results successfully or handle some sort of error condition. </a:t>
+            </a:r>
           </a:p>
         </p:txBody>
       </p:sp>
@@ -3121,28 +3121,20 @@
               <a:defRPr/>
             </a:pPr>
             <a:fld id="{47C584BF-6945-4E60-B2A7-1638FF8EA8EE}" type="slidenum">
-              <a:rPr lang="en-US" smtClean="0">
-                <a:solidFill>
-                  <a:srgbClr val="000000"/>
-                </a:solidFill>
-              </a:rPr>
+              <a:rPr lang="en-US" smtClean="0"/>
               <a:pPr>
                 <a:defRPr/>
               </a:pPr>
               <a:t>24</a:t>
             </a:fld>
-            <a:endParaRPr lang="en-US">
-              <a:solidFill>
-                <a:srgbClr val="000000"/>
-              </a:solidFill>
-            </a:endParaRPr>
+            <a:endParaRPr lang="en-US"/>
           </a:p>
         </p:txBody>
       </p:sp>
     </p:spTree>
     <p:extLst>
       <p:ext uri="{BB962C8B-B14F-4D97-AF65-F5344CB8AC3E}">
-        <p14:creationId xmlns:p14="http://schemas.microsoft.com/office/powerpoint/2010/main" val="2526784592"/>
+        <p14:creationId xmlns:p14="http://schemas.microsoft.com/office/powerpoint/2010/main" val="3220638113"/>
       </p:ext>
     </p:extLst>
   </p:cSld>
@@ -3202,15 +3194,76 @@
             </a:r>
             <a:r>
               <a:rPr lang="en-US" baseline="0" dirty="0" smtClean="0"/>
-              <a:t> building applications often times you will be needed to calculate summary data to display to the users.  We are going to take a look at how we can use our </a:t>
+              <a:t> using Typescript and </a:t>
             </a:r>
             <a:r>
               <a:rPr lang="en-US" baseline="0" dirty="0" err="1" smtClean="0"/>
-              <a:t>javascript</a:t>
+              <a:t>jQuery</a:t>
             </a:r>
             <a:r>
               <a:rPr lang="en-US" baseline="0" dirty="0" smtClean="0"/>
-              <a:t> skills to accomplish this in html.</a:t>
+              <a:t> our code would look quite similar to that in c# and Silverlight.</a:t>
+            </a:r>
+          </a:p>
+          <a:p>
+            <a:endParaRPr lang="en-US" baseline="0" dirty="0" smtClean="0"/>
+          </a:p>
+          <a:p>
+            <a:r>
+              <a:rPr lang="en-US" baseline="0" dirty="0" smtClean="0"/>
+              <a:t>[show animation]</a:t>
+            </a:r>
+          </a:p>
+          <a:p>
+            <a:r>
+              <a:rPr lang="en-US" baseline="0" dirty="0" smtClean="0"/>
+              <a:t>We still need to know the address of our end point to connect to.</a:t>
+            </a:r>
+          </a:p>
+          <a:p>
+            <a:endParaRPr lang="en-US" baseline="0" dirty="0" smtClean="0"/>
+          </a:p>
+          <a:p>
+            <a:r>
+              <a:rPr lang="en-US" baseline="0" dirty="0" smtClean="0"/>
+              <a:t>[show animation]</a:t>
+            </a:r>
+          </a:p>
+          <a:p>
+            <a:r>
+              <a:rPr lang="en-US" baseline="0" dirty="0" smtClean="0"/>
+              <a:t>We would need to use some library to make our remote call to perform the action, in our case we are going to use the </a:t>
+            </a:r>
+            <a:r>
+              <a:rPr lang="en-US" baseline="0" dirty="0" err="1" smtClean="0"/>
+              <a:t>jquery</a:t>
+            </a:r>
+            <a:r>
+              <a:rPr lang="en-US" baseline="0" dirty="0" smtClean="0"/>
+              <a:t> </a:t>
+            </a:r>
+            <a:r>
+              <a:rPr lang="en-US" baseline="0" dirty="0" err="1" smtClean="0"/>
+              <a:t>ajax</a:t>
+            </a:r>
+            <a:r>
+              <a:rPr lang="en-US" baseline="0" dirty="0" smtClean="0"/>
+              <a:t> library</a:t>
+            </a:r>
+          </a:p>
+          <a:p>
+            <a:endParaRPr lang="en-US" baseline="0" dirty="0" smtClean="0"/>
+          </a:p>
+          <a:p>
+            <a:r>
+              <a:rPr lang="en-US" baseline="0" dirty="0" smtClean="0"/>
+              <a:t>[show animation]</a:t>
+            </a:r>
+          </a:p>
+          <a:p>
+            <a:r>
+              <a:rPr lang="en-US" baseline="0" dirty="0" smtClean="0"/>
+              <a:t>Finally you would need to process the results from the call.  Again based on the status returned you would either handle successful results or process some sort of failure.</a:t>
             </a:r>
             <a:endParaRPr lang="en-US" dirty="0"/>
           </a:p>
@@ -3235,28 +3288,20 @@
               <a:defRPr/>
             </a:pPr>
             <a:fld id="{47C584BF-6945-4E60-B2A7-1638FF8EA8EE}" type="slidenum">
-              <a:rPr lang="en-US" smtClean="0">
-                <a:solidFill>
-                  <a:srgbClr val="000000"/>
-                </a:solidFill>
-              </a:rPr>
+              <a:rPr lang="en-US" smtClean="0"/>
               <a:pPr>
                 <a:defRPr/>
               </a:pPr>
               <a:t>25</a:t>
             </a:fld>
-            <a:endParaRPr lang="en-US">
-              <a:solidFill>
-                <a:srgbClr val="000000"/>
-              </a:solidFill>
-            </a:endParaRPr>
+            <a:endParaRPr lang="en-US"/>
           </a:p>
         </p:txBody>
       </p:sp>
     </p:spTree>
     <p:extLst>
       <p:ext uri="{BB962C8B-B14F-4D97-AF65-F5344CB8AC3E}">
-        <p14:creationId xmlns:p14="http://schemas.microsoft.com/office/powerpoint/2010/main" val="870553721"/>
+        <p14:creationId xmlns:p14="http://schemas.microsoft.com/office/powerpoint/2010/main" val="1086209664"/>
       </p:ext>
     </p:extLst>
   </p:cSld>
@@ -3310,39 +3355,7 @@
           <a:bodyPr/>
           <a:lstStyle/>
           <a:p>
-            <a:r>
-              <a:rPr lang="en-US" dirty="0" smtClean="0"/>
-              <a:t>If we review our final application one more time, you</a:t>
-            </a:r>
-            <a:r>
-              <a:rPr lang="en-US" baseline="0" dirty="0" smtClean="0"/>
-              <a:t> should notice down at the bottom of the screen we are going to calculate totals for out </a:t>
-            </a:r>
-            <a:r>
-              <a:rPr lang="en-US" baseline="0" dirty="0" err="1" smtClean="0"/>
-              <a:t>ToDo</a:t>
-            </a:r>
-            <a:r>
-              <a:rPr lang="en-US" baseline="0" dirty="0" smtClean="0"/>
-              <a:t> items.  We want to be able to display to our users how mean items are currently in each state.  We are going to use both knockout </a:t>
-            </a:r>
-            <a:r>
-              <a:rPr lang="en-US" baseline="0" dirty="0" err="1" smtClean="0"/>
-              <a:t>js</a:t>
-            </a:r>
-            <a:r>
-              <a:rPr lang="en-US" baseline="0" dirty="0" smtClean="0"/>
-              <a:t> as well as underscore </a:t>
-            </a:r>
-            <a:r>
-              <a:rPr lang="en-US" baseline="0" dirty="0" err="1" smtClean="0"/>
-              <a:t>js</a:t>
-            </a:r>
-            <a:r>
-              <a:rPr lang="en-US" baseline="0" dirty="0" smtClean="0"/>
-              <a:t> to accomplish this.</a:t>
-            </a:r>
-            <a:endParaRPr lang="en-US" dirty="0" smtClean="0"/>
+            <a:endParaRPr lang="en-US" dirty="0"/>
           </a:p>
         </p:txBody>
       </p:sp>
@@ -3365,20 +3378,28 @@
               <a:defRPr/>
             </a:pPr>
             <a:fld id="{47C584BF-6945-4E60-B2A7-1638FF8EA8EE}" type="slidenum">
-              <a:rPr lang="en-US" smtClean="0"/>
+              <a:rPr lang="en-US" smtClean="0">
+                <a:solidFill>
+                  <a:srgbClr val="000000"/>
+                </a:solidFill>
+              </a:rPr>
               <a:pPr>
                 <a:defRPr/>
               </a:pPr>
               <a:t>26</a:t>
             </a:fld>
-            <a:endParaRPr lang="en-US"/>
+            <a:endParaRPr lang="en-US">
+              <a:solidFill>
+                <a:srgbClr val="000000"/>
+              </a:solidFill>
+            </a:endParaRPr>
           </a:p>
         </p:txBody>
       </p:sp>
     </p:spTree>
     <p:extLst>
       <p:ext uri="{BB962C8B-B14F-4D97-AF65-F5344CB8AC3E}">
-        <p14:creationId xmlns:p14="http://schemas.microsoft.com/office/powerpoint/2010/main" val="1918820334"/>
+        <p14:creationId xmlns:p14="http://schemas.microsoft.com/office/powerpoint/2010/main" val="2526784592"/>
       </p:ext>
     </p:extLst>
   </p:cSld>
@@ -3434,61 +3455,19 @@
           <a:p>
             <a:r>
               <a:rPr lang="en-US" dirty="0" smtClean="0"/>
-              <a:t>When computing totals in a </a:t>
-            </a:r>
-            <a:r>
-              <a:rPr lang="en-US" dirty="0" err="1" smtClean="0"/>
-              <a:t>xaml</a:t>
-            </a:r>
-            <a:r>
-              <a:rPr lang="en-US" dirty="0" smtClean="0"/>
-              <a:t> view model there are 2 things you</a:t>
+              <a:t>When</a:t>
             </a:r>
             <a:r>
               <a:rPr lang="en-US" baseline="0" dirty="0" smtClean="0"/>
-              <a:t> need to do.</a:t>
-            </a:r>
-          </a:p>
-          <a:p>
-            <a:endParaRPr lang="en-US" baseline="0" dirty="0" smtClean="0"/>
-          </a:p>
-          <a:p>
+              <a:t> building applications often times you will be needed to calculate summary data to display to the users.  We are going to take a look at how we can use our </a:t>
+            </a:r>
+            <a:r>
+              <a:rPr lang="en-US" baseline="0" dirty="0" err="1" smtClean="0"/>
+              <a:t>javascript</a:t>
+            </a:r>
             <a:r>
               <a:rPr lang="en-US" baseline="0" dirty="0" smtClean="0"/>
-              <a:t>[show animation]</a:t>
-            </a:r>
-          </a:p>
-          <a:p>
-            <a:r>
-              <a:rPr lang="en-US" dirty="0" smtClean="0"/>
-              <a:t>The</a:t>
-            </a:r>
-            <a:r>
-              <a:rPr lang="en-US" baseline="0" dirty="0" smtClean="0"/>
-              <a:t> first thing you are going to have to do is signal to the UI that your backing property has been updated.  You would do this wen the underling collection which holds your data has been modified.</a:t>
-            </a:r>
-          </a:p>
-          <a:p>
-            <a:endParaRPr lang="en-US" baseline="0" dirty="0" smtClean="0"/>
-          </a:p>
-          <a:p>
-            <a:r>
-              <a:rPr lang="en-US" baseline="0" dirty="0" smtClean="0"/>
-              <a:t>[show animation]</a:t>
-            </a:r>
-          </a:p>
-          <a:p>
-            <a:r>
-              <a:rPr lang="en-US" baseline="0" dirty="0" smtClean="0"/>
-              <a:t>The next thing you need to do is create your computed total property.  Inside your property you typically have logic as you see here which will perform a count on your collection via </a:t>
-            </a:r>
-            <a:r>
-              <a:rPr lang="en-US" baseline="0" dirty="0" err="1" smtClean="0"/>
-              <a:t>linq</a:t>
-            </a:r>
-            <a:r>
-              <a:rPr lang="en-US" baseline="0" dirty="0" smtClean="0"/>
-              <a:t> and return this computed value so it can be bound to the UI.</a:t>
+              <a:t> skills to accomplish this in html.</a:t>
             </a:r>
             <a:endParaRPr lang="en-US" dirty="0"/>
           </a:p>
@@ -3513,20 +3492,28 @@
               <a:defRPr/>
             </a:pPr>
             <a:fld id="{47C584BF-6945-4E60-B2A7-1638FF8EA8EE}" type="slidenum">
-              <a:rPr lang="en-US" smtClean="0"/>
+              <a:rPr lang="en-US" smtClean="0">
+                <a:solidFill>
+                  <a:srgbClr val="000000"/>
+                </a:solidFill>
+              </a:rPr>
               <a:pPr>
                 <a:defRPr/>
               </a:pPr>
               <a:t>27</a:t>
             </a:fld>
-            <a:endParaRPr lang="en-US"/>
+            <a:endParaRPr lang="en-US">
+              <a:solidFill>
+                <a:srgbClr val="000000"/>
+              </a:solidFill>
+            </a:endParaRPr>
           </a:p>
         </p:txBody>
       </p:sp>
     </p:spTree>
     <p:extLst>
       <p:ext uri="{BB962C8B-B14F-4D97-AF65-F5344CB8AC3E}">
-        <p14:creationId xmlns:p14="http://schemas.microsoft.com/office/powerpoint/2010/main" val="3476778660"/>
+        <p14:creationId xmlns:p14="http://schemas.microsoft.com/office/powerpoint/2010/main" val="870553721"/>
       </p:ext>
     </p:extLst>
   </p:cSld>
@@ -3582,70 +3569,19 @@
           <a:p>
             <a:r>
               <a:rPr lang="en-US" dirty="0" smtClean="0"/>
-              <a:t>When computing totals with</a:t>
+              <a:t>If we review our final application one more time, you</a:t>
             </a:r>
             <a:r>
               <a:rPr lang="en-US" baseline="0" dirty="0" smtClean="0"/>
-              <a:t> knockout in your typescript view model there are 2 things you need </a:t>
+              <a:t> should notice down at the bottom of the screen we are going to calculate totals for out </a:t>
             </a:r>
             <a:r>
               <a:rPr lang="en-US" baseline="0" dirty="0" err="1" smtClean="0"/>
-              <a:t>todo</a:t>
+              <a:t>ToDo</a:t>
             </a:r>
             <a:r>
               <a:rPr lang="en-US" baseline="0" dirty="0" smtClean="0"/>
-              <a:t>.</a:t>
-            </a:r>
-          </a:p>
-          <a:p>
-            <a:endParaRPr lang="en-US" baseline="0" dirty="0" smtClean="0"/>
-          </a:p>
-          <a:p>
-            <a:r>
-              <a:rPr lang="en-US" baseline="0" dirty="0" smtClean="0"/>
-              <a:t>[show animation]</a:t>
-            </a:r>
-          </a:p>
-          <a:p>
-            <a:r>
-              <a:rPr lang="en-US" dirty="0" smtClean="0"/>
-              <a:t>The</a:t>
-            </a:r>
-            <a:r>
-              <a:rPr lang="en-US" baseline="0" dirty="0" smtClean="0"/>
-              <a:t> first thing you are going need to do is create your knockout computed property.  This is the property which is going to be bound to your UI to display the values</a:t>
-            </a:r>
-          </a:p>
-          <a:p>
-            <a:endParaRPr lang="en-US" baseline="0" dirty="0" smtClean="0"/>
-          </a:p>
-          <a:p>
-            <a:r>
-              <a:rPr lang="en-US" baseline="0" dirty="0" smtClean="0"/>
-              <a:t>[show animation]</a:t>
-            </a:r>
-          </a:p>
-          <a:p>
-            <a:pPr marL="0" marR="0" indent="0" algn="l" defTabSz="914400" rtl="0" eaLnBrk="0" fontAlgn="base" latinLnBrk="0" hangingPunct="0">
-              <a:lnSpc>
-                <a:spcPct val="100000"/>
-              </a:lnSpc>
-              <a:spcBef>
-                <a:spcPct val="30000"/>
-              </a:spcBef>
-              <a:spcAft>
-                <a:spcPct val="0"/>
-              </a:spcAft>
-              <a:buClrTx/>
-              <a:buSzTx/>
-              <a:buFontTx/>
-              <a:buNone/>
-              <a:tabLst/>
-              <a:defRPr/>
-            </a:pPr>
-            <a:r>
-              <a:rPr lang="en-US" baseline="0" dirty="0" smtClean="0"/>
-              <a:t>The next thing you need to do is implement your computed value.  In our computed value we are going to use the filter method which comes with underscore </a:t>
+              <a:t> items.  We want to be able to display to our users how mean items are currently in each state.  We are going to use both knockout </a:t>
             </a:r>
             <a:r>
               <a:rPr lang="en-US" baseline="0" dirty="0" err="1" smtClean="0"/>
@@ -3653,65 +3589,17 @@
             </a:r>
             <a:r>
               <a:rPr lang="en-US" baseline="0" dirty="0" smtClean="0"/>
-              <a:t> to calculate the totals.  , this is the magic sauce needed to replace your </a:t>
+              <a:t> as well as underscore </a:t>
             </a:r>
             <a:r>
               <a:rPr lang="en-US" baseline="0" dirty="0" err="1" smtClean="0"/>
-              <a:t>linq</a:t>
+              <a:t>js</a:t>
             </a:r>
             <a:r>
               <a:rPr lang="en-US" baseline="0" dirty="0" smtClean="0"/>
-              <a:t> statement,.</a:t>
-            </a:r>
-          </a:p>
-          <a:p>
-            <a:pPr marL="0" marR="0" indent="0" algn="l" defTabSz="914400" rtl="0" eaLnBrk="0" fontAlgn="base" latinLnBrk="0" hangingPunct="0">
-              <a:lnSpc>
-                <a:spcPct val="100000"/>
-              </a:lnSpc>
-              <a:spcBef>
-                <a:spcPct val="30000"/>
-              </a:spcBef>
-              <a:spcAft>
-                <a:spcPct val="0"/>
-              </a:spcAft>
-              <a:buClrTx/>
-              <a:buSzTx/>
-              <a:buFontTx/>
-              <a:buNone/>
-              <a:tabLst/>
-              <a:defRPr/>
-            </a:pPr>
-            <a:endParaRPr lang="en-US" baseline="0" dirty="0" smtClean="0"/>
-          </a:p>
-          <a:p>
-            <a:r>
-              <a:rPr lang="en-US" baseline="0" dirty="0" smtClean="0"/>
-              <a:t>[show animation]</a:t>
-            </a:r>
-          </a:p>
-          <a:p>
-            <a:r>
-              <a:rPr lang="en-US" baseline="0" dirty="0" smtClean="0"/>
-              <a:t>One more thing I would like to point out is that unlike in </a:t>
-            </a:r>
-            <a:r>
-              <a:rPr lang="en-US" baseline="0" dirty="0" err="1" smtClean="0"/>
-              <a:t>xaml</a:t>
-            </a:r>
-            <a:r>
-              <a:rPr lang="en-US" baseline="0" dirty="0" smtClean="0"/>
-              <a:t> there is no need to directly signal the UI to rebind to the computed </a:t>
-            </a:r>
-            <a:r>
-              <a:rPr lang="en-US" baseline="0" dirty="0" err="1" smtClean="0"/>
-              <a:t>objservable</a:t>
-            </a:r>
-            <a:r>
-              <a:rPr lang="en-US" baseline="0" dirty="0" smtClean="0"/>
-              <a:t>, This is because when you create a computed observable in knockout it will rebind every time an observable inside the computed value is updated.  This is great because it removes some noise from your view model.</a:t>
-            </a:r>
-            <a:endParaRPr lang="en-US" dirty="0"/>
+              <a:t> to accomplish this.</a:t>
+            </a:r>
+            <a:endParaRPr lang="en-US" dirty="0" smtClean="0"/>
           </a:p>
         </p:txBody>
       </p:sp>
@@ -3747,7 +3635,7 @@
     </p:spTree>
     <p:extLst>
       <p:ext uri="{BB962C8B-B14F-4D97-AF65-F5344CB8AC3E}">
-        <p14:creationId xmlns:p14="http://schemas.microsoft.com/office/powerpoint/2010/main" val="2251623872"/>
+        <p14:creationId xmlns:p14="http://schemas.microsoft.com/office/powerpoint/2010/main" val="1918820334"/>
       </p:ext>
     </p:extLst>
   </p:cSld>
@@ -3801,6 +3689,64 @@
           <a:bodyPr/>
           <a:lstStyle/>
           <a:p>
+            <a:r>
+              <a:rPr lang="en-US" dirty="0" smtClean="0"/>
+              <a:t>When computing totals in a </a:t>
+            </a:r>
+            <a:r>
+              <a:rPr lang="en-US" dirty="0" err="1" smtClean="0"/>
+              <a:t>xaml</a:t>
+            </a:r>
+            <a:r>
+              <a:rPr lang="en-US" dirty="0" smtClean="0"/>
+              <a:t> view model there are 2 things you</a:t>
+            </a:r>
+            <a:r>
+              <a:rPr lang="en-US" baseline="0" dirty="0" smtClean="0"/>
+              <a:t> need to do.</a:t>
+            </a:r>
+          </a:p>
+          <a:p>
+            <a:endParaRPr lang="en-US" baseline="0" dirty="0" smtClean="0"/>
+          </a:p>
+          <a:p>
+            <a:r>
+              <a:rPr lang="en-US" baseline="0" dirty="0" smtClean="0"/>
+              <a:t>[show animation]</a:t>
+            </a:r>
+          </a:p>
+          <a:p>
+            <a:r>
+              <a:rPr lang="en-US" dirty="0" smtClean="0"/>
+              <a:t>The</a:t>
+            </a:r>
+            <a:r>
+              <a:rPr lang="en-US" baseline="0" dirty="0" smtClean="0"/>
+              <a:t> first thing you are going to have to do is signal to the UI that your backing property has been updated.  You would do this wen the underling collection which holds your data has been modified.</a:t>
+            </a:r>
+          </a:p>
+          <a:p>
+            <a:endParaRPr lang="en-US" baseline="0" dirty="0" smtClean="0"/>
+          </a:p>
+          <a:p>
+            <a:r>
+              <a:rPr lang="en-US" baseline="0" dirty="0" smtClean="0"/>
+              <a:t>[show animation]</a:t>
+            </a:r>
+          </a:p>
+          <a:p>
+            <a:r>
+              <a:rPr lang="en-US" baseline="0" dirty="0" smtClean="0"/>
+              <a:t>The next thing you need to do is create your computed total property.  Inside your property you typically have logic as you see here which will perform a count on your collection via </a:t>
+            </a:r>
+            <a:r>
+              <a:rPr lang="en-US" baseline="0" dirty="0" err="1" smtClean="0"/>
+              <a:t>linq</a:t>
+            </a:r>
+            <a:r>
+              <a:rPr lang="en-US" baseline="0" dirty="0" smtClean="0"/>
+              <a:t> and return this computed value so it can be bound to the UI.</a:t>
+            </a:r>
             <a:endParaRPr lang="en-US" dirty="0"/>
           </a:p>
         </p:txBody>
@@ -3824,28 +3770,20 @@
               <a:defRPr/>
             </a:pPr>
             <a:fld id="{47C584BF-6945-4E60-B2A7-1638FF8EA8EE}" type="slidenum">
-              <a:rPr lang="en-US" smtClean="0">
-                <a:solidFill>
-                  <a:srgbClr val="000000"/>
-                </a:solidFill>
-              </a:rPr>
+              <a:rPr lang="en-US" smtClean="0"/>
               <a:pPr>
                 <a:defRPr/>
               </a:pPr>
               <a:t>29</a:t>
             </a:fld>
-            <a:endParaRPr lang="en-US">
-              <a:solidFill>
-                <a:srgbClr val="000000"/>
-              </a:solidFill>
-            </a:endParaRPr>
+            <a:endParaRPr lang="en-US"/>
           </a:p>
         </p:txBody>
       </p:sp>
     </p:spTree>
     <p:extLst>
       <p:ext uri="{BB962C8B-B14F-4D97-AF65-F5344CB8AC3E}">
-        <p14:creationId xmlns:p14="http://schemas.microsoft.com/office/powerpoint/2010/main" val="4028807678"/>
+        <p14:creationId xmlns:p14="http://schemas.microsoft.com/office/powerpoint/2010/main" val="3476778660"/>
       </p:ext>
     </p:extLst>
   </p:cSld>
@@ -3910,16 +3848,21 @@
           <a:p>
             <a:r>
               <a:rPr lang="en-US" baseline="0" dirty="0" smtClean="0"/>
-              <a:t>We will continue on by learning how to handle visibility state in our application.  We will compare how we knockout to toggle visibility to how we can do it by using a value converter in our </a:t>
+              <a:t>We will continue on by learning </a:t>
+            </a:r>
+            <a:r>
+              <a:rPr lang="en-US" baseline="0" dirty="0" smtClean="0"/>
+              <a:t>how to setup our application to allow us to create a new </a:t>
             </a:r>
             <a:r>
               <a:rPr lang="en-US" baseline="0" dirty="0" err="1" smtClean="0"/>
-              <a:t>xaml</a:t>
+              <a:t>ToDo</a:t>
             </a:r>
             <a:r>
               <a:rPr lang="en-US" baseline="0" dirty="0" smtClean="0"/>
-              <a:t> application.</a:t>
-            </a:r>
+              <a:t> item.  In this we will setup our initial bindings for our data entry process</a:t>
+            </a:r>
+            <a:endParaRPr lang="en-US" baseline="0" dirty="0" smtClean="0"/>
           </a:p>
           <a:p>
             <a:endParaRPr lang="en-US" baseline="0" dirty="0" smtClean="0"/>
@@ -3933,16 +3876,21 @@
           <a:p>
             <a:r>
               <a:rPr lang="en-US" baseline="0" dirty="0" smtClean="0"/>
-              <a:t>Next we will take a look at how to delete our data by using Ajax and Web </a:t>
+              <a:t>Next </a:t>
+            </a:r>
+            <a:r>
+              <a:rPr lang="en-US" baseline="0" dirty="0" smtClean="0"/>
+              <a:t>we will work on the ability to edit an existing </a:t>
             </a:r>
             <a:r>
               <a:rPr lang="en-US" baseline="0" dirty="0" err="1" smtClean="0"/>
-              <a:t>Api</a:t>
+              <a:t>ToDo</a:t>
             </a:r>
             <a:r>
               <a:rPr lang="en-US" baseline="0" dirty="0" smtClean="0"/>
-              <a:t>.  </a:t>
-            </a:r>
+              <a:t> item.  Editing an item will involve making a remote fetch to get a clean, fully populated instance of our item prior to editing.</a:t>
+            </a:r>
+            <a:endParaRPr lang="en-US" baseline="0" dirty="0" smtClean="0"/>
           </a:p>
           <a:p>
             <a:endParaRPr lang="en-US" baseline="0" dirty="0" smtClean="0"/>
@@ -3956,8 +3904,29 @@
           <a:p>
             <a:r>
               <a:rPr lang="en-US" baseline="0" dirty="0" smtClean="0"/>
-              <a:t>Finally we will take a look at how we can use computed values to generate a summary field in our application.  We will compare the difference between using knockout to compute our values to using a View Model property in Silverlight.</a:t>
-            </a:r>
+              <a:t>Finally we </a:t>
+            </a:r>
+            <a:r>
+              <a:rPr lang="en-US" baseline="0" dirty="0" smtClean="0"/>
+              <a:t>will learn how to save our new created or maintained </a:t>
+            </a:r>
+            <a:r>
+              <a:rPr lang="en-US" baseline="0" dirty="0" err="1" smtClean="0"/>
+              <a:t>todo</a:t>
+            </a:r>
+            <a:r>
+              <a:rPr lang="en-US" baseline="0" dirty="0" smtClean="0"/>
+              <a:t> item by doing an HTTP Post to our web </a:t>
+            </a:r>
+            <a:r>
+              <a:rPr lang="en-US" baseline="0" dirty="0" err="1" smtClean="0"/>
+              <a:t>api</a:t>
+            </a:r>
+            <a:r>
+              <a:rPr lang="en-US" baseline="0" dirty="0" smtClean="0"/>
+              <a:t> endpoint.</a:t>
+            </a:r>
+            <a:endParaRPr lang="en-US" baseline="0" dirty="0" smtClean="0"/>
           </a:p>
         </p:txBody>
       </p:sp>
@@ -4049,19 +4018,19 @@
           <a:p>
             <a:r>
               <a:rPr lang="en-US" dirty="0" smtClean="0"/>
-              <a:t>In this module we continued</a:t>
+              <a:t>When computing totals with</a:t>
             </a:r>
             <a:r>
               <a:rPr lang="en-US" baseline="0" dirty="0" smtClean="0"/>
-              <a:t> working on our </a:t>
+              <a:t> knockout in your typescript view model there are 2 things you need </a:t>
             </a:r>
             <a:r>
               <a:rPr lang="en-US" baseline="0" dirty="0" err="1" smtClean="0"/>
-              <a:t>ToDo</a:t>
+              <a:t>todo</a:t>
             </a:r>
             <a:r>
               <a:rPr lang="en-US" baseline="0" dirty="0" smtClean="0"/>
-              <a:t> listing screen to implement some of the more advanced features.</a:t>
+              <a:t>.</a:t>
             </a:r>
           </a:p>
           <a:p>
@@ -4070,7 +4039,17 @@
           <a:p>
             <a:r>
               <a:rPr lang="en-US" baseline="0" dirty="0" smtClean="0"/>
-              <a:t>These items included</a:t>
+              <a:t>[show animation]</a:t>
+            </a:r>
+          </a:p>
+          <a:p>
+            <a:r>
+              <a:rPr lang="en-US" dirty="0" smtClean="0"/>
+              <a:t>The</a:t>
+            </a:r>
+            <a:r>
+              <a:rPr lang="en-US" baseline="0" dirty="0" smtClean="0"/>
+              <a:t> first thing you are going need to do is create your knockout computed property.  This is the property which is going to be bound to your UI to display the values</a:t>
             </a:r>
           </a:p>
           <a:p>
@@ -4079,16 +4058,30 @@
           <a:p>
             <a:r>
               <a:rPr lang="en-US" baseline="0" dirty="0" smtClean="0"/>
-              <a:t>Learning how to setup 2way, real time binding in knockout to update your backing properties.</a:t>
-            </a:r>
-          </a:p>
-          <a:p>
-            <a:endParaRPr lang="en-US" baseline="0" dirty="0" smtClean="0"/>
-          </a:p>
-          <a:p>
+              <a:t>[show animation]</a:t>
+            </a:r>
+          </a:p>
+          <a:p>
+            <a:pPr marL="0" marR="0" indent="0" algn="l" defTabSz="914400" rtl="0" eaLnBrk="0" fontAlgn="base" latinLnBrk="0" hangingPunct="0">
+              <a:lnSpc>
+                <a:spcPct val="100000"/>
+              </a:lnSpc>
+              <a:spcBef>
+                <a:spcPct val="30000"/>
+              </a:spcBef>
+              <a:spcAft>
+                <a:spcPct val="0"/>
+              </a:spcAft>
+              <a:buClrTx/>
+              <a:buSzTx/>
+              <a:buFontTx/>
+              <a:buNone/>
+              <a:tabLst/>
+              <a:defRPr/>
+            </a:pPr>
             <a:r>
               <a:rPr lang="en-US" baseline="0" dirty="0" smtClean="0"/>
-              <a:t>Next we learned how to use knockout and underscore </a:t>
+              <a:t>The next thing you need to do is implement your computed value.  In our computed value we are going to use the filter method which comes with underscore </a:t>
             </a:r>
             <a:r>
               <a:rPr lang="en-US" baseline="0" dirty="0" err="1" smtClean="0"/>
@@ -4096,84 +4089,63 @@
             </a:r>
             <a:r>
               <a:rPr lang="en-US" baseline="0" dirty="0" smtClean="0"/>
-              <a:t> to enable filter of data on the client..</a:t>
-            </a:r>
-          </a:p>
-          <a:p>
+              <a:t> to calculate the totals.  , this is the magic sauce needed to replace your </a:t>
+            </a:r>
+            <a:r>
+              <a:rPr lang="en-US" baseline="0" dirty="0" err="1" smtClean="0"/>
+              <a:t>linq</a:t>
+            </a:r>
+            <a:r>
+              <a:rPr lang="en-US" baseline="0" dirty="0" smtClean="0"/>
+              <a:t> statement,.</a:t>
+            </a:r>
+          </a:p>
+          <a:p>
+            <a:pPr marL="0" marR="0" indent="0" algn="l" defTabSz="914400" rtl="0" eaLnBrk="0" fontAlgn="base" latinLnBrk="0" hangingPunct="0">
+              <a:lnSpc>
+                <a:spcPct val="100000"/>
+              </a:lnSpc>
+              <a:spcBef>
+                <a:spcPct val="30000"/>
+              </a:spcBef>
+              <a:spcAft>
+                <a:spcPct val="0"/>
+              </a:spcAft>
+              <a:buClrTx/>
+              <a:buSzTx/>
+              <a:buFontTx/>
+              <a:buNone/>
+              <a:tabLst/>
+              <a:defRPr/>
+            </a:pPr>
             <a:endParaRPr lang="en-US" baseline="0" dirty="0" smtClean="0"/>
           </a:p>
           <a:p>
             <a:r>
               <a:rPr lang="en-US" baseline="0" dirty="0" smtClean="0"/>
-              <a:t>After this explored another way to use knockout to dynamically update the look and feel of your application by creating a custom binding.</a:t>
-            </a:r>
-          </a:p>
-          <a:p>
-            <a:endParaRPr lang="en-US" baseline="0" dirty="0" smtClean="0"/>
+              <a:t>[show animation]</a:t>
+            </a:r>
           </a:p>
           <a:p>
             <a:r>
               <a:rPr lang="en-US" baseline="0" dirty="0" smtClean="0"/>
-              <a:t>Following this we explored how to toggle the visibility state of a UI element by using the visible binding in knockout.</a:t>
-            </a:r>
-          </a:p>
-          <a:p>
-            <a:endParaRPr lang="en-US" baseline="0" dirty="0" smtClean="0"/>
-          </a:p>
-          <a:p>
+              <a:t>One more thing I would like to point out is that unlike in </a:t>
+            </a:r>
+            <a:r>
+              <a:rPr lang="en-US" baseline="0" dirty="0" err="1" smtClean="0"/>
+              <a:t>xaml</a:t>
+            </a:r>
             <a:r>
               <a:rPr lang="en-US" baseline="0" dirty="0" smtClean="0"/>
-              <a:t>We then went on to learn how to make HTTP posts in </a:t>
+              <a:t> there is no need to directly signal the UI to rebind to the computed </a:t>
             </a:r>
             <a:r>
               <a:rPr lang="en-US" baseline="0" dirty="0" err="1" smtClean="0"/>
-              <a:t>jquery</a:t>
+              <a:t>objservable</a:t>
             </a:r>
             <a:r>
               <a:rPr lang="en-US" baseline="0" dirty="0" smtClean="0"/>
-              <a:t> to hit a remote web </a:t>
-            </a:r>
-            <a:r>
-              <a:rPr lang="en-US" baseline="0" dirty="0" err="1" smtClean="0"/>
-              <a:t>api</a:t>
-            </a:r>
-            <a:r>
-              <a:rPr lang="en-US" baseline="0" dirty="0" smtClean="0"/>
-              <a:t> endpoint to delete some data.</a:t>
-            </a:r>
-          </a:p>
-          <a:p>
-            <a:endParaRPr lang="en-US" baseline="0" dirty="0" smtClean="0"/>
-          </a:p>
-          <a:p>
-            <a:r>
-              <a:rPr lang="en-US" baseline="0" dirty="0" smtClean="0"/>
-              <a:t>Finally we rounded out the module by learning how to use knockout to compute summary for our </a:t>
-            </a:r>
-            <a:r>
-              <a:rPr lang="en-US" baseline="0" dirty="0" err="1" smtClean="0"/>
-              <a:t>todo</a:t>
-            </a:r>
-            <a:r>
-              <a:rPr lang="en-US" baseline="0" dirty="0" smtClean="0"/>
-              <a:t> listing</a:t>
-            </a:r>
-          </a:p>
-          <a:p>
-            <a:endParaRPr lang="en-US" baseline="0" dirty="0" smtClean="0"/>
-          </a:p>
-          <a:p>
-            <a:r>
-              <a:rPr lang="en-US" baseline="0" dirty="0" smtClean="0"/>
-              <a:t>In the next module we will focus on learning how we can edit and maintain our individual </a:t>
-            </a:r>
-            <a:r>
-              <a:rPr lang="en-US" baseline="0" dirty="0" err="1" smtClean="0"/>
-              <a:t>todo</a:t>
-            </a:r>
-            <a:r>
-              <a:rPr lang="en-US" baseline="0" dirty="0" smtClean="0"/>
-              <a:t> items.</a:t>
+              <a:t>, This is because when you create a computed observable in knockout it will rebind every time an observable inside the computed value is updated.  This is great because it removes some noise from your view model.</a:t>
             </a:r>
             <a:endParaRPr lang="en-US" dirty="0"/>
           </a:p>
@@ -4203,6 +4175,322 @@
                 <a:defRPr/>
               </a:pPr>
               <a:t>30</a:t>
+            </a:fld>
+            <a:endParaRPr lang="en-US"/>
+          </a:p>
+        </p:txBody>
+      </p:sp>
+    </p:spTree>
+    <p:extLst>
+      <p:ext uri="{BB962C8B-B14F-4D97-AF65-F5344CB8AC3E}">
+        <p14:creationId xmlns:p14="http://schemas.microsoft.com/office/powerpoint/2010/main" val="2251623872"/>
+      </p:ext>
+    </p:extLst>
+  </p:cSld>
+  <p:clrMapOvr>
+    <a:masterClrMapping/>
+  </p:clrMapOvr>
+</p:notes>
+</file>
+
+<file path=ppt/notesSlides/notesSlide31.xml><?xml version="1.0" encoding="utf-8"?>
+<p:notes xmlns:a="http://schemas.openxmlformats.org/drawingml/2006/main" xmlns:r="http://schemas.openxmlformats.org/officeDocument/2006/relationships" xmlns:p="http://schemas.openxmlformats.org/presentationml/2006/main">
+  <p:cSld>
+    <p:spTree>
+      <p:nvGrpSpPr>
+        <p:cNvPr id="1" name=""/>
+        <p:cNvGrpSpPr/>
+        <p:nvPr/>
+      </p:nvGrpSpPr>
+      <p:grpSpPr>
+        <a:xfrm>
+          <a:off x="0" y="0"/>
+          <a:ext cx="0" cy="0"/>
+          <a:chOff x="0" y="0"/>
+          <a:chExt cx="0" cy="0"/>
+        </a:xfrm>
+      </p:grpSpPr>
+      <p:sp>
+        <p:nvSpPr>
+          <p:cNvPr id="2" name="Slide Image Placeholder 1"/>
+          <p:cNvSpPr>
+            <a:spLocks noGrp="1" noRot="1" noChangeAspect="1"/>
+          </p:cNvSpPr>
+          <p:nvPr>
+            <p:ph type="sldImg"/>
+          </p:nvPr>
+        </p:nvSpPr>
+        <p:spPr/>
+      </p:sp>
+      <p:sp>
+        <p:nvSpPr>
+          <p:cNvPr id="3" name="Notes Placeholder 2"/>
+          <p:cNvSpPr>
+            <a:spLocks noGrp="1"/>
+          </p:cNvSpPr>
+          <p:nvPr>
+            <p:ph type="body" idx="1"/>
+          </p:nvPr>
+        </p:nvSpPr>
+        <p:spPr/>
+        <p:txBody>
+          <a:bodyPr/>
+          <a:lstStyle/>
+          <a:p>
+            <a:endParaRPr lang="en-US" dirty="0"/>
+          </a:p>
+        </p:txBody>
+      </p:sp>
+      <p:sp>
+        <p:nvSpPr>
+          <p:cNvPr id="4" name="Slide Number Placeholder 3"/>
+          <p:cNvSpPr>
+            <a:spLocks noGrp="1"/>
+          </p:cNvSpPr>
+          <p:nvPr>
+            <p:ph type="sldNum" sz="quarter" idx="10"/>
+          </p:nvPr>
+        </p:nvSpPr>
+        <p:spPr/>
+        <p:txBody>
+          <a:bodyPr/>
+          <a:lstStyle/>
+          <a:p>
+            <a:pPr>
+              <a:defRPr/>
+            </a:pPr>
+            <a:fld id="{47C584BF-6945-4E60-B2A7-1638FF8EA8EE}" type="slidenum">
+              <a:rPr lang="en-US" smtClean="0">
+                <a:solidFill>
+                  <a:srgbClr val="000000"/>
+                </a:solidFill>
+              </a:rPr>
+              <a:pPr>
+                <a:defRPr/>
+              </a:pPr>
+              <a:t>31</a:t>
+            </a:fld>
+            <a:endParaRPr lang="en-US">
+              <a:solidFill>
+                <a:srgbClr val="000000"/>
+              </a:solidFill>
+            </a:endParaRPr>
+          </a:p>
+        </p:txBody>
+      </p:sp>
+    </p:spTree>
+    <p:extLst>
+      <p:ext uri="{BB962C8B-B14F-4D97-AF65-F5344CB8AC3E}">
+        <p14:creationId xmlns:p14="http://schemas.microsoft.com/office/powerpoint/2010/main" val="4028807678"/>
+      </p:ext>
+    </p:extLst>
+  </p:cSld>
+  <p:clrMapOvr>
+    <a:masterClrMapping/>
+  </p:clrMapOvr>
+</p:notes>
+</file>
+
+<file path=ppt/notesSlides/notesSlide32.xml><?xml version="1.0" encoding="utf-8"?>
+<p:notes xmlns:a="http://schemas.openxmlformats.org/drawingml/2006/main" xmlns:r="http://schemas.openxmlformats.org/officeDocument/2006/relationships" xmlns:p="http://schemas.openxmlformats.org/presentationml/2006/main">
+  <p:cSld>
+    <p:spTree>
+      <p:nvGrpSpPr>
+        <p:cNvPr id="1" name=""/>
+        <p:cNvGrpSpPr/>
+        <p:nvPr/>
+      </p:nvGrpSpPr>
+      <p:grpSpPr>
+        <a:xfrm>
+          <a:off x="0" y="0"/>
+          <a:ext cx="0" cy="0"/>
+          <a:chOff x="0" y="0"/>
+          <a:chExt cx="0" cy="0"/>
+        </a:xfrm>
+      </p:grpSpPr>
+      <p:sp>
+        <p:nvSpPr>
+          <p:cNvPr id="2" name="Slide Image Placeholder 1"/>
+          <p:cNvSpPr>
+            <a:spLocks noGrp="1" noRot="1" noChangeAspect="1"/>
+          </p:cNvSpPr>
+          <p:nvPr>
+            <p:ph type="sldImg"/>
+          </p:nvPr>
+        </p:nvSpPr>
+        <p:spPr/>
+      </p:sp>
+      <p:sp>
+        <p:nvSpPr>
+          <p:cNvPr id="3" name="Notes Placeholder 2"/>
+          <p:cNvSpPr>
+            <a:spLocks noGrp="1"/>
+          </p:cNvSpPr>
+          <p:nvPr>
+            <p:ph type="body" idx="1"/>
+          </p:nvPr>
+        </p:nvSpPr>
+        <p:spPr/>
+        <p:txBody>
+          <a:bodyPr/>
+          <a:lstStyle/>
+          <a:p>
+            <a:r>
+              <a:rPr lang="en-US" dirty="0" smtClean="0"/>
+              <a:t>In this module we continued</a:t>
+            </a:r>
+            <a:r>
+              <a:rPr lang="en-US" baseline="0" dirty="0" smtClean="0"/>
+              <a:t> working on our </a:t>
+            </a:r>
+            <a:r>
+              <a:rPr lang="en-US" baseline="0" dirty="0" err="1" smtClean="0"/>
+              <a:t>ToDo</a:t>
+            </a:r>
+            <a:r>
+              <a:rPr lang="en-US" baseline="0" dirty="0" smtClean="0"/>
+              <a:t> listing screen to implement some of the more advanced features.</a:t>
+            </a:r>
+          </a:p>
+          <a:p>
+            <a:endParaRPr lang="en-US" baseline="0" dirty="0" smtClean="0"/>
+          </a:p>
+          <a:p>
+            <a:r>
+              <a:rPr lang="en-US" baseline="0" dirty="0" smtClean="0"/>
+              <a:t>These items included</a:t>
+            </a:r>
+          </a:p>
+          <a:p>
+            <a:endParaRPr lang="en-US" baseline="0" dirty="0" smtClean="0"/>
+          </a:p>
+          <a:p>
+            <a:r>
+              <a:rPr lang="en-US" baseline="0" dirty="0" smtClean="0"/>
+              <a:t>Learning how to setup 2way, real time binding in knockout to update your backing properties.</a:t>
+            </a:r>
+          </a:p>
+          <a:p>
+            <a:endParaRPr lang="en-US" baseline="0" dirty="0" smtClean="0"/>
+          </a:p>
+          <a:p>
+            <a:r>
+              <a:rPr lang="en-US" baseline="0" dirty="0" smtClean="0"/>
+              <a:t>Next we learned how to use knockout and underscore </a:t>
+            </a:r>
+            <a:r>
+              <a:rPr lang="en-US" baseline="0" dirty="0" err="1" smtClean="0"/>
+              <a:t>js</a:t>
+            </a:r>
+            <a:r>
+              <a:rPr lang="en-US" baseline="0" dirty="0" smtClean="0"/>
+              <a:t> to enable filter of data on the client..</a:t>
+            </a:r>
+          </a:p>
+          <a:p>
+            <a:endParaRPr lang="en-US" baseline="0" dirty="0" smtClean="0"/>
+          </a:p>
+          <a:p>
+            <a:r>
+              <a:rPr lang="en-US" baseline="0" dirty="0" smtClean="0"/>
+              <a:t>After this explored another way to use knockout to dynamically update the look and feel of your application by creating a custom binding.</a:t>
+            </a:r>
+          </a:p>
+          <a:p>
+            <a:endParaRPr lang="en-US" baseline="0" dirty="0" smtClean="0"/>
+          </a:p>
+          <a:p>
+            <a:r>
+              <a:rPr lang="en-US" baseline="0" dirty="0" smtClean="0"/>
+              <a:t>Following this we explored how to toggle the visibility state of a UI element by using the visible binding in knockout.</a:t>
+            </a:r>
+          </a:p>
+          <a:p>
+            <a:endParaRPr lang="en-US" baseline="0" dirty="0" smtClean="0"/>
+          </a:p>
+          <a:p>
+            <a:r>
+              <a:rPr lang="en-US" baseline="0" dirty="0" smtClean="0"/>
+              <a:t>We then went on to learn how to make HTTP posts in </a:t>
+            </a:r>
+            <a:r>
+              <a:rPr lang="en-US" baseline="0" dirty="0" err="1" smtClean="0"/>
+              <a:t>jquery</a:t>
+            </a:r>
+            <a:r>
+              <a:rPr lang="en-US" baseline="0" dirty="0" smtClean="0"/>
+              <a:t> to hit a remote web </a:t>
+            </a:r>
+            <a:r>
+              <a:rPr lang="en-US" baseline="0" dirty="0" err="1" smtClean="0"/>
+              <a:t>api</a:t>
+            </a:r>
+            <a:r>
+              <a:rPr lang="en-US" baseline="0" dirty="0" smtClean="0"/>
+              <a:t> endpoint to delete some data.</a:t>
+            </a:r>
+          </a:p>
+          <a:p>
+            <a:endParaRPr lang="en-US" baseline="0" dirty="0" smtClean="0"/>
+          </a:p>
+          <a:p>
+            <a:r>
+              <a:rPr lang="en-US" baseline="0" dirty="0" smtClean="0"/>
+              <a:t>Finally we rounded out the module by learning how to use knockout to compute summary for our </a:t>
+            </a:r>
+            <a:r>
+              <a:rPr lang="en-US" baseline="0" dirty="0" err="1" smtClean="0"/>
+              <a:t>todo</a:t>
+            </a:r>
+            <a:r>
+              <a:rPr lang="en-US" baseline="0" dirty="0" smtClean="0"/>
+              <a:t> listing</a:t>
+            </a:r>
+          </a:p>
+          <a:p>
+            <a:endParaRPr lang="en-US" baseline="0" dirty="0" smtClean="0"/>
+          </a:p>
+          <a:p>
+            <a:r>
+              <a:rPr lang="en-US" baseline="0" dirty="0" smtClean="0"/>
+              <a:t>In the next module we will focus on learning how we can edit and maintain our individual </a:t>
+            </a:r>
+            <a:r>
+              <a:rPr lang="en-US" baseline="0" dirty="0" err="1" smtClean="0"/>
+              <a:t>todo</a:t>
+            </a:r>
+            <a:r>
+              <a:rPr lang="en-US" baseline="0" dirty="0" smtClean="0"/>
+              <a:t> items.</a:t>
+            </a:r>
+            <a:endParaRPr lang="en-US" dirty="0"/>
+          </a:p>
+        </p:txBody>
+      </p:sp>
+      <p:sp>
+        <p:nvSpPr>
+          <p:cNvPr id="4" name="Slide Number Placeholder 3"/>
+          <p:cNvSpPr>
+            <a:spLocks noGrp="1"/>
+          </p:cNvSpPr>
+          <p:nvPr>
+            <p:ph type="sldNum" sz="quarter" idx="10"/>
+          </p:nvPr>
+        </p:nvSpPr>
+        <p:spPr/>
+        <p:txBody>
+          <a:bodyPr/>
+          <a:lstStyle/>
+          <a:p>
+            <a:pPr>
+              <a:defRPr/>
+            </a:pPr>
+            <a:fld id="{47C584BF-6945-4E60-B2A7-1638FF8EA8EE}" type="slidenum">
+              <a:rPr lang="en-US" smtClean="0"/>
+              <a:pPr>
+                <a:defRPr/>
+              </a:pPr>
+              <a:t>32</a:t>
             </a:fld>
             <a:endParaRPr lang="en-US"/>
           </a:p>
@@ -4374,11 +4662,11 @@
             </a:pPr>
             <a:r>
               <a:rPr lang="en-US" dirty="0" smtClean="0"/>
-              <a:t>In our to</a:t>
+              <a:t>We should do 2 things before we get</a:t>
             </a:r>
             <a:r>
               <a:rPr lang="en-US" baseline="0" dirty="0" smtClean="0"/>
-              <a:t> build our Maintenance dialog we need to do 2 things.  First we need to take a look at what the end result is expected to look like and second we need to understand how to build this with html</a:t>
+              <a:t> started building our maintenance dialog.  First lets take a look at what we are planning to build so we will have a solid understanding of our objectives, and second we need to understand how to build this with HTML</a:t>
             </a:r>
             <a:endParaRPr lang="en-US" dirty="0"/>
           </a:p>
@@ -4631,8 +4919,13 @@
           <a:p>
             <a:r>
               <a:rPr lang="en-US" dirty="0" smtClean="0"/>
-              <a:t>Here is a subset of our Dialog HTML</a:t>
-            </a:r>
+              <a:t>Here is a subset of our HTML dialog and</a:t>
+            </a:r>
+            <a:r>
+              <a:rPr lang="en-US" baseline="0" dirty="0" smtClean="0"/>
+              <a:t> there are 2 areas of interest we should pay attention to</a:t>
+            </a:r>
+            <a:endParaRPr lang="en-US" dirty="0" smtClean="0"/>
           </a:p>
           <a:p>
             <a:endParaRPr lang="en-US" dirty="0" smtClean="0"/>
@@ -6861,10 +7154,16 @@
           <a:lstStyle/>
           <a:p>
             <a:r>
-              <a:rPr lang="en-US" dirty="0" smtClean="0">
-                <a:latin typeface="+mn-lt"/>
-              </a:rPr>
-              <a:t>Two Way, Real Time, Text Binding</a:t>
+              <a:rPr lang="en-GB" dirty="0"/>
+              <a:t>Creating </a:t>
+            </a:r>
+            <a:r>
+              <a:rPr lang="en-GB" dirty="0" smtClean="0"/>
+              <a:t>the </a:t>
+            </a:r>
+            <a:r>
+              <a:rPr lang="en-GB" dirty="0"/>
+              <a:t>Maintenance Dialog</a:t>
             </a:r>
           </a:p>
           <a:p>
@@ -6876,32 +7175,99 @@
                   </a:schemeClr>
                 </a:solidFill>
               </a:rPr>
-              <a:t>Client Side Filtering</a:t>
-            </a:r>
+              <a:t>Setting up the </a:t>
+            </a:r>
+            <a:r>
+              <a:rPr lang="en-GB" dirty="0">
+                <a:solidFill>
+                  <a:schemeClr val="accent6">
+                    <a:lumMod val="75000"/>
+                  </a:schemeClr>
+                </a:solidFill>
+              </a:rPr>
+              <a:t>Maintenance View </a:t>
+            </a:r>
+            <a:r>
+              <a:rPr lang="en-GB" dirty="0" smtClean="0">
+                <a:solidFill>
+                  <a:schemeClr val="accent6">
+                    <a:lumMod val="75000"/>
+                  </a:schemeClr>
+                </a:solidFill>
+              </a:rPr>
+              <a:t>Model</a:t>
+            </a:r>
+            <a:endParaRPr lang="en-GB" dirty="0" smtClean="0">
+              <a:solidFill>
+                <a:schemeClr val="accent6">
+                  <a:lumMod val="75000"/>
+                </a:schemeClr>
+              </a:solidFill>
+            </a:endParaRPr>
           </a:p>
           <a:p>
             <a:r>
               <a:rPr lang="en-GB" dirty="0" smtClean="0"/>
-              <a:t>Advanced UI Styling</a:t>
-            </a:r>
-          </a:p>
-          <a:p>
+              <a:t>Working with </a:t>
+            </a:r>
+            <a:r>
+              <a:rPr lang="en-GB" dirty="0"/>
+              <a:t>Selection </a:t>
+            </a:r>
             <a:r>
               <a:rPr lang="en-GB" dirty="0" smtClean="0"/>
-              <a:t>Visibility State of UI elements</a:t>
+              <a:t>Options</a:t>
+            </a:r>
+          </a:p>
+          <a:p>
+            <a:r>
+              <a:rPr lang="en-GB" dirty="0" smtClean="0"/>
+              <a:t>Working with Date Fields</a:t>
+            </a:r>
+            <a:endParaRPr lang="en-GB" dirty="0" smtClean="0"/>
+          </a:p>
+          <a:p>
+            <a:r>
+              <a:rPr lang="en-GB" dirty="0"/>
+              <a:t>Creating a new </a:t>
+            </a:r>
+            <a:r>
+              <a:rPr lang="en-GB" dirty="0" err="1"/>
+              <a:t>ToDo</a:t>
+            </a:r>
+            <a:r>
+              <a:rPr lang="en-GB" dirty="0"/>
+              <a:t> </a:t>
+            </a:r>
+            <a:r>
+              <a:rPr lang="en-GB" dirty="0" smtClean="0"/>
+              <a:t>Item</a:t>
             </a:r>
             <a:endParaRPr lang="en-GB" dirty="0"/>
           </a:p>
           <a:p>
             <a:r>
+              <a:rPr lang="en-US" dirty="0"/>
+              <a:t>Maintaining an existing </a:t>
+            </a:r>
+            <a:r>
+              <a:rPr lang="en-US" dirty="0" err="1"/>
+              <a:t>ToDo</a:t>
+            </a:r>
+            <a:r>
+              <a:rPr lang="en-US" dirty="0"/>
+              <a:t> </a:t>
+            </a:r>
+            <a:r>
+              <a:rPr lang="en-US" dirty="0" smtClean="0"/>
+              <a:t>Item</a:t>
+            </a:r>
+            <a:endParaRPr lang="en-GB" dirty="0" smtClean="0"/>
+          </a:p>
+          <a:p>
+            <a:r>
               <a:rPr lang="en-GB" dirty="0" smtClean="0"/>
-              <a:t>Deleting Data</a:t>
-            </a:r>
-          </a:p>
-          <a:p>
-            <a:r>
-              <a:rPr lang="en-GB" dirty="0" smtClean="0"/>
-              <a:t>Computed Totals</a:t>
+              <a:t>Saving the Data</a:t>
             </a:r>
             <a:endParaRPr lang="en-GB" dirty="0"/>
           </a:p>
@@ -6910,7 +7276,7 @@
     </p:spTree>
     <p:extLst>
       <p:ext uri="{BB962C8B-B14F-4D97-AF65-F5344CB8AC3E}">
-        <p14:creationId xmlns:p14="http://schemas.microsoft.com/office/powerpoint/2010/main" val="2931758334"/>
+        <p14:creationId xmlns:p14="http://schemas.microsoft.com/office/powerpoint/2010/main" val="2535550719"/>
       </p:ext>
     </p:extLst>
   </p:cSld>
@@ -6947,64 +7313,9 @@
           <a:chExt cx="0" cy="0"/>
         </a:xfrm>
       </p:grpSpPr>
-      <p:sp>
-        <p:nvSpPr>
-          <p:cNvPr id="3" name="Text Placeholder 2"/>
-          <p:cNvSpPr>
-            <a:spLocks noGrp="1"/>
-          </p:cNvSpPr>
-          <p:nvPr>
-            <p:ph type="body" idx="1"/>
-          </p:nvPr>
-        </p:nvSpPr>
-        <p:spPr/>
-        <p:txBody>
-          <a:bodyPr/>
-          <a:lstStyle/>
-          <a:p>
-            <a:pPr marL="0" indent="0">
-              <a:buNone/>
-            </a:pPr>
-            <a:r>
-              <a:rPr lang="en-GB" dirty="0" smtClean="0"/>
-              <a:t>Silverlight View Model</a:t>
-            </a:r>
-          </a:p>
-          <a:p>
-            <a:pPr marL="0" indent="0">
-              <a:buNone/>
-            </a:pPr>
-            <a:endParaRPr lang="en-GB" dirty="0"/>
-          </a:p>
-          <a:p>
-            <a:pPr marL="0" indent="0">
-              <a:buNone/>
-            </a:pPr>
-            <a:endParaRPr lang="en-GB" dirty="0" smtClean="0"/>
-          </a:p>
-          <a:p>
-            <a:pPr marL="0" indent="0">
-              <a:buNone/>
-            </a:pPr>
-            <a:endParaRPr lang="en-GB" dirty="0"/>
-          </a:p>
-          <a:p>
-            <a:pPr marL="0" indent="0">
-              <a:buNone/>
-            </a:pPr>
-            <a:endParaRPr lang="en-GB" dirty="0" smtClean="0"/>
-          </a:p>
-          <a:p>
-            <a:pPr marL="0" indent="0">
-              <a:buNone/>
-            </a:pPr>
-            <a:endParaRPr lang="en-GB" dirty="0"/>
-          </a:p>
-        </p:txBody>
-      </p:sp>
       <p:pic>
         <p:nvPicPr>
-          <p:cNvPr id="4" name="Picture 3"/>
+          <p:cNvPr id="5" name="Picture 4"/>
           <p:cNvPicPr>
             <a:picLocks noChangeAspect="1"/>
           </p:cNvPicPr>
@@ -7018,8 +7329,8 @@
         </p:blipFill>
         <p:spPr>
           <a:xfrm>
-            <a:off x="757237" y="1865531"/>
-            <a:ext cx="7629525" cy="2628900"/>
+            <a:off x="990600" y="1076325"/>
+            <a:ext cx="7162800" cy="4705350"/>
           </a:xfrm>
           <a:prstGeom prst="rect">
             <a:avLst/>
@@ -7043,7 +7354,7 @@
           <a:p>
             <a:r>
               <a:rPr lang="en-US" dirty="0" smtClean="0"/>
-              <a:t>Filtering Client Side Data</a:t>
+              <a:t>Setting up the Maintenance View Model</a:t>
             </a:r>
             <a:endParaRPr lang="en-GB" dirty="0"/>
           </a:p>
@@ -7056,9 +7367,9 @@
           <p:nvPr/>
         </p:nvCxnSpPr>
         <p:spPr bwMode="auto">
-          <a:xfrm flipH="1">
-            <a:off x="5181600" y="1676400"/>
-            <a:ext cx="1219200" cy="533400"/>
+          <a:xfrm flipH="1" flipV="1">
+            <a:off x="5181600" y="2209800"/>
+            <a:ext cx="1219200" cy="207109"/>
           </a:xfrm>
           <a:prstGeom prst="straightConnector1">
             <a:avLst/>
@@ -7094,8 +7405,8 @@
         </p:nvSpPr>
         <p:spPr bwMode="auto">
           <a:xfrm>
-            <a:off x="6400800" y="1447800"/>
-            <a:ext cx="2609689" cy="369332"/>
+            <a:off x="6440347" y="2232243"/>
+            <a:ext cx="2510880" cy="646331"/>
           </a:xfrm>
           <a:prstGeom prst="rect">
             <a:avLst/>
@@ -7118,19 +7429,21 @@
               <a:rPr lang="en-US" dirty="0" smtClean="0">
                 <a:latin typeface="+mj-lt"/>
               </a:rPr>
-              <a:t>Use </a:t>
-            </a:r>
-            <a:r>
-              <a:rPr lang="en-US" dirty="0" err="1" smtClean="0">
+              <a:t>Add all of our Typescript</a:t>
+            </a:r>
+          </a:p>
+          <a:p>
+            <a:r>
+              <a:rPr lang="en-US" dirty="0">
                 <a:latin typeface="+mj-lt"/>
               </a:rPr>
-              <a:t>Linq</a:t>
-            </a:r>
-            <a:r>
-              <a:rPr lang="en-US" dirty="0" smtClean="0">
+              <a:t>d</a:t>
+            </a:r>
+            <a:r>
+              <a:rPr lang="en-US" sz="1800" dirty="0" smtClean="0">
                 <a:latin typeface="+mj-lt"/>
               </a:rPr>
-              <a:t> to filter our data</a:t>
+              <a:t>efinition files</a:t>
             </a:r>
             <a:endParaRPr lang="en-US" sz="1800" dirty="0">
               <a:latin typeface="+mj-lt"/>
@@ -7145,9 +7458,9 @@
           <p:nvPr/>
         </p:nvCxnSpPr>
         <p:spPr bwMode="auto">
-          <a:xfrm flipH="1">
+          <a:xfrm flipH="1" flipV="1">
             <a:off x="4495800" y="3886200"/>
-            <a:ext cx="1752600" cy="0"/>
+            <a:ext cx="1905000" cy="1568559"/>
           </a:xfrm>
           <a:prstGeom prst="straightConnector1">
             <a:avLst/>
@@ -7183,8 +7496,8 @@
         </p:nvSpPr>
         <p:spPr bwMode="auto">
           <a:xfrm>
-            <a:off x="6400800" y="3559909"/>
-            <a:ext cx="2300630" cy="646331"/>
+            <a:off x="6545472" y="5131594"/>
+            <a:ext cx="1633781" cy="646331"/>
           </a:xfrm>
           <a:prstGeom prst="rect">
             <a:avLst/>
@@ -7204,15 +7517,16 @@
           <a:lstStyle/>
           <a:p>
             <a:r>
-              <a:rPr lang="en-US" dirty="0"/>
-              <a:t>Set the results to the</a:t>
-            </a:r>
-          </a:p>
-          <a:p>
-            <a:r>
-              <a:rPr lang="en-US" dirty="0"/>
-              <a:t>bound collection</a:t>
-            </a:r>
+              <a:rPr lang="en-US" dirty="0" smtClean="0"/>
+              <a:t>Create all our </a:t>
+            </a:r>
+          </a:p>
+          <a:p>
+            <a:r>
+              <a:rPr lang="en-US" dirty="0" smtClean="0"/>
+              <a:t>observables</a:t>
+            </a:r>
+            <a:endParaRPr lang="en-US" dirty="0"/>
           </a:p>
         </p:txBody>
       </p:sp>
@@ -7250,7 +7564,7 @@
                             </p:stCondLst>
                             <p:childTnLst>
                               <p:par>
-                                <p:cTn id="5" presetID="10" presetClass="entr" presetSubtype="0" fill="hold" grpId="0" nodeType="clickEffect">
+                                <p:cTn id="5" presetID="1" presetClass="entr" presetSubtype="0" fill="hold" nodeType="clickEffect">
                                   <p:stCondLst>
                                     <p:cond delay="0"/>
                                   </p:stCondLst>
@@ -7258,67 +7572,6 @@
                                     <p:set>
                                       <p:cBhvr>
                                         <p:cTn id="6" dur="1" fill="hold">
-                                          <p:stCondLst>
-                                            <p:cond delay="0"/>
-                                          </p:stCondLst>
-                                        </p:cTn>
-                                        <p:tgtEl>
-                                          <p:spTgt spid="3">
-                                            <p:txEl>
-                                              <p:pRg st="0" end="0"/>
-                                            </p:txEl>
-                                          </p:spTgt>
-                                        </p:tgtEl>
-                                        <p:attrNameLst>
-                                          <p:attrName>style.visibility</p:attrName>
-                                        </p:attrNameLst>
-                                      </p:cBhvr>
-                                      <p:to>
-                                        <p:strVal val="visible"/>
-                                      </p:to>
-                                    </p:set>
-                                    <p:animEffect transition="in" filter="fade">
-                                      <p:cBhvr>
-                                        <p:cTn id="7" dur="500"/>
-                                        <p:tgtEl>
-                                          <p:spTgt spid="3">
-                                            <p:txEl>
-                                              <p:pRg st="0" end="0"/>
-                                            </p:txEl>
-                                          </p:spTgt>
-                                        </p:tgtEl>
-                                      </p:cBhvr>
-                                    </p:animEffect>
-                                  </p:childTnLst>
-                                </p:cTn>
-                              </p:par>
-                            </p:childTnLst>
-                          </p:cTn>
-                        </p:par>
-                      </p:childTnLst>
-                    </p:cTn>
-                  </p:par>
-                  <p:par>
-                    <p:cTn id="8" fill="hold">
-                      <p:stCondLst>
-                        <p:cond delay="indefinite"/>
-                      </p:stCondLst>
-                      <p:childTnLst>
-                        <p:par>
-                          <p:cTn id="9" fill="hold">
-                            <p:stCondLst>
-                              <p:cond delay="0"/>
-                            </p:stCondLst>
-                            <p:childTnLst>
-                              <p:par>
-                                <p:cTn id="10" presetID="1" presetClass="entr" presetSubtype="0" fill="hold" nodeType="clickEffect">
-                                  <p:stCondLst>
-                                    <p:cond delay="0"/>
-                                  </p:stCondLst>
-                                  <p:childTnLst>
-                                    <p:set>
-                                      <p:cBhvr>
-                                        <p:cTn id="11" dur="1" fill="hold">
                                           <p:stCondLst>
                                             <p:cond delay="0"/>
                                           </p:stCondLst>
@@ -7338,14 +7591,14 @@
                                 </p:cTn>
                               </p:par>
                               <p:par>
-                                <p:cTn id="12" presetID="1" presetClass="entr" presetSubtype="0" fill="hold" grpId="0" nodeType="withEffect">
+                                <p:cTn id="7" presetID="1" presetClass="entr" presetSubtype="0" fill="hold" grpId="0" nodeType="withEffect">
                                   <p:stCondLst>
                                     <p:cond delay="0"/>
                                   </p:stCondLst>
                                   <p:childTnLst>
                                     <p:set>
                                       <p:cBhvr>
-                                        <p:cTn id="13" dur="1" fill="hold">
+                                        <p:cTn id="8" dur="1" fill="hold">
                                           <p:stCondLst>
                                             <p:cond delay="0"/>
                                           </p:stCondLst>
@@ -7371,26 +7624,26 @@
                     </p:cTn>
                   </p:par>
                   <p:par>
-                    <p:cTn id="14" fill="hold">
+                    <p:cTn id="9" fill="hold">
                       <p:stCondLst>
                         <p:cond delay="indefinite"/>
                       </p:stCondLst>
                       <p:childTnLst>
                         <p:par>
-                          <p:cTn id="15" fill="hold">
+                          <p:cTn id="10" fill="hold">
                             <p:stCondLst>
                               <p:cond delay="0"/>
                             </p:stCondLst>
                             <p:childTnLst>
                               <p:par>
-                                <p:cTn id="16" presetID="1" presetClass="entr" presetSubtype="0" fill="hold" nodeType="clickEffect">
+                                <p:cTn id="11" presetID="1" presetClass="entr" presetSubtype="0" fill="hold" nodeType="clickEffect">
                                   <p:stCondLst>
                                     <p:cond delay="0"/>
                                   </p:stCondLst>
                                   <p:childTnLst>
                                     <p:set>
                                       <p:cBhvr>
-                                        <p:cTn id="17" dur="1" fill="hold">
+                                        <p:cTn id="12" dur="1" fill="hold">
                                           <p:stCondLst>
                                             <p:cond delay="0"/>
                                           </p:stCondLst>
@@ -7410,14 +7663,14 @@
                                 </p:cTn>
                               </p:par>
                               <p:par>
-                                <p:cTn id="18" presetID="1" presetClass="entr" presetSubtype="0" fill="hold" grpId="0" nodeType="withEffect">
+                                <p:cTn id="13" presetID="1" presetClass="entr" presetSubtype="0" fill="hold" grpId="0" nodeType="withEffect">
                                   <p:stCondLst>
                                     <p:cond delay="0"/>
                                   </p:stCondLst>
                                   <p:childTnLst>
                                     <p:set>
                                       <p:cBhvr>
-                                        <p:cTn id="19" dur="1" fill="hold">
+                                        <p:cTn id="14" dur="1" fill="hold">
                                           <p:stCondLst>
                                             <p:cond delay="0"/>
                                           </p:stCondLst>
@@ -7464,7 +7717,6 @@
       </p:par>
     </p:tnLst>
     <p:bldLst>
-      <p:bldP spid="3" grpId="0" build="p"/>
       <p:bldP spid="7" grpId="0"/>
       <p:bldP spid="20" grpId="0"/>
     </p:bldLst>
@@ -7509,8 +7761,9 @@
             </a:pPr>
             <a:r>
               <a:rPr lang="en-GB" dirty="0" smtClean="0"/>
-              <a:t>Knockout View Model</a:t>
-            </a:r>
+              <a:t>Binding our model to the View</a:t>
+            </a:r>
+            <a:endParaRPr lang="en-GB" dirty="0" smtClean="0"/>
           </a:p>
           <a:p>
             <a:pPr marL="0" indent="0">
@@ -7546,7 +7799,7 @@
       </p:sp>
       <p:pic>
         <p:nvPicPr>
-          <p:cNvPr id="8" name="Picture 7"/>
+          <p:cNvPr id="4" name="Picture 3"/>
           <p:cNvPicPr>
             <a:picLocks noChangeAspect="1"/>
           </p:cNvPicPr>
@@ -7560,8 +7813,8 @@
         </p:blipFill>
         <p:spPr>
           <a:xfrm>
-            <a:off x="762000" y="1981200"/>
-            <a:ext cx="8096250" cy="3038475"/>
+            <a:off x="959999" y="1847850"/>
+            <a:ext cx="4352925" cy="3009900"/>
           </a:xfrm>
           <a:prstGeom prst="rect">
             <a:avLst/>
@@ -7584,8 +7837,8 @@
           <a:lstStyle/>
           <a:p>
             <a:r>
-              <a:rPr lang="en-US" dirty="0" smtClean="0"/>
-              <a:t>Filtering Client Side Data</a:t>
+              <a:rPr lang="en-US" dirty="0"/>
+              <a:t>Setting up the Maintenance View Model</a:t>
             </a:r>
             <a:endParaRPr lang="en-GB" dirty="0"/>
           </a:p>
@@ -7599,8 +7852,8 @@
         </p:nvCxnSpPr>
         <p:spPr bwMode="auto">
           <a:xfrm flipH="1">
-            <a:off x="4495800" y="2895600"/>
-            <a:ext cx="1905000" cy="457200"/>
+            <a:off x="5181600" y="2057400"/>
+            <a:ext cx="1219200" cy="4465"/>
           </a:xfrm>
           <a:prstGeom prst="straightConnector1">
             <a:avLst/>
@@ -7636,8 +7889,8 @@
         </p:nvSpPr>
         <p:spPr bwMode="auto">
           <a:xfrm>
-            <a:off x="6400800" y="2438400"/>
-            <a:ext cx="2610523" cy="646331"/>
+            <a:off x="6400800" y="1600200"/>
+            <a:ext cx="2664897" cy="923330"/>
           </a:xfrm>
           <a:prstGeom prst="rect">
             <a:avLst/>
@@ -7660,15 +7913,38 @@
               <a:rPr lang="en-US" dirty="0" smtClean="0">
                 <a:latin typeface="+mj-lt"/>
               </a:rPr>
-              <a:t>Use underscore.js to filter</a:t>
-            </a:r>
-          </a:p>
-          <a:p>
+              <a:t>Update our </a:t>
+            </a:r>
+            <a:r>
+              <a:rPr lang="en-US" dirty="0" err="1" smtClean="0">
+                <a:latin typeface="+mj-lt"/>
+              </a:rPr>
+              <a:t>addNewToDo</a:t>
+            </a:r>
+            <a:endParaRPr lang="en-US" dirty="0" smtClean="0">
+              <a:latin typeface="+mj-lt"/>
+            </a:endParaRPr>
+          </a:p>
+          <a:p>
+            <a:r>
+              <a:rPr lang="en-US" dirty="0">
+                <a:latin typeface="+mj-lt"/>
+              </a:rPr>
+              <a:t>l</a:t>
+            </a:r>
             <a:r>
               <a:rPr lang="en-US" sz="1800" dirty="0" smtClean="0">
                 <a:latin typeface="+mj-lt"/>
               </a:rPr>
-              <a:t>Our data</a:t>
+              <a:t>ogic to bind our editable</a:t>
+            </a:r>
+          </a:p>
+          <a:p>
+            <a:r>
+              <a:rPr lang="en-US" dirty="0" smtClean="0">
+                <a:latin typeface="+mj-lt"/>
+              </a:rPr>
+              <a:t>view model</a:t>
             </a:r>
             <a:endParaRPr lang="en-US" sz="1800" dirty="0">
               <a:latin typeface="+mj-lt"/>
@@ -7685,9 +7961,9 @@
           <p:nvPr/>
         </p:nvCxnSpPr>
         <p:spPr bwMode="auto">
-          <a:xfrm flipH="1" flipV="1">
-            <a:off x="4343400" y="4419600"/>
-            <a:ext cx="2057400" cy="18366"/>
+          <a:xfrm flipH="1">
+            <a:off x="5029200" y="3641467"/>
+            <a:ext cx="1371600" cy="168533"/>
           </a:xfrm>
           <a:prstGeom prst="straightConnector1">
             <a:avLst/>
@@ -7723,8 +7999,8 @@
         </p:nvSpPr>
         <p:spPr bwMode="auto">
           <a:xfrm>
-            <a:off x="6400800" y="4114800"/>
-            <a:ext cx="2163669" cy="646331"/>
+            <a:off x="6400800" y="3318301"/>
+            <a:ext cx="2583336" cy="646331"/>
           </a:xfrm>
           <a:prstGeom prst="rect">
             <a:avLst/>
@@ -7747,22 +8023,65 @@
               <a:rPr lang="en-US" dirty="0" smtClean="0">
                 <a:latin typeface="+mj-lt"/>
               </a:rPr>
-              <a:t>Set the results to the</a:t>
-            </a:r>
-          </a:p>
-          <a:p>
-            <a:r>
-              <a:rPr lang="en-US" sz="1800" dirty="0" smtClean="0">
+              <a:t>Bind our new </a:t>
+            </a:r>
+            <a:r>
+              <a:rPr lang="en-US" dirty="0" err="1" smtClean="0">
                 <a:latin typeface="+mj-lt"/>
               </a:rPr>
-              <a:t>bound collection</a:t>
-            </a:r>
-            <a:endParaRPr lang="en-US" sz="1800" dirty="0">
+              <a:t>ViewModel</a:t>
+            </a:r>
+            <a:endParaRPr lang="en-US" dirty="0" smtClean="0">
               <a:latin typeface="+mj-lt"/>
             </a:endParaRPr>
           </a:p>
+          <a:p>
+            <a:r>
+              <a:rPr lang="en-US" dirty="0" smtClean="0">
+                <a:latin typeface="+mj-lt"/>
+              </a:rPr>
+              <a:t>to our view</a:t>
+            </a:r>
+            <a:endParaRPr lang="en-US" sz="1800" dirty="0" smtClean="0">
+              <a:latin typeface="+mj-lt"/>
+            </a:endParaRPr>
+          </a:p>
         </p:txBody>
       </p:sp>
+      <p:cxnSp>
+        <p:nvCxnSpPr>
+          <p:cNvPr id="17" name="Straight Connector 16"/>
+          <p:cNvCxnSpPr/>
+          <p:nvPr/>
+        </p:nvCxnSpPr>
+        <p:spPr bwMode="auto">
+          <a:xfrm>
+            <a:off x="2895600" y="2590800"/>
+            <a:ext cx="1905000" cy="0"/>
+          </a:xfrm>
+          <a:prstGeom prst="line">
+            <a:avLst/>
+          </a:prstGeom>
+          <a:ln>
+            <a:headEnd type="none" w="med" len="med"/>
+            <a:tailEnd type="none" w="med" len="med"/>
+          </a:ln>
+        </p:spPr>
+        <p:style>
+          <a:lnRef idx="2">
+            <a:schemeClr val="accent1"/>
+          </a:lnRef>
+          <a:fillRef idx="0">
+            <a:schemeClr val="accent1"/>
+          </a:fillRef>
+          <a:effectRef idx="1">
+            <a:schemeClr val="accent1"/>
+          </a:effectRef>
+          <a:fontRef idx="minor">
+            <a:schemeClr val="tx1"/>
+          </a:fontRef>
+        </p:style>
+      </p:cxnSp>
     </p:spTree>
     <p:extLst>
       <p:ext uri="{BB962C8B-B14F-4D97-AF65-F5344CB8AC3E}">
@@ -7788,6 +8107,9 @@
                     <p:cTn id="3" fill="hold">
                       <p:stCondLst>
                         <p:cond delay="indefinite"/>
+                        <p:cond evt="onBegin" delay="0">
+                          <p:tn val="2"/>
+                        </p:cond>
                       </p:stCondLst>
                       <p:childTnLst>
                         <p:par>
@@ -7797,7 +8119,7 @@
                             </p:stCondLst>
                             <p:childTnLst>
                               <p:par>
-                                <p:cTn id="5" presetID="10" presetClass="entr" presetSubtype="0" fill="hold" grpId="0" nodeType="clickEffect">
+                                <p:cTn id="5" presetID="1" presetClass="entr" presetSubtype="0" fill="hold" grpId="0" nodeType="withEffect">
                                   <p:stCondLst>
                                     <p:cond delay="0"/>
                                   </p:stCondLst>
@@ -7824,18 +8146,33 @@
                                         <p:strVal val="visible"/>
                                       </p:to>
                                     </p:set>
-                                    <p:animEffect transition="in" filter="fade">
+                                  </p:childTnLst>
+                                </p:cTn>
+                              </p:par>
+                              <p:par>
+                                <p:cTn id="7" presetID="1" presetClass="entr" presetSubtype="0" fill="hold" nodeType="withEffect">
+                                  <p:stCondLst>
+                                    <p:cond delay="0"/>
+                                  </p:stCondLst>
+                                  <p:childTnLst>
+                                    <p:set>
                                       <p:cBhvr>
-                                        <p:cTn id="7" dur="500"/>
+                                        <p:cTn id="8" dur="1" fill="hold">
+                                          <p:stCondLst>
+                                            <p:cond delay="0"/>
+                                          </p:stCondLst>
+                                        </p:cTn>
                                         <p:tgtEl>
-                                          <p:spTgt spid="3">
-                                            <p:txEl>
-                                              <p:pRg st="0" end="0"/>
-                                            </p:txEl>
-                                          </p:spTgt>
+                                          <p:spTgt spid="4"/>
                                         </p:tgtEl>
+                                        <p:attrNameLst>
+                                          <p:attrName>style.visibility</p:attrName>
+                                        </p:attrNameLst>
                                       </p:cBhvr>
-                                    </p:animEffect>
+                                      <p:to>
+                                        <p:strVal val="visible"/>
+                                      </p:to>
+                                    </p:set>
                                   </p:childTnLst>
                                 </p:cTn>
                               </p:par>
@@ -7846,26 +8183,26 @@
                     </p:cTn>
                   </p:par>
                   <p:par>
-                    <p:cTn id="8" fill="hold">
+                    <p:cTn id="9" fill="hold">
                       <p:stCondLst>
                         <p:cond delay="indefinite"/>
                       </p:stCondLst>
                       <p:childTnLst>
                         <p:par>
-                          <p:cTn id="9" fill="hold">
+                          <p:cTn id="10" fill="hold">
                             <p:stCondLst>
                               <p:cond delay="0"/>
                             </p:stCondLst>
                             <p:childTnLst>
                               <p:par>
-                                <p:cTn id="10" presetID="1" presetClass="entr" presetSubtype="0" fill="hold" nodeType="clickEffect">
+                                <p:cTn id="11" presetID="1" presetClass="entr" presetSubtype="0" fill="hold" nodeType="clickEffect">
                                   <p:stCondLst>
                                     <p:cond delay="0"/>
                                   </p:stCondLst>
                                   <p:childTnLst>
                                     <p:set>
                                       <p:cBhvr>
-                                        <p:cTn id="11" dur="1" fill="hold">
+                                        <p:cTn id="12" dur="1" fill="hold">
                                           <p:stCondLst>
                                             <p:cond delay="0"/>
                                           </p:stCondLst>
@@ -7885,14 +8222,14 @@
                                 </p:cTn>
                               </p:par>
                               <p:par>
-                                <p:cTn id="12" presetID="1" presetClass="entr" presetSubtype="0" fill="hold" grpId="0" nodeType="withEffect">
+                                <p:cTn id="13" presetID="1" presetClass="entr" presetSubtype="0" fill="hold" grpId="0" nodeType="withEffect">
                                   <p:stCondLst>
                                     <p:cond delay="0"/>
                                   </p:stCondLst>
                                   <p:childTnLst>
                                     <p:set>
                                       <p:cBhvr>
-                                        <p:cTn id="13" dur="1" fill="hold">
+                                        <p:cTn id="14" dur="1" fill="hold">
                                           <p:stCondLst>
                                             <p:cond delay="0"/>
                                           </p:stCondLst>
@@ -7918,26 +8255,26 @@
                     </p:cTn>
                   </p:par>
                   <p:par>
-                    <p:cTn id="14" fill="hold">
+                    <p:cTn id="15" fill="hold">
                       <p:stCondLst>
                         <p:cond delay="indefinite"/>
                       </p:stCondLst>
                       <p:childTnLst>
                         <p:par>
-                          <p:cTn id="15" fill="hold">
+                          <p:cTn id="16" fill="hold">
                             <p:stCondLst>
                               <p:cond delay="0"/>
                             </p:stCondLst>
                             <p:childTnLst>
                               <p:par>
-                                <p:cTn id="16" presetID="1" presetClass="entr" presetSubtype="0" fill="hold" nodeType="clickEffect">
+                                <p:cTn id="17" presetID="1" presetClass="entr" presetSubtype="0" fill="hold" nodeType="clickEffect">
                                   <p:stCondLst>
                                     <p:cond delay="0"/>
                                   </p:stCondLst>
                                   <p:childTnLst>
                                     <p:set>
                                       <p:cBhvr>
-                                        <p:cTn id="17" dur="1" fill="hold">
+                                        <p:cTn id="18" dur="1" fill="hold">
                                           <p:stCondLst>
                                             <p:cond delay="0"/>
                                           </p:stCondLst>
@@ -7957,20 +8294,47 @@
                                 </p:cTn>
                               </p:par>
                               <p:par>
-                                <p:cTn id="18" presetID="1" presetClass="entr" presetSubtype="0" fill="hold" grpId="0" nodeType="withEffect">
+                                <p:cTn id="19" presetID="1" presetClass="entr" presetSubtype="0" fill="hold" grpId="0" nodeType="withEffect">
                                   <p:stCondLst>
                                     <p:cond delay="0"/>
                                   </p:stCondLst>
                                   <p:childTnLst>
                                     <p:set>
                                       <p:cBhvr>
-                                        <p:cTn id="19" dur="1" fill="hold">
+                                        <p:cTn id="20" dur="1" fill="hold">
                                           <p:stCondLst>
                                             <p:cond delay="0"/>
                                           </p:stCondLst>
                                         </p:cTn>
                                         <p:tgtEl>
                                           <p:spTgt spid="15"/>
+                                        </p:tgtEl>
+                                        <p:attrNameLst>
+                                          <p:attrName>style.visibility</p:attrName>
+                                        </p:attrNameLst>
+                                      </p:cBhvr>
+                                      <p:to>
+                                        <p:strVal val="visible"/>
+                                      </p:to>
+                                    </p:set>
+                                  </p:childTnLst>
+                                </p:cTn>
+                              </p:par>
+                              <p:par>
+                                <p:cTn id="21" presetID="1" presetClass="entr" presetSubtype="0" fill="hold" nodeType="withEffect">
+                                  <p:stCondLst>
+                                    <p:cond delay="0"/>
+                                  </p:stCondLst>
+                                  <p:childTnLst>
+                                    <p:set>
+                                      <p:cBhvr>
+                                        <p:cTn id="22" dur="1" fill="hold">
+                                          <p:stCondLst>
+                                            <p:cond delay="0"/>
+                                          </p:stCondLst>
+                                        </p:cTn>
+                                        <p:tgtEl>
+                                          <p:spTgt spid="17"/>
                                         </p:tgtEl>
                                         <p:attrNameLst>
                                           <p:attrName>style.visibility</p:attrName>
@@ -8172,15 +8536,32 @@
           <a:lstStyle/>
           <a:p>
             <a:r>
-              <a:rPr lang="en-US" dirty="0"/>
-              <a:t>Two Way, Real Time, Text Binding</a:t>
-            </a:r>
-          </a:p>
-          <a:p>
+              <a:rPr lang="en-GB" dirty="0"/>
+              <a:t>Creating </a:t>
+            </a:r>
             <a:r>
               <a:rPr lang="en-GB" dirty="0" smtClean="0"/>
-              <a:t>Client Side Filtering</a:t>
-            </a:r>
+              <a:t>the </a:t>
+            </a:r>
+            <a:r>
+              <a:rPr lang="en-GB" dirty="0"/>
+              <a:t>Maintenance Dialog</a:t>
+            </a:r>
+          </a:p>
+          <a:p>
+            <a:r>
+              <a:rPr lang="en-GB" dirty="0" smtClean="0"/>
+              <a:t>Setting up the </a:t>
+            </a:r>
+            <a:r>
+              <a:rPr lang="en-GB" dirty="0"/>
+              <a:t>Maintenance View </a:t>
+            </a:r>
+            <a:r>
+              <a:rPr lang="en-GB" dirty="0" smtClean="0"/>
+              <a:t>Model</a:t>
+            </a:r>
+            <a:endParaRPr lang="en-GB" dirty="0" smtClean="0"/>
           </a:p>
           <a:p>
             <a:r>
@@ -8191,26 +8572,78 @@
                   </a:schemeClr>
                 </a:solidFill>
               </a:rPr>
-              <a:t>Advanced UI Styling</a:t>
+              <a:t>Working with </a:t>
+            </a:r>
+            <a:r>
+              <a:rPr lang="en-GB" dirty="0">
+                <a:solidFill>
+                  <a:schemeClr val="accent6">
+                    <a:lumMod val="75000"/>
+                  </a:schemeClr>
+                </a:solidFill>
+              </a:rPr>
+              <a:t>Selection </a:t>
+            </a:r>
+            <a:r>
+              <a:rPr lang="en-GB" dirty="0" smtClean="0">
+                <a:solidFill>
+                  <a:schemeClr val="accent6">
+                    <a:lumMod val="75000"/>
+                  </a:schemeClr>
+                </a:solidFill>
+              </a:rPr>
+              <a:t>Options</a:t>
             </a:r>
           </a:p>
           <a:p>
             <a:r>
               <a:rPr lang="en-GB" dirty="0" smtClean="0"/>
-              <a:t>Visibility State of UI elements</a:t>
+              <a:t>Working with Date Fields</a:t>
+            </a:r>
+            <a:endParaRPr lang="en-GB" dirty="0" smtClean="0"/>
+          </a:p>
+          <a:p>
+            <a:r>
+              <a:rPr lang="en-GB" dirty="0"/>
+              <a:t>Creating a new </a:t>
+            </a:r>
+            <a:r>
+              <a:rPr lang="en-GB" dirty="0" err="1"/>
+              <a:t>ToDo</a:t>
+            </a:r>
+            <a:r>
+              <a:rPr lang="en-GB" dirty="0"/>
+              <a:t> </a:t>
+            </a:r>
+            <a:r>
+              <a:rPr lang="en-GB" dirty="0" smtClean="0"/>
+              <a:t>Item</a:t>
             </a:r>
             <a:endParaRPr lang="en-GB" dirty="0"/>
           </a:p>
           <a:p>
             <a:r>
+              <a:rPr lang="en-US" dirty="0"/>
+              <a:t>Maintaining an existing </a:t>
+            </a:r>
+            <a:r>
+              <a:rPr lang="en-US" dirty="0" err="1"/>
+              <a:t>ToDo</a:t>
+            </a:r>
+            <a:r>
+              <a:rPr lang="en-US" dirty="0"/>
+              <a:t> </a:t>
+            </a:r>
+            <a:r>
+              <a:rPr lang="en-US" dirty="0" smtClean="0"/>
+              <a:t>Item</a:t>
+            </a:r>
+            <a:endParaRPr lang="en-GB" dirty="0" smtClean="0"/>
+          </a:p>
+          <a:p>
+            <a:r>
               <a:rPr lang="en-GB" dirty="0" smtClean="0"/>
-              <a:t>Deleting Data</a:t>
-            </a:r>
-          </a:p>
-          <a:p>
-            <a:r>
-              <a:rPr lang="en-GB" dirty="0" smtClean="0"/>
-              <a:t>Computed Totals</a:t>
+              <a:t>Saving the Data</a:t>
             </a:r>
             <a:endParaRPr lang="en-GB" dirty="0"/>
           </a:p>
@@ -8219,7 +8652,7 @@
     </p:spTree>
     <p:extLst>
       <p:ext uri="{BB962C8B-B14F-4D97-AF65-F5344CB8AC3E}">
-        <p14:creationId xmlns:p14="http://schemas.microsoft.com/office/powerpoint/2010/main" val="530947285"/>
+        <p14:creationId xmlns:p14="http://schemas.microsoft.com/office/powerpoint/2010/main" val="1681386054"/>
       </p:ext>
     </p:extLst>
   </p:cSld>
@@ -8273,7 +8706,7 @@
           <a:p>
             <a:r>
               <a:rPr lang="en-US" dirty="0" smtClean="0"/>
-              <a:t>Changing Styles w/ Custom Bindings</a:t>
+              <a:t>Working with Selection Options</a:t>
             </a:r>
             <a:endParaRPr lang="en-US" dirty="0"/>
           </a:p>
@@ -8299,53 +8732,23 @@
             </a:pPr>
             <a:r>
               <a:rPr lang="en-US" dirty="0" smtClean="0"/>
-              <a:t>Changing Styles via Computed Observables</a:t>
-            </a:r>
-          </a:p>
-          <a:p>
-            <a:pPr marL="0" indent="0">
-              <a:buNone/>
-            </a:pPr>
-            <a:endParaRPr lang="en-US" dirty="0"/>
-          </a:p>
-          <a:p>
-            <a:pPr marL="0" indent="0">
-              <a:buNone/>
-            </a:pPr>
-            <a:endParaRPr lang="en-US" dirty="0" smtClean="0"/>
-          </a:p>
-          <a:p>
-            <a:pPr marL="0" indent="0">
-              <a:buNone/>
-            </a:pPr>
-            <a:endParaRPr lang="en-US" dirty="0"/>
-          </a:p>
-          <a:p>
-            <a:pPr marL="0" indent="0">
-              <a:buNone/>
-            </a:pPr>
-            <a:endParaRPr lang="en-US" dirty="0" smtClean="0"/>
-          </a:p>
-          <a:p>
-            <a:pPr marL="0" indent="0">
-              <a:buNone/>
-            </a:pPr>
+              <a:t>Defining </a:t>
+            </a:r>
+            <a:r>
+              <a:rPr lang="en-US" dirty="0"/>
+              <a:t>our Selection box </a:t>
+            </a:r>
             <a:r>
               <a:rPr lang="en-US" dirty="0" smtClean="0"/>
-              <a:t>Changing Styles via Custom Binding</a:t>
-            </a:r>
-          </a:p>
-          <a:p>
-            <a:pPr marL="0" indent="0">
-              <a:buNone/>
-            </a:pPr>
+              <a:t>in XAML</a:t>
+            </a:r>
             <a:endParaRPr lang="en-US" dirty="0"/>
           </a:p>
         </p:txBody>
       </p:sp>
       <p:pic>
         <p:nvPicPr>
-          <p:cNvPr id="4" name="Picture 3"/>
+          <p:cNvPr id="7" name="Picture 6"/>
           <p:cNvPicPr>
             <a:picLocks noChangeAspect="1"/>
           </p:cNvPicPr>
@@ -8359,8 +8762,8 @@
         </p:blipFill>
         <p:spPr>
           <a:xfrm>
-            <a:off x="1066800" y="1905000"/>
-            <a:ext cx="6086475" cy="1219200"/>
+            <a:off x="990600" y="2133600"/>
+            <a:ext cx="5705475" cy="1809750"/>
           </a:xfrm>
           <a:prstGeom prst="rect">
             <a:avLst/>
@@ -8369,14 +8772,14 @@
       </p:pic>
       <p:cxnSp>
         <p:nvCxnSpPr>
-          <p:cNvPr id="5" name="Straight Arrow Connector 4"/>
+          <p:cNvPr id="17" name="Straight Arrow Connector 16"/>
           <p:cNvCxnSpPr/>
           <p:nvPr/>
         </p:nvCxnSpPr>
         <p:spPr bwMode="auto">
           <a:xfrm flipH="1">
-            <a:off x="5181600" y="1894159"/>
-            <a:ext cx="1219200" cy="239441"/>
+            <a:off x="5105400" y="2057400"/>
+            <a:ext cx="1295400" cy="304800"/>
           </a:xfrm>
           <a:prstGeom prst="straightConnector1">
             <a:avLst/>
@@ -8406,14 +8809,14 @@
       </p:cxnSp>
       <p:sp>
         <p:nvSpPr>
-          <p:cNvPr id="6" name="TextBox 5"/>
+          <p:cNvPr id="19" name="TextBox 18"/>
           <p:cNvSpPr txBox="1"/>
           <p:nvPr/>
         </p:nvSpPr>
         <p:spPr bwMode="auto">
           <a:xfrm>
-            <a:off x="6400800" y="1677227"/>
-            <a:ext cx="2743200" cy="369332"/>
+            <a:off x="6400800" y="1600200"/>
+            <a:ext cx="2712474" cy="646331"/>
           </a:xfrm>
           <a:prstGeom prst="rect">
             <a:avLst/>
@@ -8427,7 +8830,7 @@
           </a:ln>
         </p:spPr>
         <p:txBody>
-          <a:bodyPr wrap="square" rtlCol="0">
+          <a:bodyPr wrap="none" rtlCol="0">
             <a:spAutoFit/>
           </a:bodyPr>
           <a:lstStyle/>
@@ -8436,45 +8839,32 @@
               <a:rPr lang="en-US" dirty="0" smtClean="0">
                 <a:latin typeface="+mj-lt"/>
               </a:rPr>
-              <a:t>Computed Observable</a:t>
-            </a:r>
+              <a:t>We bind to our underlying</a:t>
+            </a:r>
+          </a:p>
+          <a:p>
+            <a:r>
+              <a:rPr lang="en-US" sz="1800" dirty="0" smtClean="0">
+                <a:latin typeface="+mj-lt"/>
+              </a:rPr>
+              <a:t>Collection for display</a:t>
+            </a:r>
+            <a:endParaRPr lang="en-US" sz="1800" dirty="0">
+              <a:latin typeface="+mj-lt"/>
+            </a:endParaRPr>
           </a:p>
         </p:txBody>
       </p:sp>
-      <p:pic>
-        <p:nvPicPr>
-          <p:cNvPr id="9" name="Picture 8"/>
-          <p:cNvPicPr>
-            <a:picLocks noChangeAspect="1"/>
-          </p:cNvPicPr>
-          <p:nvPr/>
-        </p:nvPicPr>
-        <p:blipFill>
-          <a:blip r:embed="rId4"/>
-          <a:stretch>
-            <a:fillRect/>
-          </a:stretch>
-        </p:blipFill>
-        <p:spPr>
-          <a:xfrm>
-            <a:off x="990600" y="3740467"/>
-            <a:ext cx="5591175" cy="1571625"/>
-          </a:xfrm>
-          <a:prstGeom prst="rect">
-            <a:avLst/>
-          </a:prstGeom>
-        </p:spPr>
-      </p:pic>
       <p:cxnSp>
         <p:nvCxnSpPr>
-          <p:cNvPr id="10" name="Straight Arrow Connector 9"/>
+          <p:cNvPr id="20" name="Straight Arrow Connector 19"/>
           <p:cNvCxnSpPr/>
           <p:nvPr/>
         </p:nvCxnSpPr>
         <p:spPr bwMode="auto">
-          <a:xfrm flipH="1">
-            <a:off x="5181600" y="3494359"/>
-            <a:ext cx="1219200" cy="239441"/>
+          <a:xfrm flipH="1" flipV="1">
+            <a:off x="5105400" y="2819400"/>
+            <a:ext cx="1295400" cy="457200"/>
           </a:xfrm>
           <a:prstGeom prst="straightConnector1">
             <a:avLst/>
@@ -8504,14 +8894,14 @@
       </p:cxnSp>
       <p:sp>
         <p:nvSpPr>
-          <p:cNvPr id="11" name="TextBox 10"/>
+          <p:cNvPr id="21" name="TextBox 20"/>
           <p:cNvSpPr txBox="1"/>
           <p:nvPr/>
         </p:nvSpPr>
         <p:spPr bwMode="auto">
           <a:xfrm>
-            <a:off x="6400800" y="3277427"/>
-            <a:ext cx="2743200" cy="646331"/>
+            <a:off x="6400800" y="2819400"/>
+            <a:ext cx="2763385" cy="646331"/>
           </a:xfrm>
           <a:prstGeom prst="rect">
             <a:avLst/>
@@ -8525,7 +8915,7 @@
           </a:ln>
         </p:spPr>
         <p:txBody>
-          <a:bodyPr wrap="square" rtlCol="0">
+          <a:bodyPr wrap="none" rtlCol="0">
             <a:spAutoFit/>
           </a:bodyPr>
           <a:lstStyle/>
@@ -8534,21 +8924,32 @@
               <a:rPr lang="en-US" dirty="0" smtClean="0">
                 <a:latin typeface="+mj-lt"/>
               </a:rPr>
-              <a:t>Add a new Binding to Knockout</a:t>
-            </a:r>
+              <a:t>We bind to a Selected Item</a:t>
+            </a:r>
+          </a:p>
+          <a:p>
+            <a:r>
+              <a:rPr lang="en-US" sz="1800" dirty="0" smtClean="0">
+                <a:latin typeface="+mj-lt"/>
+              </a:rPr>
+              <a:t>property for usage later</a:t>
+            </a:r>
+            <a:endParaRPr lang="en-US" sz="1800" dirty="0">
+              <a:latin typeface="+mj-lt"/>
+            </a:endParaRPr>
           </a:p>
         </p:txBody>
       </p:sp>
       <p:cxnSp>
         <p:nvCxnSpPr>
-          <p:cNvPr id="12" name="Straight Arrow Connector 11"/>
+          <p:cNvPr id="22" name="Straight Arrow Connector 21"/>
           <p:cNvCxnSpPr/>
           <p:nvPr/>
         </p:nvCxnSpPr>
         <p:spPr bwMode="auto">
           <a:xfrm flipH="1" flipV="1">
-            <a:off x="5181600" y="4991642"/>
-            <a:ext cx="1219200" cy="141559"/>
+            <a:off x="5105400" y="3657600"/>
+            <a:ext cx="1295400" cy="725269"/>
           </a:xfrm>
           <a:prstGeom prst="straightConnector1">
             <a:avLst/>
@@ -8578,14 +8979,14 @@
       </p:cxnSp>
       <p:sp>
         <p:nvSpPr>
-          <p:cNvPr id="13" name="TextBox 12"/>
+          <p:cNvPr id="23" name="TextBox 22"/>
           <p:cNvSpPr txBox="1"/>
           <p:nvPr/>
         </p:nvSpPr>
         <p:spPr bwMode="auto">
           <a:xfrm>
-            <a:off x="6400800" y="4916269"/>
-            <a:ext cx="2743200" cy="646331"/>
+            <a:off x="6400800" y="3925669"/>
+            <a:ext cx="2803653" cy="923330"/>
           </a:xfrm>
           <a:prstGeom prst="rect">
             <a:avLst/>
@@ -8599,7 +9000,7 @@
           </a:ln>
         </p:spPr>
         <p:txBody>
-          <a:bodyPr wrap="square" rtlCol="0">
+          <a:bodyPr wrap="none" rtlCol="0">
             <a:spAutoFit/>
           </a:bodyPr>
           <a:lstStyle/>
@@ -8608,69 +9009,45 @@
               <a:rPr lang="en-US" dirty="0" smtClean="0">
                 <a:latin typeface="+mj-lt"/>
               </a:rPr>
-              <a:t>Change our underlying style via some logic</a:t>
-            </a:r>
+              <a:t>We setup our </a:t>
+            </a:r>
+            <a:r>
+              <a:rPr lang="en-US" dirty="0" err="1" smtClean="0">
+                <a:latin typeface="+mj-lt"/>
+              </a:rPr>
+              <a:t>datatemplate</a:t>
+            </a:r>
+            <a:endParaRPr lang="en-US" dirty="0" smtClean="0">
+              <a:latin typeface="+mj-lt"/>
+            </a:endParaRPr>
+          </a:p>
+          <a:p>
+            <a:r>
+              <a:rPr lang="en-US" dirty="0">
+                <a:latin typeface="+mj-lt"/>
+              </a:rPr>
+              <a:t>t</a:t>
+            </a:r>
+            <a:r>
+              <a:rPr lang="en-US" sz="1800" dirty="0" smtClean="0">
+                <a:latin typeface="+mj-lt"/>
+              </a:rPr>
+              <a:t>o display the correct </a:t>
+            </a:r>
+          </a:p>
+          <a:p>
+            <a:r>
+              <a:rPr lang="en-US" dirty="0" smtClean="0">
+                <a:latin typeface="+mj-lt"/>
+              </a:rPr>
+              <a:t>property on the object</a:t>
+            </a:r>
+            <a:endParaRPr lang="en-US" sz="1800" dirty="0" smtClean="0">
+              <a:latin typeface="+mj-lt"/>
+            </a:endParaRPr>
           </a:p>
         </p:txBody>
       </p:sp>
-      <p:pic>
-        <p:nvPicPr>
-          <p:cNvPr id="16" name="Picture 15"/>
-          <p:cNvPicPr>
-            <a:picLocks noChangeAspect="1"/>
-          </p:cNvPicPr>
-          <p:nvPr/>
-        </p:nvPicPr>
-        <p:blipFill>
-          <a:blip r:embed="rId5"/>
-          <a:stretch>
-            <a:fillRect/>
-          </a:stretch>
-        </p:blipFill>
-        <p:spPr>
-          <a:xfrm>
-            <a:off x="838200" y="5839709"/>
-            <a:ext cx="4857750" cy="495300"/>
-          </a:xfrm>
-          <a:prstGeom prst="rect">
-            <a:avLst/>
-          </a:prstGeom>
-        </p:spPr>
-      </p:pic>
-      <p:cxnSp>
-        <p:nvCxnSpPr>
-          <p:cNvPr id="18" name="Straight Connector 17"/>
-          <p:cNvCxnSpPr/>
-          <p:nvPr/>
-        </p:nvCxnSpPr>
-        <p:spPr bwMode="auto">
-          <a:xfrm>
-            <a:off x="1828800" y="6172200"/>
-            <a:ext cx="3733800" cy="0"/>
-          </a:xfrm>
-          <a:prstGeom prst="line">
-            <a:avLst/>
-          </a:prstGeom>
-          <a:ln>
-            <a:headEnd type="none" w="med" len="med"/>
-            <a:tailEnd type="none" w="med" len="med"/>
-          </a:ln>
-        </p:spPr>
-        <p:style>
-          <a:lnRef idx="2">
-            <a:schemeClr val="accent1"/>
-          </a:lnRef>
-          <a:fillRef idx="0">
-            <a:schemeClr val="accent1"/>
-          </a:fillRef>
-          <a:effectRef idx="1">
-            <a:schemeClr val="accent1"/>
-          </a:effectRef>
-          <a:fontRef idx="minor">
-            <a:schemeClr val="tx1"/>
-          </a:fontRef>
-        </p:style>
-      </p:cxnSp>
     </p:spTree>
     <p:extLst>
       <p:ext uri="{BB962C8B-B14F-4D97-AF65-F5344CB8AC3E}">
@@ -8696,6 +9073,9 @@
                     <p:cTn id="3" fill="hold">
                       <p:stCondLst>
                         <p:cond delay="indefinite"/>
+                        <p:cond evt="onBegin" delay="0">
+                          <p:tn val="2"/>
+                        </p:cond>
                       </p:stCondLst>
                       <p:childTnLst>
                         <p:par>
@@ -8705,904 +9085,7 @@
                             </p:stCondLst>
                             <p:childTnLst>
                               <p:par>
-                                <p:cTn id="5" presetID="1" presetClass="entr" presetSubtype="0" fill="hold" grpId="0" nodeType="clickEffect">
-                                  <p:stCondLst>
-                                    <p:cond delay="0"/>
-                                  </p:stCondLst>
-                                  <p:childTnLst>
-                                    <p:set>
-                                      <p:cBhvr>
-                                        <p:cTn id="6" dur="1" fill="hold">
-                                          <p:stCondLst>
-                                            <p:cond delay="0"/>
-                                          </p:stCondLst>
-                                        </p:cTn>
-                                        <p:tgtEl>
-                                          <p:spTgt spid="3">
-                                            <p:txEl>
-                                              <p:pRg st="0" end="0"/>
-                                            </p:txEl>
-                                          </p:spTgt>
-                                        </p:tgtEl>
-                                        <p:attrNameLst>
-                                          <p:attrName>style.visibility</p:attrName>
-                                        </p:attrNameLst>
-                                      </p:cBhvr>
-                                      <p:to>
-                                        <p:strVal val="visible"/>
-                                      </p:to>
-                                    </p:set>
-                                  </p:childTnLst>
-                                </p:cTn>
-                              </p:par>
-                              <p:par>
-                                <p:cTn id="7" presetID="1" presetClass="entr" presetSubtype="0" fill="hold" nodeType="withEffect">
-                                  <p:stCondLst>
-                                    <p:cond delay="0"/>
-                                  </p:stCondLst>
-                                  <p:childTnLst>
-                                    <p:set>
-                                      <p:cBhvr>
-                                        <p:cTn id="8" dur="1" fill="hold">
-                                          <p:stCondLst>
-                                            <p:cond delay="0"/>
-                                          </p:stCondLst>
-                                        </p:cTn>
-                                        <p:tgtEl>
-                                          <p:spTgt spid="4"/>
-                                        </p:tgtEl>
-                                        <p:attrNameLst>
-                                          <p:attrName>style.visibility</p:attrName>
-                                        </p:attrNameLst>
-                                      </p:cBhvr>
-                                      <p:to>
-                                        <p:strVal val="visible"/>
-                                      </p:to>
-                                    </p:set>
-                                  </p:childTnLst>
-                                </p:cTn>
-                              </p:par>
-                              <p:par>
-                                <p:cTn id="9" presetID="1" presetClass="entr" presetSubtype="0" fill="hold" nodeType="withEffect">
-                                  <p:stCondLst>
-                                    <p:cond delay="0"/>
-                                  </p:stCondLst>
-                                  <p:childTnLst>
-                                    <p:set>
-                                      <p:cBhvr>
-                                        <p:cTn id="10" dur="1" fill="hold">
-                                          <p:stCondLst>
-                                            <p:cond delay="0"/>
-                                          </p:stCondLst>
-                                        </p:cTn>
-                                        <p:tgtEl>
-                                          <p:spTgt spid="5"/>
-                                        </p:tgtEl>
-                                        <p:attrNameLst>
-                                          <p:attrName>style.visibility</p:attrName>
-                                        </p:attrNameLst>
-                                      </p:cBhvr>
-                                      <p:to>
-                                        <p:strVal val="visible"/>
-                                      </p:to>
-                                    </p:set>
-                                  </p:childTnLst>
-                                </p:cTn>
-                              </p:par>
-                              <p:par>
-                                <p:cTn id="11" presetID="1" presetClass="entr" presetSubtype="0" fill="hold" grpId="0" nodeType="withEffect">
-                                  <p:stCondLst>
-                                    <p:cond delay="0"/>
-                                  </p:stCondLst>
-                                  <p:childTnLst>
-                                    <p:set>
-                                      <p:cBhvr>
-                                        <p:cTn id="12" dur="1" fill="hold">
-                                          <p:stCondLst>
-                                            <p:cond delay="0"/>
-                                          </p:stCondLst>
-                                        </p:cTn>
-                                        <p:tgtEl>
-                                          <p:spTgt spid="6"/>
-                                        </p:tgtEl>
-                                        <p:attrNameLst>
-                                          <p:attrName>style.visibility</p:attrName>
-                                        </p:attrNameLst>
-                                      </p:cBhvr>
-                                      <p:to>
-                                        <p:strVal val="visible"/>
-                                      </p:to>
-                                    </p:set>
-                                  </p:childTnLst>
-                                </p:cTn>
-                              </p:par>
-                            </p:childTnLst>
-                          </p:cTn>
-                        </p:par>
-                      </p:childTnLst>
-                    </p:cTn>
-                  </p:par>
-                  <p:par>
-                    <p:cTn id="13" fill="hold">
-                      <p:stCondLst>
-                        <p:cond delay="indefinite"/>
-                      </p:stCondLst>
-                      <p:childTnLst>
-                        <p:par>
-                          <p:cTn id="14" fill="hold">
-                            <p:stCondLst>
-                              <p:cond delay="0"/>
-                            </p:stCondLst>
-                            <p:childTnLst>
-                              <p:par>
-                                <p:cTn id="15" presetID="1" presetClass="entr" presetSubtype="0" fill="hold" grpId="0" nodeType="clickEffect">
-                                  <p:stCondLst>
-                                    <p:cond delay="0"/>
-                                  </p:stCondLst>
-                                  <p:childTnLst>
-                                    <p:set>
-                                      <p:cBhvr>
-                                        <p:cTn id="16" dur="1" fill="hold">
-                                          <p:stCondLst>
-                                            <p:cond delay="0"/>
-                                          </p:stCondLst>
-                                        </p:cTn>
-                                        <p:tgtEl>
-                                          <p:spTgt spid="3">
-                                            <p:txEl>
-                                              <p:pRg st="5" end="5"/>
-                                            </p:txEl>
-                                          </p:spTgt>
-                                        </p:tgtEl>
-                                        <p:attrNameLst>
-                                          <p:attrName>style.visibility</p:attrName>
-                                        </p:attrNameLst>
-                                      </p:cBhvr>
-                                      <p:to>
-                                        <p:strVal val="visible"/>
-                                      </p:to>
-                                    </p:set>
-                                  </p:childTnLst>
-                                </p:cTn>
-                              </p:par>
-                              <p:par>
-                                <p:cTn id="17" presetID="1" presetClass="entr" presetSubtype="0" fill="hold" nodeType="withEffect">
-                                  <p:stCondLst>
-                                    <p:cond delay="0"/>
-                                  </p:stCondLst>
-                                  <p:childTnLst>
-                                    <p:set>
-                                      <p:cBhvr>
-                                        <p:cTn id="18" dur="1" fill="hold">
-                                          <p:stCondLst>
-                                            <p:cond delay="0"/>
-                                          </p:stCondLst>
-                                        </p:cTn>
-                                        <p:tgtEl>
-                                          <p:spTgt spid="9"/>
-                                        </p:tgtEl>
-                                        <p:attrNameLst>
-                                          <p:attrName>style.visibility</p:attrName>
-                                        </p:attrNameLst>
-                                      </p:cBhvr>
-                                      <p:to>
-                                        <p:strVal val="visible"/>
-                                      </p:to>
-                                    </p:set>
-                                  </p:childTnLst>
-                                </p:cTn>
-                              </p:par>
-                            </p:childTnLst>
-                          </p:cTn>
-                        </p:par>
-                      </p:childTnLst>
-                    </p:cTn>
-                  </p:par>
-                  <p:par>
-                    <p:cTn id="19" fill="hold">
-                      <p:stCondLst>
-                        <p:cond delay="indefinite"/>
-                      </p:stCondLst>
-                      <p:childTnLst>
-                        <p:par>
-                          <p:cTn id="20" fill="hold">
-                            <p:stCondLst>
-                              <p:cond delay="0"/>
-                            </p:stCondLst>
-                            <p:childTnLst>
-                              <p:par>
-                                <p:cTn id="21" presetID="1" presetClass="entr" presetSubtype="0" fill="hold" nodeType="clickEffect">
-                                  <p:stCondLst>
-                                    <p:cond delay="0"/>
-                                  </p:stCondLst>
-                                  <p:childTnLst>
-                                    <p:set>
-                                      <p:cBhvr>
-                                        <p:cTn id="22" dur="1" fill="hold">
-                                          <p:stCondLst>
-                                            <p:cond delay="0"/>
-                                          </p:stCondLst>
-                                        </p:cTn>
-                                        <p:tgtEl>
-                                          <p:spTgt spid="10"/>
-                                        </p:tgtEl>
-                                        <p:attrNameLst>
-                                          <p:attrName>style.visibility</p:attrName>
-                                        </p:attrNameLst>
-                                      </p:cBhvr>
-                                      <p:to>
-                                        <p:strVal val="visible"/>
-                                      </p:to>
-                                    </p:set>
-                                  </p:childTnLst>
-                                </p:cTn>
-                              </p:par>
-                              <p:par>
-                                <p:cTn id="23" presetID="1" presetClass="entr" presetSubtype="0" fill="hold" grpId="0" nodeType="withEffect">
-                                  <p:stCondLst>
-                                    <p:cond delay="0"/>
-                                  </p:stCondLst>
-                                  <p:childTnLst>
-                                    <p:set>
-                                      <p:cBhvr>
-                                        <p:cTn id="24" dur="1" fill="hold">
-                                          <p:stCondLst>
-                                            <p:cond delay="0"/>
-                                          </p:stCondLst>
-                                        </p:cTn>
-                                        <p:tgtEl>
-                                          <p:spTgt spid="11"/>
-                                        </p:tgtEl>
-                                        <p:attrNameLst>
-                                          <p:attrName>style.visibility</p:attrName>
-                                        </p:attrNameLst>
-                                      </p:cBhvr>
-                                      <p:to>
-                                        <p:strVal val="visible"/>
-                                      </p:to>
-                                    </p:set>
-                                  </p:childTnLst>
-                                </p:cTn>
-                              </p:par>
-                            </p:childTnLst>
-                          </p:cTn>
-                        </p:par>
-                      </p:childTnLst>
-                    </p:cTn>
-                  </p:par>
-                  <p:par>
-                    <p:cTn id="25" fill="hold">
-                      <p:stCondLst>
-                        <p:cond delay="indefinite"/>
-                      </p:stCondLst>
-                      <p:childTnLst>
-                        <p:par>
-                          <p:cTn id="26" fill="hold">
-                            <p:stCondLst>
-                              <p:cond delay="0"/>
-                            </p:stCondLst>
-                            <p:childTnLst>
-                              <p:par>
-                                <p:cTn id="27" presetID="1" presetClass="entr" presetSubtype="0" fill="hold" nodeType="clickEffect">
-                                  <p:stCondLst>
-                                    <p:cond delay="0"/>
-                                  </p:stCondLst>
-                                  <p:childTnLst>
-                                    <p:set>
-                                      <p:cBhvr>
-                                        <p:cTn id="28" dur="1" fill="hold">
-                                          <p:stCondLst>
-                                            <p:cond delay="0"/>
-                                          </p:stCondLst>
-                                        </p:cTn>
-                                        <p:tgtEl>
-                                          <p:spTgt spid="12"/>
-                                        </p:tgtEl>
-                                        <p:attrNameLst>
-                                          <p:attrName>style.visibility</p:attrName>
-                                        </p:attrNameLst>
-                                      </p:cBhvr>
-                                      <p:to>
-                                        <p:strVal val="visible"/>
-                                      </p:to>
-                                    </p:set>
-                                  </p:childTnLst>
-                                </p:cTn>
-                              </p:par>
-                              <p:par>
-                                <p:cTn id="29" presetID="1" presetClass="entr" presetSubtype="0" fill="hold" grpId="0" nodeType="withEffect">
-                                  <p:stCondLst>
-                                    <p:cond delay="0"/>
-                                  </p:stCondLst>
-                                  <p:childTnLst>
-                                    <p:set>
-                                      <p:cBhvr>
-                                        <p:cTn id="30" dur="1" fill="hold">
-                                          <p:stCondLst>
-                                            <p:cond delay="0"/>
-                                          </p:stCondLst>
-                                        </p:cTn>
-                                        <p:tgtEl>
-                                          <p:spTgt spid="13"/>
-                                        </p:tgtEl>
-                                        <p:attrNameLst>
-                                          <p:attrName>style.visibility</p:attrName>
-                                        </p:attrNameLst>
-                                      </p:cBhvr>
-                                      <p:to>
-                                        <p:strVal val="visible"/>
-                                      </p:to>
-                                    </p:set>
-                                  </p:childTnLst>
-                                </p:cTn>
-                              </p:par>
-                            </p:childTnLst>
-                          </p:cTn>
-                        </p:par>
-                      </p:childTnLst>
-                    </p:cTn>
-                  </p:par>
-                  <p:par>
-                    <p:cTn id="31" fill="hold">
-                      <p:stCondLst>
-                        <p:cond delay="indefinite"/>
-                      </p:stCondLst>
-                      <p:childTnLst>
-                        <p:par>
-                          <p:cTn id="32" fill="hold">
-                            <p:stCondLst>
-                              <p:cond delay="0"/>
-                            </p:stCondLst>
-                            <p:childTnLst>
-                              <p:par>
-                                <p:cTn id="33" presetID="1" presetClass="entr" presetSubtype="0" fill="hold" nodeType="clickEffect">
-                                  <p:stCondLst>
-                                    <p:cond delay="0"/>
-                                  </p:stCondLst>
-                                  <p:childTnLst>
-                                    <p:set>
-                                      <p:cBhvr>
-                                        <p:cTn id="34" dur="1" fill="hold">
-                                          <p:stCondLst>
-                                            <p:cond delay="0"/>
-                                          </p:stCondLst>
-                                        </p:cTn>
-                                        <p:tgtEl>
-                                          <p:spTgt spid="16"/>
-                                        </p:tgtEl>
-                                        <p:attrNameLst>
-                                          <p:attrName>style.visibility</p:attrName>
-                                        </p:attrNameLst>
-                                      </p:cBhvr>
-                                      <p:to>
-                                        <p:strVal val="visible"/>
-                                      </p:to>
-                                    </p:set>
-                                  </p:childTnLst>
-                                </p:cTn>
-                              </p:par>
-                              <p:par>
-                                <p:cTn id="35" presetID="1" presetClass="entr" presetSubtype="0" fill="hold" nodeType="withEffect">
-                                  <p:stCondLst>
-                                    <p:cond delay="0"/>
-                                  </p:stCondLst>
-                                  <p:childTnLst>
-                                    <p:set>
-                                      <p:cBhvr>
-                                        <p:cTn id="36" dur="1" fill="hold">
-                                          <p:stCondLst>
-                                            <p:cond delay="0"/>
-                                          </p:stCondLst>
-                                        </p:cTn>
-                                        <p:tgtEl>
-                                          <p:spTgt spid="18"/>
-                                        </p:tgtEl>
-                                        <p:attrNameLst>
-                                          <p:attrName>style.visibility</p:attrName>
-                                        </p:attrNameLst>
-                                      </p:cBhvr>
-                                      <p:to>
-                                        <p:strVal val="visible"/>
-                                      </p:to>
-                                    </p:set>
-                                  </p:childTnLst>
-                                </p:cTn>
-                              </p:par>
-                            </p:childTnLst>
-                          </p:cTn>
-                        </p:par>
-                      </p:childTnLst>
-                    </p:cTn>
-                  </p:par>
-                </p:childTnLst>
-              </p:cTn>
-              <p:prevCondLst>
-                <p:cond evt="onPrev" delay="0">
-                  <p:tgtEl>
-                    <p:sldTgt/>
-                  </p:tgtEl>
-                </p:cond>
-              </p:prevCondLst>
-              <p:nextCondLst>
-                <p:cond evt="onNext" delay="0">
-                  <p:tgtEl>
-                    <p:sldTgt/>
-                  </p:tgtEl>
-                </p:cond>
-              </p:nextCondLst>
-            </p:seq>
-          </p:childTnLst>
-        </p:cTn>
-      </p:par>
-    </p:tnLst>
-    <p:bldLst>
-      <p:bldP spid="3" grpId="0" uiExpand="1" build="p"/>
-      <p:bldP spid="6" grpId="0"/>
-      <p:bldP spid="11" grpId="0"/>
-      <p:bldP spid="13" grpId="0"/>
-    </p:bldLst>
-  </p:timing>
-</p:sld>
-</file>
-
-<file path=ppt/slides/slide16.xml><?xml version="1.0" encoding="utf-8"?>
-<p:sld xmlns:a="http://schemas.openxmlformats.org/drawingml/2006/main" xmlns:r="http://schemas.openxmlformats.org/officeDocument/2006/relationships" xmlns:p="http://schemas.openxmlformats.org/presentationml/2006/main" show="0">
-  <p:cSld>
-    <p:bg>
-      <p:bgPr>
-        <a:solidFill>
-          <a:schemeClr val="accent2"/>
-        </a:solidFill>
-        <a:effectLst/>
-      </p:bgPr>
-    </p:bg>
-    <p:spTree>
-      <p:nvGrpSpPr>
-        <p:cNvPr id="1" name=""/>
-        <p:cNvGrpSpPr/>
-        <p:nvPr/>
-      </p:nvGrpSpPr>
-      <p:grpSpPr>
-        <a:xfrm>
-          <a:off x="0" y="0"/>
-          <a:ext cx="0" cy="0"/>
-          <a:chOff x="0" y="0"/>
-          <a:chExt cx="0" cy="0"/>
-        </a:xfrm>
-      </p:grpSpPr>
-      <p:sp>
-        <p:nvSpPr>
-          <p:cNvPr id="2" name="Title 1"/>
-          <p:cNvSpPr>
-            <a:spLocks noGrp="1"/>
-          </p:cNvSpPr>
-          <p:nvPr>
-            <p:ph type="title"/>
-          </p:nvPr>
-        </p:nvSpPr>
-        <p:spPr/>
-        <p:txBody>
-          <a:bodyPr/>
-          <a:lstStyle/>
-          <a:p>
-            <a:r>
-              <a:rPr lang="en-US" dirty="0" smtClean="0"/>
-              <a:t>END OF Overview Slides		</a:t>
-            </a:r>
-            <a:endParaRPr lang="en-GB" dirty="0"/>
-          </a:p>
-        </p:txBody>
-      </p:sp>
-      <p:sp>
-        <p:nvSpPr>
-          <p:cNvPr id="3" name="Text Placeholder 2"/>
-          <p:cNvSpPr>
-            <a:spLocks noGrp="1"/>
-          </p:cNvSpPr>
-          <p:nvPr>
-            <p:ph type="body" idx="1"/>
-          </p:nvPr>
-        </p:nvSpPr>
-        <p:spPr/>
-        <p:txBody>
-          <a:bodyPr/>
-          <a:lstStyle/>
-          <a:p>
-            <a:pPr marL="0" indent="0">
-              <a:buNone/>
-            </a:pPr>
-            <a:r>
-              <a:rPr lang="en-GB" dirty="0" smtClean="0"/>
-              <a:t>	</a:t>
-            </a:r>
-            <a:endParaRPr lang="en-GB" dirty="0"/>
-          </a:p>
-        </p:txBody>
-      </p:sp>
-    </p:spTree>
-    <p:extLst>
-      <p:ext uri="{BB962C8B-B14F-4D97-AF65-F5344CB8AC3E}">
-        <p14:creationId xmlns:p14="http://schemas.microsoft.com/office/powerpoint/2010/main" val="3971676442"/>
-      </p:ext>
-    </p:extLst>
-  </p:cSld>
-  <p:clrMapOvr>
-    <a:masterClrMapping/>
-  </p:clrMapOvr>
-  <p:transition>
-    <p:fade/>
-  </p:transition>
-  <p:timing>
-    <p:tnLst>
-      <p:par>
-        <p:cTn id="1" dur="indefinite" restart="never" nodeType="tmRoot"/>
-      </p:par>
-    </p:tnLst>
-  </p:timing>
-</p:sld>
-</file>
-
-<file path=ppt/slides/slide17.xml><?xml version="1.0" encoding="utf-8"?>
-<p:sld xmlns:a="http://schemas.openxmlformats.org/drawingml/2006/main" xmlns:r="http://schemas.openxmlformats.org/officeDocument/2006/relationships" xmlns:p="http://schemas.openxmlformats.org/presentationml/2006/main">
-  <p:cSld>
-    <p:spTree>
-      <p:nvGrpSpPr>
-        <p:cNvPr id="1" name=""/>
-        <p:cNvGrpSpPr/>
-        <p:nvPr/>
-      </p:nvGrpSpPr>
-      <p:grpSpPr>
-        <a:xfrm>
-          <a:off x="0" y="0"/>
-          <a:ext cx="0" cy="0"/>
-          <a:chOff x="0" y="0"/>
-          <a:chExt cx="0" cy="0"/>
-        </a:xfrm>
-      </p:grpSpPr>
-      <p:sp>
-        <p:nvSpPr>
-          <p:cNvPr id="2" name="Title 1"/>
-          <p:cNvSpPr>
-            <a:spLocks noGrp="1"/>
-          </p:cNvSpPr>
-          <p:nvPr>
-            <p:ph type="title"/>
-          </p:nvPr>
-        </p:nvSpPr>
-        <p:spPr/>
-        <p:txBody>
-          <a:bodyPr/>
-          <a:lstStyle/>
-          <a:p>
-            <a:r>
-              <a:rPr lang="en-US" dirty="0" smtClean="0"/>
-              <a:t>Agenda		</a:t>
-            </a:r>
-            <a:endParaRPr lang="en-GB" dirty="0"/>
-          </a:p>
-        </p:txBody>
-      </p:sp>
-      <p:sp>
-        <p:nvSpPr>
-          <p:cNvPr id="3" name="Text Placeholder 2"/>
-          <p:cNvSpPr>
-            <a:spLocks noGrp="1"/>
-          </p:cNvSpPr>
-          <p:nvPr>
-            <p:ph type="body" idx="1"/>
-          </p:nvPr>
-        </p:nvSpPr>
-        <p:spPr/>
-        <p:txBody>
-          <a:bodyPr/>
-          <a:lstStyle/>
-          <a:p>
-            <a:r>
-              <a:rPr lang="en-US" dirty="0"/>
-              <a:t>Two Way, Real Time, Text Binding</a:t>
-            </a:r>
-          </a:p>
-          <a:p>
-            <a:r>
-              <a:rPr lang="en-GB" dirty="0" smtClean="0"/>
-              <a:t>Client Side Filtering</a:t>
-            </a:r>
-          </a:p>
-          <a:p>
-            <a:r>
-              <a:rPr lang="en-GB" dirty="0" smtClean="0"/>
-              <a:t>Advanced UI Styling</a:t>
-            </a:r>
-          </a:p>
-          <a:p>
-            <a:r>
-              <a:rPr lang="en-GB" dirty="0" smtClean="0">
-                <a:solidFill>
-                  <a:schemeClr val="accent6">
-                    <a:lumMod val="75000"/>
-                  </a:schemeClr>
-                </a:solidFill>
-              </a:rPr>
-              <a:t>Visibility State of UI elements</a:t>
-            </a:r>
-            <a:endParaRPr lang="en-GB" dirty="0">
-              <a:solidFill>
-                <a:schemeClr val="accent6">
-                  <a:lumMod val="75000"/>
-                </a:schemeClr>
-              </a:solidFill>
-            </a:endParaRPr>
-          </a:p>
-          <a:p>
-            <a:r>
-              <a:rPr lang="en-GB" dirty="0" smtClean="0"/>
-              <a:t>Deleting Data</a:t>
-            </a:r>
-          </a:p>
-          <a:p>
-            <a:r>
-              <a:rPr lang="en-GB" dirty="0" smtClean="0"/>
-              <a:t>Computed Totals</a:t>
-            </a:r>
-            <a:endParaRPr lang="en-GB" dirty="0"/>
-          </a:p>
-        </p:txBody>
-      </p:sp>
-    </p:spTree>
-    <p:extLst>
-      <p:ext uri="{BB962C8B-B14F-4D97-AF65-F5344CB8AC3E}">
-        <p14:creationId xmlns:p14="http://schemas.microsoft.com/office/powerpoint/2010/main" val="3044465682"/>
-      </p:ext>
-    </p:extLst>
-  </p:cSld>
-  <p:clrMapOvr>
-    <a:masterClrMapping/>
-  </p:clrMapOvr>
-  <p:transition>
-    <p:fade/>
-  </p:transition>
-  <p:timing>
-    <p:tnLst>
-      <p:par>
-        <p:cTn id="1" dur="indefinite" restart="never" nodeType="tmRoot"/>
-      </p:par>
-    </p:tnLst>
-  </p:timing>
-</p:sld>
-</file>
-
-<file path=ppt/slides/slide18.xml><?xml version="1.0" encoding="utf-8"?>
-<p:sld xmlns:a="http://schemas.openxmlformats.org/drawingml/2006/main" xmlns:r="http://schemas.openxmlformats.org/officeDocument/2006/relationships" xmlns:p="http://schemas.openxmlformats.org/presentationml/2006/main">
-  <p:cSld>
-    <p:spTree>
-      <p:nvGrpSpPr>
-        <p:cNvPr id="1" name=""/>
-        <p:cNvGrpSpPr/>
-        <p:nvPr/>
-      </p:nvGrpSpPr>
-      <p:grpSpPr>
-        <a:xfrm>
-          <a:off x="0" y="0"/>
-          <a:ext cx="0" cy="0"/>
-          <a:chOff x="0" y="0"/>
-          <a:chExt cx="0" cy="0"/>
-        </a:xfrm>
-      </p:grpSpPr>
-      <p:sp>
-        <p:nvSpPr>
-          <p:cNvPr id="2" name="Title 1"/>
-          <p:cNvSpPr>
-            <a:spLocks noGrp="1"/>
-          </p:cNvSpPr>
-          <p:nvPr>
-            <p:ph type="title"/>
-          </p:nvPr>
-        </p:nvSpPr>
-        <p:spPr/>
-        <p:txBody>
-          <a:bodyPr/>
-          <a:lstStyle/>
-          <a:p>
-            <a:r>
-              <a:rPr lang="en-US" dirty="0" smtClean="0"/>
-              <a:t>Visibility State of </a:t>
-            </a:r>
-            <a:r>
-              <a:rPr lang="en-US" smtClean="0"/>
-              <a:t>UI Elements</a:t>
-            </a:r>
-            <a:endParaRPr lang="en-US" dirty="0"/>
-          </a:p>
-        </p:txBody>
-      </p:sp>
-      <p:sp>
-        <p:nvSpPr>
-          <p:cNvPr id="3" name="Text Placeholder 2"/>
-          <p:cNvSpPr>
-            <a:spLocks noGrp="1"/>
-          </p:cNvSpPr>
-          <p:nvPr>
-            <p:ph type="body" idx="1"/>
-          </p:nvPr>
-        </p:nvSpPr>
-        <p:spPr/>
-        <p:txBody>
-          <a:bodyPr/>
-          <a:lstStyle/>
-          <a:p>
-            <a:pPr marL="0" indent="0">
-              <a:buNone/>
-            </a:pPr>
-            <a:r>
-              <a:rPr lang="en-US" dirty="0" smtClean="0"/>
-              <a:t>Boolean to Visibility Converter</a:t>
-            </a:r>
-          </a:p>
-          <a:p>
-            <a:pPr marL="0" indent="0">
-              <a:buNone/>
-            </a:pPr>
-            <a:endParaRPr lang="en-US" dirty="0"/>
-          </a:p>
-          <a:p>
-            <a:pPr marL="0" indent="0">
-              <a:buNone/>
-            </a:pPr>
-            <a:endParaRPr lang="en-US" dirty="0" smtClean="0"/>
-          </a:p>
-          <a:p>
-            <a:pPr marL="0" indent="0">
-              <a:buNone/>
-            </a:pPr>
-            <a:endParaRPr lang="en-US" dirty="0"/>
-          </a:p>
-          <a:p>
-            <a:pPr marL="0" indent="0">
-              <a:buNone/>
-            </a:pPr>
-            <a:endParaRPr lang="en-US" dirty="0" smtClean="0"/>
-          </a:p>
-          <a:p>
-            <a:pPr marL="0" indent="0">
-              <a:buNone/>
-            </a:pPr>
-            <a:endParaRPr lang="en-US" dirty="0"/>
-          </a:p>
-        </p:txBody>
-      </p:sp>
-      <p:pic>
-        <p:nvPicPr>
-          <p:cNvPr id="7" name="Picture 6"/>
-          <p:cNvPicPr>
-            <a:picLocks noChangeAspect="1"/>
-          </p:cNvPicPr>
-          <p:nvPr/>
-        </p:nvPicPr>
-        <p:blipFill>
-          <a:blip r:embed="rId3"/>
-          <a:stretch>
-            <a:fillRect/>
-          </a:stretch>
-        </p:blipFill>
-        <p:spPr>
-          <a:xfrm>
-            <a:off x="838200" y="1998639"/>
-            <a:ext cx="6838950" cy="4210050"/>
-          </a:xfrm>
-          <a:prstGeom prst="rect">
-            <a:avLst/>
-          </a:prstGeom>
-        </p:spPr>
-      </p:pic>
-      <p:cxnSp>
-        <p:nvCxnSpPr>
-          <p:cNvPr id="5" name="Straight Arrow Connector 4"/>
-          <p:cNvCxnSpPr/>
-          <p:nvPr/>
-        </p:nvCxnSpPr>
-        <p:spPr bwMode="auto">
-          <a:xfrm flipH="1">
-            <a:off x="5181600" y="1894159"/>
-            <a:ext cx="1219200" cy="239441"/>
-          </a:xfrm>
-          <a:prstGeom prst="straightConnector1">
-            <a:avLst/>
-          </a:prstGeom>
-          <a:ln w="63500">
-            <a:solidFill>
-              <a:schemeClr val="tx1"/>
-            </a:solidFill>
-            <a:headEnd type="none" w="med" len="med"/>
-            <a:tailEnd type="triangle"/>
-          </a:ln>
-        </p:spPr>
-        <p:style>
-          <a:lnRef idx="1">
-            <a:schemeClr val="accent2"/>
-          </a:lnRef>
-          <a:fillRef idx="0">
-            <a:schemeClr val="accent2"/>
-          </a:fillRef>
-          <a:effectRef idx="0">
-            <a:schemeClr val="accent2"/>
-          </a:effectRef>
-          <a:fontRef idx="minor">
-            <a:schemeClr val="tx1"/>
-          </a:fontRef>
-        </p:style>
-      </p:cxnSp>
-      <p:sp>
-        <p:nvSpPr>
-          <p:cNvPr id="6" name="TextBox 5"/>
-          <p:cNvSpPr txBox="1"/>
-          <p:nvPr/>
-        </p:nvSpPr>
-        <p:spPr bwMode="auto">
-          <a:xfrm>
-            <a:off x="6400800" y="1677227"/>
-            <a:ext cx="2743200" cy="646331"/>
-          </a:xfrm>
-          <a:prstGeom prst="rect">
-            <a:avLst/>
-          </a:prstGeom>
-          <a:noFill/>
-          <a:ln w="9525">
-            <a:noFill/>
-            <a:miter lim="800000"/>
-            <a:headEnd/>
-            <a:tailEnd/>
-          </a:ln>
-        </p:spPr>
-        <p:txBody>
-          <a:bodyPr wrap="square" rtlCol="0">
-            <a:spAutoFit/>
-          </a:bodyPr>
-          <a:lstStyle/>
-          <a:p>
-            <a:r>
-              <a:rPr lang="en-US" dirty="0" smtClean="0">
-                <a:latin typeface="+mj-lt"/>
-              </a:rPr>
-              <a:t>Typical Boolean to visibility converter</a:t>
-            </a:r>
-          </a:p>
-        </p:txBody>
-      </p:sp>
-    </p:spTree>
-    <p:extLst>
-      <p:ext uri="{BB962C8B-B14F-4D97-AF65-F5344CB8AC3E}">
-        <p14:creationId xmlns:p14="http://schemas.microsoft.com/office/powerpoint/2010/main" val="3312552709"/>
-      </p:ext>
-    </p:extLst>
-  </p:cSld>
-  <p:clrMapOvr>
-    <a:masterClrMapping/>
-  </p:clrMapOvr>
-  <p:transition>
-    <p:fade/>
-  </p:transition>
-  <p:timing>
-    <p:tnLst>
-      <p:par>
-        <p:cTn id="1" dur="indefinite" restart="never" nodeType="tmRoot">
-          <p:childTnLst>
-            <p:seq concurrent="1" nextAc="seek">
-              <p:cTn id="2" dur="indefinite" nodeType="mainSeq">
-                <p:childTnLst>
-                  <p:par>
-                    <p:cTn id="3" fill="hold">
-                      <p:stCondLst>
-                        <p:cond delay="indefinite"/>
-                      </p:stCondLst>
-                      <p:childTnLst>
-                        <p:par>
-                          <p:cTn id="4" fill="hold">
-                            <p:stCondLst>
-                              <p:cond delay="0"/>
-                            </p:stCondLst>
-                            <p:childTnLst>
-                              <p:par>
-                                <p:cTn id="5" presetID="1" presetClass="entr" presetSubtype="0" fill="hold" grpId="0" nodeType="clickEffect">
+                                <p:cTn id="5" presetID="1" presetClass="entr" presetSubtype="0" fill="hold" grpId="0" nodeType="withEffect">
                                   <p:stCondLst>
                                     <p:cond delay="0"/>
                                   </p:stCondLst>
@@ -9691,7 +9174,7 @@
                                           </p:stCondLst>
                                         </p:cTn>
                                         <p:tgtEl>
-                                          <p:spTgt spid="5"/>
+                                          <p:spTgt spid="17"/>
                                         </p:tgtEl>
                                         <p:attrNameLst>
                                           <p:attrName>style.visibility</p:attrName>
@@ -9718,7 +9201,851 @@
                                           </p:stCondLst>
                                         </p:cTn>
                                         <p:tgtEl>
+                                          <p:spTgt spid="19"/>
+                                        </p:tgtEl>
+                                        <p:attrNameLst>
+                                          <p:attrName>style.visibility</p:attrName>
+                                        </p:attrNameLst>
+                                      </p:cBhvr>
+                                      <p:to>
+                                        <p:strVal val="visible"/>
+                                      </p:to>
+                                    </p:set>
+                                  </p:childTnLst>
+                                </p:cTn>
+                              </p:par>
+                            </p:childTnLst>
+                          </p:cTn>
+                        </p:par>
+                      </p:childTnLst>
+                    </p:cTn>
+                  </p:par>
+                  <p:par>
+                    <p:cTn id="15" fill="hold">
+                      <p:stCondLst>
+                        <p:cond delay="indefinite"/>
+                      </p:stCondLst>
+                      <p:childTnLst>
+                        <p:par>
+                          <p:cTn id="16" fill="hold">
+                            <p:stCondLst>
+                              <p:cond delay="0"/>
+                            </p:stCondLst>
+                            <p:childTnLst>
+                              <p:par>
+                                <p:cTn id="17" presetID="1" presetClass="entr" presetSubtype="0" fill="hold" nodeType="clickEffect">
+                                  <p:stCondLst>
+                                    <p:cond delay="0"/>
+                                  </p:stCondLst>
+                                  <p:childTnLst>
+                                    <p:set>
+                                      <p:cBhvr>
+                                        <p:cTn id="18" dur="1" fill="hold">
+                                          <p:stCondLst>
+                                            <p:cond delay="0"/>
+                                          </p:stCondLst>
+                                        </p:cTn>
+                                        <p:tgtEl>
+                                          <p:spTgt spid="20"/>
+                                        </p:tgtEl>
+                                        <p:attrNameLst>
+                                          <p:attrName>style.visibility</p:attrName>
+                                        </p:attrNameLst>
+                                      </p:cBhvr>
+                                      <p:to>
+                                        <p:strVal val="visible"/>
+                                      </p:to>
+                                    </p:set>
+                                  </p:childTnLst>
+                                </p:cTn>
+                              </p:par>
+                              <p:par>
+                                <p:cTn id="19" presetID="1" presetClass="entr" presetSubtype="0" fill="hold" grpId="0" nodeType="withEffect">
+                                  <p:stCondLst>
+                                    <p:cond delay="0"/>
+                                  </p:stCondLst>
+                                  <p:childTnLst>
+                                    <p:set>
+                                      <p:cBhvr>
+                                        <p:cTn id="20" dur="1" fill="hold">
+                                          <p:stCondLst>
+                                            <p:cond delay="0"/>
+                                          </p:stCondLst>
+                                        </p:cTn>
+                                        <p:tgtEl>
+                                          <p:spTgt spid="21"/>
+                                        </p:tgtEl>
+                                        <p:attrNameLst>
+                                          <p:attrName>style.visibility</p:attrName>
+                                        </p:attrNameLst>
+                                      </p:cBhvr>
+                                      <p:to>
+                                        <p:strVal val="visible"/>
+                                      </p:to>
+                                    </p:set>
+                                  </p:childTnLst>
+                                </p:cTn>
+                              </p:par>
+                            </p:childTnLst>
+                          </p:cTn>
+                        </p:par>
+                      </p:childTnLst>
+                    </p:cTn>
+                  </p:par>
+                  <p:par>
+                    <p:cTn id="21" fill="hold">
+                      <p:stCondLst>
+                        <p:cond delay="indefinite"/>
+                      </p:stCondLst>
+                      <p:childTnLst>
+                        <p:par>
+                          <p:cTn id="22" fill="hold">
+                            <p:stCondLst>
+                              <p:cond delay="0"/>
+                            </p:stCondLst>
+                            <p:childTnLst>
+                              <p:par>
+                                <p:cTn id="23" presetID="1" presetClass="entr" presetSubtype="0" fill="hold" nodeType="clickEffect">
+                                  <p:stCondLst>
+                                    <p:cond delay="0"/>
+                                  </p:stCondLst>
+                                  <p:childTnLst>
+                                    <p:set>
+                                      <p:cBhvr>
+                                        <p:cTn id="24" dur="1" fill="hold">
+                                          <p:stCondLst>
+                                            <p:cond delay="0"/>
+                                          </p:stCondLst>
+                                        </p:cTn>
+                                        <p:tgtEl>
+                                          <p:spTgt spid="22"/>
+                                        </p:tgtEl>
+                                        <p:attrNameLst>
+                                          <p:attrName>style.visibility</p:attrName>
+                                        </p:attrNameLst>
+                                      </p:cBhvr>
+                                      <p:to>
+                                        <p:strVal val="visible"/>
+                                      </p:to>
+                                    </p:set>
+                                  </p:childTnLst>
+                                </p:cTn>
+                              </p:par>
+                              <p:par>
+                                <p:cTn id="25" presetID="1" presetClass="entr" presetSubtype="0" fill="hold" grpId="0" nodeType="withEffect">
+                                  <p:stCondLst>
+                                    <p:cond delay="0"/>
+                                  </p:stCondLst>
+                                  <p:childTnLst>
+                                    <p:set>
+                                      <p:cBhvr>
+                                        <p:cTn id="26" dur="1" fill="hold">
+                                          <p:stCondLst>
+                                            <p:cond delay="0"/>
+                                          </p:stCondLst>
+                                        </p:cTn>
+                                        <p:tgtEl>
+                                          <p:spTgt spid="23"/>
+                                        </p:tgtEl>
+                                        <p:attrNameLst>
+                                          <p:attrName>style.visibility</p:attrName>
+                                        </p:attrNameLst>
+                                      </p:cBhvr>
+                                      <p:to>
+                                        <p:strVal val="visible"/>
+                                      </p:to>
+                                    </p:set>
+                                  </p:childTnLst>
+                                </p:cTn>
+                              </p:par>
+                            </p:childTnLst>
+                          </p:cTn>
+                        </p:par>
+                      </p:childTnLst>
+                    </p:cTn>
+                  </p:par>
+                </p:childTnLst>
+              </p:cTn>
+              <p:prevCondLst>
+                <p:cond evt="onPrev" delay="0">
+                  <p:tgtEl>
+                    <p:sldTgt/>
+                  </p:tgtEl>
+                </p:cond>
+              </p:prevCondLst>
+              <p:nextCondLst>
+                <p:cond evt="onNext" delay="0">
+                  <p:tgtEl>
+                    <p:sldTgt/>
+                  </p:tgtEl>
+                </p:cond>
+              </p:nextCondLst>
+            </p:seq>
+          </p:childTnLst>
+        </p:cTn>
+      </p:par>
+    </p:tnLst>
+    <p:bldLst>
+      <p:bldP spid="3" grpId="0" uiExpand="1" build="p"/>
+      <p:bldP spid="19" grpId="0"/>
+      <p:bldP spid="21" grpId="0"/>
+      <p:bldP spid="23" grpId="0"/>
+    </p:bldLst>
+  </p:timing>
+</p:sld>
+</file>
+
+<file path=ppt/slides/slide16.xml><?xml version="1.0" encoding="utf-8"?>
+<p:sld xmlns:a="http://schemas.openxmlformats.org/drawingml/2006/main" xmlns:r="http://schemas.openxmlformats.org/officeDocument/2006/relationships" xmlns:p="http://schemas.openxmlformats.org/presentationml/2006/main">
+  <p:cSld>
+    <p:spTree>
+      <p:nvGrpSpPr>
+        <p:cNvPr id="1" name=""/>
+        <p:cNvGrpSpPr/>
+        <p:nvPr/>
+      </p:nvGrpSpPr>
+      <p:grpSpPr>
+        <a:xfrm>
+          <a:off x="0" y="0"/>
+          <a:ext cx="0" cy="0"/>
+          <a:chOff x="0" y="0"/>
+          <a:chExt cx="0" cy="0"/>
+        </a:xfrm>
+      </p:grpSpPr>
+      <p:pic>
+        <p:nvPicPr>
+          <p:cNvPr id="6" name="Picture 5"/>
+          <p:cNvPicPr>
+            <a:picLocks noChangeAspect="1"/>
+          </p:cNvPicPr>
+          <p:nvPr/>
+        </p:nvPicPr>
+        <p:blipFill>
+          <a:blip r:embed="rId3"/>
+          <a:stretch>
+            <a:fillRect/>
+          </a:stretch>
+        </p:blipFill>
+        <p:spPr>
+          <a:xfrm>
+            <a:off x="838200" y="1990626"/>
+            <a:ext cx="4419600" cy="1266825"/>
+          </a:xfrm>
+          <a:prstGeom prst="rect">
+            <a:avLst/>
+          </a:prstGeom>
+        </p:spPr>
+      </p:pic>
+      <p:sp>
+        <p:nvSpPr>
+          <p:cNvPr id="2" name="Title 1"/>
+          <p:cNvSpPr>
+            <a:spLocks noGrp="1"/>
+          </p:cNvSpPr>
+          <p:nvPr>
+            <p:ph type="title"/>
+          </p:nvPr>
+        </p:nvSpPr>
+        <p:spPr/>
+        <p:txBody>
+          <a:bodyPr/>
+          <a:lstStyle/>
+          <a:p>
+            <a:r>
+              <a:rPr lang="en-US" dirty="0" smtClean="0"/>
+              <a:t>Working with Selection Options</a:t>
+            </a:r>
+            <a:endParaRPr lang="en-US" dirty="0"/>
+          </a:p>
+        </p:txBody>
+      </p:sp>
+      <p:sp>
+        <p:nvSpPr>
+          <p:cNvPr id="3" name="Text Placeholder 2"/>
+          <p:cNvSpPr>
+            <a:spLocks noGrp="1"/>
+          </p:cNvSpPr>
+          <p:nvPr>
+            <p:ph type="body" idx="1"/>
+          </p:nvPr>
+        </p:nvSpPr>
+        <p:spPr/>
+        <p:txBody>
+          <a:bodyPr/>
+          <a:lstStyle/>
+          <a:p>
+            <a:pPr marL="0" indent="0">
+              <a:buNone/>
+            </a:pPr>
+            <a:r>
+              <a:rPr lang="en-US" dirty="0" smtClean="0"/>
+              <a:t>Defining our Selection box in HTML</a:t>
+            </a:r>
+            <a:endParaRPr lang="en-US" dirty="0"/>
+          </a:p>
+        </p:txBody>
+      </p:sp>
+      <p:cxnSp>
+        <p:nvCxnSpPr>
+          <p:cNvPr id="17" name="Straight Arrow Connector 16"/>
+          <p:cNvCxnSpPr/>
+          <p:nvPr/>
+        </p:nvCxnSpPr>
+        <p:spPr bwMode="auto">
+          <a:xfrm flipH="1">
+            <a:off x="4716811" y="2057400"/>
+            <a:ext cx="1683989" cy="231696"/>
+          </a:xfrm>
+          <a:prstGeom prst="straightConnector1">
+            <a:avLst/>
+          </a:prstGeom>
+          <a:ln w="63500">
+            <a:solidFill>
+              <a:schemeClr val="tx1"/>
+            </a:solidFill>
+            <a:headEnd type="none" w="med" len="med"/>
+            <a:tailEnd type="triangle"/>
+          </a:ln>
+        </p:spPr>
+        <p:style>
+          <a:lnRef idx="1">
+            <a:schemeClr val="accent2"/>
+          </a:lnRef>
+          <a:fillRef idx="0">
+            <a:schemeClr val="accent2"/>
+          </a:fillRef>
+          <a:effectRef idx="0">
+            <a:schemeClr val="accent2"/>
+          </a:effectRef>
+          <a:fontRef idx="minor">
+            <a:schemeClr val="tx1"/>
+          </a:fontRef>
+        </p:style>
+      </p:cxnSp>
+      <p:sp>
+        <p:nvSpPr>
+          <p:cNvPr id="19" name="TextBox 18"/>
+          <p:cNvSpPr txBox="1"/>
+          <p:nvPr/>
+        </p:nvSpPr>
+        <p:spPr bwMode="auto">
+          <a:xfrm>
+            <a:off x="6400800" y="1600200"/>
+            <a:ext cx="2712474" cy="646331"/>
+          </a:xfrm>
+          <a:prstGeom prst="rect">
+            <a:avLst/>
+          </a:prstGeom>
+          <a:noFill/>
+          <a:ln w="9525">
+            <a:noFill/>
+            <a:miter lim="800000"/>
+            <a:headEnd/>
+            <a:tailEnd/>
+          </a:ln>
+        </p:spPr>
+        <p:txBody>
+          <a:bodyPr wrap="none" rtlCol="0">
+            <a:spAutoFit/>
+          </a:bodyPr>
+          <a:lstStyle/>
+          <a:p>
+            <a:r>
+              <a:rPr lang="en-US" dirty="0" smtClean="0">
+                <a:latin typeface="+mj-lt"/>
+              </a:rPr>
+              <a:t>We bind to our underlying</a:t>
+            </a:r>
+          </a:p>
+          <a:p>
+            <a:r>
+              <a:rPr lang="en-US" sz="1800" dirty="0" smtClean="0">
+                <a:latin typeface="+mj-lt"/>
+              </a:rPr>
+              <a:t>Collection for display</a:t>
+            </a:r>
+            <a:endParaRPr lang="en-US" sz="1800" dirty="0">
+              <a:latin typeface="+mj-lt"/>
+            </a:endParaRPr>
+          </a:p>
+        </p:txBody>
+      </p:sp>
+      <p:cxnSp>
+        <p:nvCxnSpPr>
+          <p:cNvPr id="20" name="Straight Arrow Connector 19"/>
+          <p:cNvCxnSpPr/>
+          <p:nvPr/>
+        </p:nvCxnSpPr>
+        <p:spPr bwMode="auto">
+          <a:xfrm flipH="1" flipV="1">
+            <a:off x="4114800" y="2590800"/>
+            <a:ext cx="2286000" cy="533400"/>
+          </a:xfrm>
+          <a:prstGeom prst="straightConnector1">
+            <a:avLst/>
+          </a:prstGeom>
+          <a:ln w="63500">
+            <a:solidFill>
+              <a:schemeClr val="tx1"/>
+            </a:solidFill>
+            <a:headEnd type="none" w="med" len="med"/>
+            <a:tailEnd type="triangle"/>
+          </a:ln>
+        </p:spPr>
+        <p:style>
+          <a:lnRef idx="1">
+            <a:schemeClr val="accent2"/>
+          </a:lnRef>
+          <a:fillRef idx="0">
+            <a:schemeClr val="accent2"/>
+          </a:fillRef>
+          <a:effectRef idx="0">
+            <a:schemeClr val="accent2"/>
+          </a:effectRef>
+          <a:fontRef idx="minor">
+            <a:schemeClr val="tx1"/>
+          </a:fontRef>
+        </p:style>
+      </p:cxnSp>
+      <p:sp>
+        <p:nvSpPr>
+          <p:cNvPr id="21" name="TextBox 20"/>
+          <p:cNvSpPr txBox="1"/>
+          <p:nvPr/>
+        </p:nvSpPr>
+        <p:spPr bwMode="auto">
+          <a:xfrm>
+            <a:off x="6400800" y="2782669"/>
+            <a:ext cx="2763385" cy="646331"/>
+          </a:xfrm>
+          <a:prstGeom prst="rect">
+            <a:avLst/>
+          </a:prstGeom>
+          <a:noFill/>
+          <a:ln w="9525">
+            <a:noFill/>
+            <a:miter lim="800000"/>
+            <a:headEnd/>
+            <a:tailEnd/>
+          </a:ln>
+        </p:spPr>
+        <p:txBody>
+          <a:bodyPr wrap="none" rtlCol="0">
+            <a:spAutoFit/>
+          </a:bodyPr>
+          <a:lstStyle/>
+          <a:p>
+            <a:r>
+              <a:rPr lang="en-US" dirty="0" smtClean="0">
+                <a:latin typeface="+mj-lt"/>
+              </a:rPr>
+              <a:t>We bind to a Selected Item</a:t>
+            </a:r>
+          </a:p>
+          <a:p>
+            <a:r>
+              <a:rPr lang="en-US" sz="1800" dirty="0" smtClean="0">
+                <a:latin typeface="+mj-lt"/>
+              </a:rPr>
+              <a:t>property for usage later</a:t>
+            </a:r>
+            <a:endParaRPr lang="en-US" sz="1800" dirty="0">
+              <a:latin typeface="+mj-lt"/>
+            </a:endParaRPr>
+          </a:p>
+        </p:txBody>
+      </p:sp>
+      <p:cxnSp>
+        <p:nvCxnSpPr>
+          <p:cNvPr id="22" name="Straight Arrow Connector 21"/>
+          <p:cNvCxnSpPr/>
+          <p:nvPr/>
+        </p:nvCxnSpPr>
+        <p:spPr bwMode="auto">
+          <a:xfrm flipH="1" flipV="1">
+            <a:off x="3581400" y="2932331"/>
+            <a:ext cx="2819400" cy="1450539"/>
+          </a:xfrm>
+          <a:prstGeom prst="straightConnector1">
+            <a:avLst/>
+          </a:prstGeom>
+          <a:ln w="63500">
+            <a:solidFill>
+              <a:schemeClr val="tx1"/>
+            </a:solidFill>
+            <a:headEnd type="none" w="med" len="med"/>
+            <a:tailEnd type="triangle"/>
+          </a:ln>
+        </p:spPr>
+        <p:style>
+          <a:lnRef idx="1">
+            <a:schemeClr val="accent2"/>
+          </a:lnRef>
+          <a:fillRef idx="0">
+            <a:schemeClr val="accent2"/>
+          </a:fillRef>
+          <a:effectRef idx="0">
+            <a:schemeClr val="accent2"/>
+          </a:effectRef>
+          <a:fontRef idx="minor">
+            <a:schemeClr val="tx1"/>
+          </a:fontRef>
+        </p:style>
+      </p:cxnSp>
+      <p:sp>
+        <p:nvSpPr>
+          <p:cNvPr id="23" name="TextBox 22"/>
+          <p:cNvSpPr txBox="1"/>
+          <p:nvPr/>
+        </p:nvSpPr>
+        <p:spPr bwMode="auto">
+          <a:xfrm>
+            <a:off x="6400800" y="3925669"/>
+            <a:ext cx="2447273" cy="923330"/>
+          </a:xfrm>
+          <a:prstGeom prst="rect">
+            <a:avLst/>
+          </a:prstGeom>
+          <a:noFill/>
+          <a:ln w="9525">
+            <a:noFill/>
+            <a:miter lim="800000"/>
+            <a:headEnd/>
+            <a:tailEnd/>
+          </a:ln>
+        </p:spPr>
+        <p:txBody>
+          <a:bodyPr wrap="none" rtlCol="0">
+            <a:spAutoFit/>
+          </a:bodyPr>
+          <a:lstStyle/>
+          <a:p>
+            <a:r>
+              <a:rPr lang="en-US" dirty="0" smtClean="0">
+                <a:latin typeface="+mj-lt"/>
+              </a:rPr>
+              <a:t>We setup to bind to the</a:t>
+            </a:r>
+          </a:p>
+          <a:p>
+            <a:r>
+              <a:rPr lang="en-US" sz="1800" dirty="0" smtClean="0">
+                <a:latin typeface="+mj-lt"/>
+              </a:rPr>
+              <a:t>correct property for </a:t>
+            </a:r>
+          </a:p>
+          <a:p>
+            <a:r>
+              <a:rPr lang="en-US" dirty="0" smtClean="0">
+                <a:latin typeface="+mj-lt"/>
+              </a:rPr>
+              <a:t>display</a:t>
+            </a:r>
+            <a:endParaRPr lang="en-US" sz="1800" dirty="0" smtClean="0">
+              <a:latin typeface="+mj-lt"/>
+            </a:endParaRPr>
+          </a:p>
+        </p:txBody>
+      </p:sp>
+    </p:spTree>
+    <p:extLst>
+      <p:ext uri="{BB962C8B-B14F-4D97-AF65-F5344CB8AC3E}">
+        <p14:creationId xmlns:p14="http://schemas.microsoft.com/office/powerpoint/2010/main" val="368704121"/>
+      </p:ext>
+    </p:extLst>
+  </p:cSld>
+  <p:clrMapOvr>
+    <a:masterClrMapping/>
+  </p:clrMapOvr>
+  <p:transition>
+    <p:fade/>
+  </p:transition>
+  <p:timing>
+    <p:tnLst>
+      <p:par>
+        <p:cTn id="1" dur="indefinite" restart="never" nodeType="tmRoot">
+          <p:childTnLst>
+            <p:seq concurrent="1" nextAc="seek">
+              <p:cTn id="2" dur="indefinite" nodeType="mainSeq">
+                <p:childTnLst>
+                  <p:par>
+                    <p:cTn id="3" fill="hold">
+                      <p:stCondLst>
+                        <p:cond delay="indefinite"/>
+                        <p:cond evt="onBegin" delay="0">
+                          <p:tn val="2"/>
+                        </p:cond>
+                      </p:stCondLst>
+                      <p:childTnLst>
+                        <p:par>
+                          <p:cTn id="4" fill="hold">
+                            <p:stCondLst>
+                              <p:cond delay="0"/>
+                            </p:stCondLst>
+                            <p:childTnLst>
+                              <p:par>
+                                <p:cTn id="5" presetID="1" presetClass="entr" presetSubtype="0" fill="hold" grpId="0" nodeType="withEffect">
+                                  <p:stCondLst>
+                                    <p:cond delay="0"/>
+                                  </p:stCondLst>
+                                  <p:childTnLst>
+                                    <p:set>
+                                      <p:cBhvr>
+                                        <p:cTn id="6" dur="1" fill="hold">
+                                          <p:stCondLst>
+                                            <p:cond delay="0"/>
+                                          </p:stCondLst>
+                                        </p:cTn>
+                                        <p:tgtEl>
+                                          <p:spTgt spid="3">
+                                            <p:txEl>
+                                              <p:pRg st="0" end="0"/>
+                                            </p:txEl>
+                                          </p:spTgt>
+                                        </p:tgtEl>
+                                        <p:attrNameLst>
+                                          <p:attrName>style.visibility</p:attrName>
+                                        </p:attrNameLst>
+                                      </p:cBhvr>
+                                      <p:to>
+                                        <p:strVal val="visible"/>
+                                      </p:to>
+                                    </p:set>
+                                  </p:childTnLst>
+                                </p:cTn>
+                              </p:par>
+                              <p:par>
+                                <p:cTn id="7" presetID="1" presetClass="entr" presetSubtype="0" fill="hold" nodeType="withEffect">
+                                  <p:stCondLst>
+                                    <p:cond delay="0"/>
+                                  </p:stCondLst>
+                                  <p:childTnLst>
+                                    <p:set>
+                                      <p:cBhvr>
+                                        <p:cTn id="8" dur="1" fill="hold">
+                                          <p:stCondLst>
+                                            <p:cond delay="0"/>
+                                          </p:stCondLst>
+                                        </p:cTn>
+                                        <p:tgtEl>
                                           <p:spTgt spid="6"/>
+                                        </p:tgtEl>
+                                        <p:attrNameLst>
+                                          <p:attrName>style.visibility</p:attrName>
+                                        </p:attrNameLst>
+                                      </p:cBhvr>
+                                      <p:to>
+                                        <p:strVal val="visible"/>
+                                      </p:to>
+                                    </p:set>
+                                  </p:childTnLst>
+                                </p:cTn>
+                              </p:par>
+                            </p:childTnLst>
+                          </p:cTn>
+                        </p:par>
+                      </p:childTnLst>
+                    </p:cTn>
+                  </p:par>
+                  <p:par>
+                    <p:cTn id="9" fill="hold">
+                      <p:stCondLst>
+                        <p:cond delay="indefinite"/>
+                      </p:stCondLst>
+                      <p:childTnLst>
+                        <p:par>
+                          <p:cTn id="10" fill="hold">
+                            <p:stCondLst>
+                              <p:cond delay="0"/>
+                            </p:stCondLst>
+                            <p:childTnLst>
+                              <p:par>
+                                <p:cTn id="11" presetID="1" presetClass="entr" presetSubtype="0" fill="hold" nodeType="clickEffect">
+                                  <p:stCondLst>
+                                    <p:cond delay="0"/>
+                                  </p:stCondLst>
+                                  <p:childTnLst>
+                                    <p:set>
+                                      <p:cBhvr>
+                                        <p:cTn id="12" dur="1" fill="hold">
+                                          <p:stCondLst>
+                                            <p:cond delay="0"/>
+                                          </p:stCondLst>
+                                        </p:cTn>
+                                        <p:tgtEl>
+                                          <p:spTgt spid="17"/>
+                                        </p:tgtEl>
+                                        <p:attrNameLst>
+                                          <p:attrName>style.visibility</p:attrName>
+                                        </p:attrNameLst>
+                                      </p:cBhvr>
+                                      <p:to>
+                                        <p:strVal val="visible"/>
+                                      </p:to>
+                                    </p:set>
+                                  </p:childTnLst>
+                                </p:cTn>
+                              </p:par>
+                              <p:par>
+                                <p:cTn id="13" presetID="1" presetClass="entr" presetSubtype="0" fill="hold" grpId="0" nodeType="withEffect">
+                                  <p:stCondLst>
+                                    <p:cond delay="0"/>
+                                  </p:stCondLst>
+                                  <p:childTnLst>
+                                    <p:set>
+                                      <p:cBhvr>
+                                        <p:cTn id="14" dur="1" fill="hold">
+                                          <p:stCondLst>
+                                            <p:cond delay="0"/>
+                                          </p:stCondLst>
+                                        </p:cTn>
+                                        <p:tgtEl>
+                                          <p:spTgt spid="19"/>
+                                        </p:tgtEl>
+                                        <p:attrNameLst>
+                                          <p:attrName>style.visibility</p:attrName>
+                                        </p:attrNameLst>
+                                      </p:cBhvr>
+                                      <p:to>
+                                        <p:strVal val="visible"/>
+                                      </p:to>
+                                    </p:set>
+                                  </p:childTnLst>
+                                </p:cTn>
+                              </p:par>
+                            </p:childTnLst>
+                          </p:cTn>
+                        </p:par>
+                      </p:childTnLst>
+                    </p:cTn>
+                  </p:par>
+                  <p:par>
+                    <p:cTn id="15" fill="hold">
+                      <p:stCondLst>
+                        <p:cond delay="indefinite"/>
+                      </p:stCondLst>
+                      <p:childTnLst>
+                        <p:par>
+                          <p:cTn id="16" fill="hold">
+                            <p:stCondLst>
+                              <p:cond delay="0"/>
+                            </p:stCondLst>
+                            <p:childTnLst>
+                              <p:par>
+                                <p:cTn id="17" presetID="1" presetClass="entr" presetSubtype="0" fill="hold" nodeType="clickEffect">
+                                  <p:stCondLst>
+                                    <p:cond delay="0"/>
+                                  </p:stCondLst>
+                                  <p:childTnLst>
+                                    <p:set>
+                                      <p:cBhvr>
+                                        <p:cTn id="18" dur="1" fill="hold">
+                                          <p:stCondLst>
+                                            <p:cond delay="0"/>
+                                          </p:stCondLst>
+                                        </p:cTn>
+                                        <p:tgtEl>
+                                          <p:spTgt spid="20"/>
+                                        </p:tgtEl>
+                                        <p:attrNameLst>
+                                          <p:attrName>style.visibility</p:attrName>
+                                        </p:attrNameLst>
+                                      </p:cBhvr>
+                                      <p:to>
+                                        <p:strVal val="visible"/>
+                                      </p:to>
+                                    </p:set>
+                                  </p:childTnLst>
+                                </p:cTn>
+                              </p:par>
+                              <p:par>
+                                <p:cTn id="19" presetID="1" presetClass="entr" presetSubtype="0" fill="hold" grpId="0" nodeType="withEffect">
+                                  <p:stCondLst>
+                                    <p:cond delay="0"/>
+                                  </p:stCondLst>
+                                  <p:childTnLst>
+                                    <p:set>
+                                      <p:cBhvr>
+                                        <p:cTn id="20" dur="1" fill="hold">
+                                          <p:stCondLst>
+                                            <p:cond delay="0"/>
+                                          </p:stCondLst>
+                                        </p:cTn>
+                                        <p:tgtEl>
+                                          <p:spTgt spid="21"/>
+                                        </p:tgtEl>
+                                        <p:attrNameLst>
+                                          <p:attrName>style.visibility</p:attrName>
+                                        </p:attrNameLst>
+                                      </p:cBhvr>
+                                      <p:to>
+                                        <p:strVal val="visible"/>
+                                      </p:to>
+                                    </p:set>
+                                  </p:childTnLst>
+                                </p:cTn>
+                              </p:par>
+                            </p:childTnLst>
+                          </p:cTn>
+                        </p:par>
+                      </p:childTnLst>
+                    </p:cTn>
+                  </p:par>
+                  <p:par>
+                    <p:cTn id="21" fill="hold">
+                      <p:stCondLst>
+                        <p:cond delay="indefinite"/>
+                      </p:stCondLst>
+                      <p:childTnLst>
+                        <p:par>
+                          <p:cTn id="22" fill="hold">
+                            <p:stCondLst>
+                              <p:cond delay="0"/>
+                            </p:stCondLst>
+                            <p:childTnLst>
+                              <p:par>
+                                <p:cTn id="23" presetID="1" presetClass="entr" presetSubtype="0" fill="hold" nodeType="clickEffect">
+                                  <p:stCondLst>
+                                    <p:cond delay="0"/>
+                                  </p:stCondLst>
+                                  <p:childTnLst>
+                                    <p:set>
+                                      <p:cBhvr>
+                                        <p:cTn id="24" dur="1" fill="hold">
+                                          <p:stCondLst>
+                                            <p:cond delay="0"/>
+                                          </p:stCondLst>
+                                        </p:cTn>
+                                        <p:tgtEl>
+                                          <p:spTgt spid="22"/>
+                                        </p:tgtEl>
+                                        <p:attrNameLst>
+                                          <p:attrName>style.visibility</p:attrName>
+                                        </p:attrNameLst>
+                                      </p:cBhvr>
+                                      <p:to>
+                                        <p:strVal val="visible"/>
+                                      </p:to>
+                                    </p:set>
+                                  </p:childTnLst>
+                                </p:cTn>
+                              </p:par>
+                              <p:par>
+                                <p:cTn id="25" presetID="1" presetClass="entr" presetSubtype="0" fill="hold" grpId="0" nodeType="withEffect">
+                                  <p:stCondLst>
+                                    <p:cond delay="0"/>
+                                  </p:stCondLst>
+                                  <p:childTnLst>
+                                    <p:set>
+                                      <p:cBhvr>
+                                        <p:cTn id="26" dur="1" fill="hold">
+                                          <p:stCondLst>
+                                            <p:cond delay="0"/>
+                                          </p:stCondLst>
+                                        </p:cTn>
+                                        <p:tgtEl>
+                                          <p:spTgt spid="23"/>
                                         </p:tgtEl>
                                         <p:attrNameLst>
                                           <p:attrName>style.visibility</p:attrName>
@@ -9760,8 +10087,293 @@
     </p:tnLst>
     <p:bldLst>
       <p:bldP spid="3" grpId="0" build="p"/>
-      <p:bldP spid="6" grpId="0"/>
+      <p:bldP spid="19" grpId="0"/>
+      <p:bldP spid="21" grpId="0"/>
+      <p:bldP spid="23" grpId="0"/>
     </p:bldLst>
+  </p:timing>
+</p:sld>
+</file>
+
+<file path=ppt/slides/slide17.xml><?xml version="1.0" encoding="utf-8"?>
+<p:sld xmlns:a="http://schemas.openxmlformats.org/drawingml/2006/main" xmlns:r="http://schemas.openxmlformats.org/officeDocument/2006/relationships" xmlns:p="http://schemas.openxmlformats.org/presentationml/2006/main" show="0">
+  <p:cSld>
+    <p:bg>
+      <p:bgPr>
+        <a:solidFill>
+          <a:schemeClr val="accent2"/>
+        </a:solidFill>
+        <a:effectLst/>
+      </p:bgPr>
+    </p:bg>
+    <p:spTree>
+      <p:nvGrpSpPr>
+        <p:cNvPr id="1" name=""/>
+        <p:cNvGrpSpPr/>
+        <p:nvPr/>
+      </p:nvGrpSpPr>
+      <p:grpSpPr>
+        <a:xfrm>
+          <a:off x="0" y="0"/>
+          <a:ext cx="0" cy="0"/>
+          <a:chOff x="0" y="0"/>
+          <a:chExt cx="0" cy="0"/>
+        </a:xfrm>
+      </p:grpSpPr>
+      <p:sp>
+        <p:nvSpPr>
+          <p:cNvPr id="2" name="Title 1"/>
+          <p:cNvSpPr>
+            <a:spLocks noGrp="1"/>
+          </p:cNvSpPr>
+          <p:nvPr>
+            <p:ph type="title"/>
+          </p:nvPr>
+        </p:nvSpPr>
+        <p:spPr/>
+        <p:txBody>
+          <a:bodyPr/>
+          <a:lstStyle/>
+          <a:p>
+            <a:r>
+              <a:rPr lang="en-US" dirty="0" smtClean="0"/>
+              <a:t>END OF Overview Slides		</a:t>
+            </a:r>
+            <a:endParaRPr lang="en-GB" dirty="0"/>
+          </a:p>
+        </p:txBody>
+      </p:sp>
+      <p:sp>
+        <p:nvSpPr>
+          <p:cNvPr id="3" name="Text Placeholder 2"/>
+          <p:cNvSpPr>
+            <a:spLocks noGrp="1"/>
+          </p:cNvSpPr>
+          <p:nvPr>
+            <p:ph type="body" idx="1"/>
+          </p:nvPr>
+        </p:nvSpPr>
+        <p:spPr/>
+        <p:txBody>
+          <a:bodyPr/>
+          <a:lstStyle/>
+          <a:p>
+            <a:pPr marL="0" indent="0">
+              <a:buNone/>
+            </a:pPr>
+            <a:r>
+              <a:rPr lang="en-GB" dirty="0" smtClean="0"/>
+              <a:t>	</a:t>
+            </a:r>
+            <a:endParaRPr lang="en-GB" dirty="0"/>
+          </a:p>
+        </p:txBody>
+      </p:sp>
+    </p:spTree>
+    <p:extLst>
+      <p:ext uri="{BB962C8B-B14F-4D97-AF65-F5344CB8AC3E}">
+        <p14:creationId xmlns:p14="http://schemas.microsoft.com/office/powerpoint/2010/main" val="3971676442"/>
+      </p:ext>
+    </p:extLst>
+  </p:cSld>
+  <p:clrMapOvr>
+    <a:masterClrMapping/>
+  </p:clrMapOvr>
+  <p:transition>
+    <p:fade/>
+  </p:transition>
+  <p:timing>
+    <p:tnLst>
+      <p:par>
+        <p:cTn id="1" dur="indefinite" restart="never" nodeType="tmRoot"/>
+      </p:par>
+    </p:tnLst>
+  </p:timing>
+</p:sld>
+</file>
+
+<file path=ppt/slides/slide18.xml><?xml version="1.0" encoding="utf-8"?>
+<p:sld xmlns:a="http://schemas.openxmlformats.org/drawingml/2006/main" xmlns:r="http://schemas.openxmlformats.org/officeDocument/2006/relationships" xmlns:p="http://schemas.openxmlformats.org/presentationml/2006/main">
+  <p:cSld>
+    <p:spTree>
+      <p:nvGrpSpPr>
+        <p:cNvPr id="1" name=""/>
+        <p:cNvGrpSpPr/>
+        <p:nvPr/>
+      </p:nvGrpSpPr>
+      <p:grpSpPr>
+        <a:xfrm>
+          <a:off x="0" y="0"/>
+          <a:ext cx="0" cy="0"/>
+          <a:chOff x="0" y="0"/>
+          <a:chExt cx="0" cy="0"/>
+        </a:xfrm>
+      </p:grpSpPr>
+      <p:sp>
+        <p:nvSpPr>
+          <p:cNvPr id="2" name="Title 1"/>
+          <p:cNvSpPr>
+            <a:spLocks noGrp="1"/>
+          </p:cNvSpPr>
+          <p:nvPr>
+            <p:ph type="title"/>
+          </p:nvPr>
+        </p:nvSpPr>
+        <p:spPr/>
+        <p:txBody>
+          <a:bodyPr/>
+          <a:lstStyle/>
+          <a:p>
+            <a:r>
+              <a:rPr lang="en-US" dirty="0" smtClean="0"/>
+              <a:t>Agenda		</a:t>
+            </a:r>
+            <a:endParaRPr lang="en-GB" dirty="0"/>
+          </a:p>
+        </p:txBody>
+      </p:sp>
+      <p:sp>
+        <p:nvSpPr>
+          <p:cNvPr id="3" name="Text Placeholder 2"/>
+          <p:cNvSpPr>
+            <a:spLocks noGrp="1"/>
+          </p:cNvSpPr>
+          <p:nvPr>
+            <p:ph type="body" idx="1"/>
+          </p:nvPr>
+        </p:nvSpPr>
+        <p:spPr/>
+        <p:txBody>
+          <a:bodyPr/>
+          <a:lstStyle/>
+          <a:p>
+            <a:r>
+              <a:rPr lang="en-GB" dirty="0"/>
+              <a:t>Creating </a:t>
+            </a:r>
+            <a:r>
+              <a:rPr lang="en-GB" dirty="0" smtClean="0"/>
+              <a:t>the </a:t>
+            </a:r>
+            <a:r>
+              <a:rPr lang="en-GB" dirty="0"/>
+              <a:t>Maintenance Dialog</a:t>
+            </a:r>
+          </a:p>
+          <a:p>
+            <a:r>
+              <a:rPr lang="en-GB" dirty="0" smtClean="0"/>
+              <a:t>Setting up the </a:t>
+            </a:r>
+            <a:r>
+              <a:rPr lang="en-GB" dirty="0"/>
+              <a:t>Maintenance View </a:t>
+            </a:r>
+            <a:r>
+              <a:rPr lang="en-GB" dirty="0" smtClean="0"/>
+              <a:t>Model</a:t>
+            </a:r>
+            <a:endParaRPr lang="en-GB" dirty="0" smtClean="0"/>
+          </a:p>
+          <a:p>
+            <a:r>
+              <a:rPr lang="en-GB" dirty="0" smtClean="0"/>
+              <a:t>Working with </a:t>
+            </a:r>
+            <a:r>
+              <a:rPr lang="en-GB" dirty="0"/>
+              <a:t>Selection </a:t>
+            </a:r>
+            <a:r>
+              <a:rPr lang="en-GB" dirty="0" smtClean="0"/>
+              <a:t>Options</a:t>
+            </a:r>
+          </a:p>
+          <a:p>
+            <a:r>
+              <a:rPr lang="en-GB" dirty="0" smtClean="0">
+                <a:solidFill>
+                  <a:schemeClr val="accent6">
+                    <a:lumMod val="75000"/>
+                  </a:schemeClr>
+                </a:solidFill>
+              </a:rPr>
+              <a:t>Working with Date Fields</a:t>
+            </a:r>
+            <a:endParaRPr lang="en-GB" dirty="0" smtClean="0">
+              <a:solidFill>
+                <a:schemeClr val="accent6">
+                  <a:lumMod val="75000"/>
+                </a:schemeClr>
+              </a:solidFill>
+            </a:endParaRPr>
+          </a:p>
+          <a:p>
+            <a:r>
+              <a:rPr lang="en-GB" dirty="0"/>
+              <a:t>Creating a new </a:t>
+            </a:r>
+            <a:r>
+              <a:rPr lang="en-GB" dirty="0" err="1"/>
+              <a:t>ToDo</a:t>
+            </a:r>
+            <a:r>
+              <a:rPr lang="en-GB" dirty="0"/>
+              <a:t> </a:t>
+            </a:r>
+            <a:r>
+              <a:rPr lang="en-GB" dirty="0" smtClean="0"/>
+              <a:t>Item</a:t>
+            </a:r>
+            <a:endParaRPr lang="en-GB" dirty="0"/>
+          </a:p>
+          <a:p>
+            <a:r>
+              <a:rPr lang="en-US" dirty="0"/>
+              <a:t>Maintaining an existing </a:t>
+            </a:r>
+            <a:r>
+              <a:rPr lang="en-US" dirty="0" err="1"/>
+              <a:t>ToDo</a:t>
+            </a:r>
+            <a:r>
+              <a:rPr lang="en-US" dirty="0"/>
+              <a:t> </a:t>
+            </a:r>
+            <a:r>
+              <a:rPr lang="en-US" dirty="0" smtClean="0"/>
+              <a:t>Item</a:t>
+            </a:r>
+            <a:endParaRPr lang="en-GB" dirty="0" smtClean="0"/>
+          </a:p>
+          <a:p>
+            <a:r>
+              <a:rPr lang="en-GB" dirty="0" smtClean="0"/>
+              <a:t>Saving the Data</a:t>
+            </a:r>
+            <a:endParaRPr lang="en-GB" dirty="0"/>
+          </a:p>
+        </p:txBody>
+      </p:sp>
+    </p:spTree>
+    <p:extLst>
+      <p:ext uri="{BB962C8B-B14F-4D97-AF65-F5344CB8AC3E}">
+        <p14:creationId xmlns:p14="http://schemas.microsoft.com/office/powerpoint/2010/main" val="3948149216"/>
+      </p:ext>
+    </p:extLst>
+  </p:cSld>
+  <p:clrMapOvr>
+    <a:masterClrMapping/>
+  </p:clrMapOvr>
+  <p:transition>
+    <p:fade/>
+  </p:transition>
+  <p:timing>
+    <p:tnLst>
+      <p:par>
+        <p:cTn id="1" dur="indefinite" restart="never" nodeType="tmRoot"/>
+      </p:par>
+    </p:tnLst>
   </p:timing>
 </p:sld>
 </file>
@@ -9783,83 +10395,6 @@
           <a:chExt cx="0" cy="0"/>
         </a:xfrm>
       </p:grpSpPr>
-      <p:sp>
-        <p:nvSpPr>
-          <p:cNvPr id="2" name="Title 1"/>
-          <p:cNvSpPr>
-            <a:spLocks noGrp="1"/>
-          </p:cNvSpPr>
-          <p:nvPr>
-            <p:ph type="title"/>
-          </p:nvPr>
-        </p:nvSpPr>
-        <p:spPr/>
-        <p:txBody>
-          <a:bodyPr/>
-          <a:lstStyle/>
-          <a:p>
-            <a:r>
-              <a:rPr lang="en-US" dirty="0" smtClean="0"/>
-              <a:t>Visibility State of </a:t>
-            </a:r>
-            <a:r>
-              <a:rPr lang="en-US" smtClean="0"/>
-              <a:t>UI Elements</a:t>
-            </a:r>
-            <a:endParaRPr lang="en-US" dirty="0"/>
-          </a:p>
-        </p:txBody>
-      </p:sp>
-      <p:sp>
-        <p:nvSpPr>
-          <p:cNvPr id="3" name="Text Placeholder 2"/>
-          <p:cNvSpPr>
-            <a:spLocks noGrp="1"/>
-          </p:cNvSpPr>
-          <p:nvPr>
-            <p:ph type="body" idx="1"/>
-          </p:nvPr>
-        </p:nvSpPr>
-        <p:spPr/>
-        <p:txBody>
-          <a:bodyPr/>
-          <a:lstStyle/>
-          <a:p>
-            <a:pPr marL="0" indent="0">
-              <a:buNone/>
-            </a:pPr>
-            <a:r>
-              <a:rPr lang="en-US" dirty="0" smtClean="0"/>
-              <a:t>Visibility binding in Knockout</a:t>
-            </a:r>
-            <a:endParaRPr lang="en-US" dirty="0"/>
-          </a:p>
-          <a:p>
-            <a:pPr marL="0" indent="0">
-              <a:buNone/>
-            </a:pPr>
-            <a:endParaRPr lang="en-US" dirty="0" smtClean="0"/>
-          </a:p>
-          <a:p>
-            <a:pPr marL="0" indent="0">
-              <a:buNone/>
-            </a:pPr>
-            <a:endParaRPr lang="en-US" dirty="0"/>
-          </a:p>
-          <a:p>
-            <a:pPr marL="0" indent="0">
-              <a:buNone/>
-            </a:pPr>
-            <a:endParaRPr lang="en-US" dirty="0" smtClean="0"/>
-          </a:p>
-          <a:p>
-            <a:pPr marL="0" indent="0">
-              <a:buNone/>
-            </a:pPr>
-            <a:endParaRPr lang="en-US" dirty="0"/>
-          </a:p>
-        </p:txBody>
-      </p:sp>
       <p:pic>
         <p:nvPicPr>
           <p:cNvPr id="4" name="Picture 3"/>
@@ -9876,14 +10411,63 @@
         </p:blipFill>
         <p:spPr>
           <a:xfrm>
-            <a:off x="990600" y="1888321"/>
-            <a:ext cx="5867400" cy="819150"/>
+            <a:off x="727710" y="2075908"/>
+            <a:ext cx="5448300" cy="495300"/>
           </a:xfrm>
           <a:prstGeom prst="rect">
             <a:avLst/>
           </a:prstGeom>
         </p:spPr>
       </p:pic>
+      <p:sp>
+        <p:nvSpPr>
+          <p:cNvPr id="2" name="Title 1"/>
+          <p:cNvSpPr>
+            <a:spLocks noGrp="1"/>
+          </p:cNvSpPr>
+          <p:nvPr>
+            <p:ph type="title"/>
+          </p:nvPr>
+        </p:nvSpPr>
+        <p:spPr/>
+        <p:txBody>
+          <a:bodyPr/>
+          <a:lstStyle/>
+          <a:p>
+            <a:r>
+              <a:rPr lang="en-US" dirty="0" smtClean="0"/>
+              <a:t>Working with Date Fields</a:t>
+            </a:r>
+            <a:endParaRPr lang="en-US" dirty="0"/>
+          </a:p>
+        </p:txBody>
+      </p:sp>
+      <p:sp>
+        <p:nvSpPr>
+          <p:cNvPr id="3" name="Text Placeholder 2"/>
+          <p:cNvSpPr>
+            <a:spLocks noGrp="1"/>
+          </p:cNvSpPr>
+          <p:nvPr>
+            <p:ph type="body" idx="1"/>
+          </p:nvPr>
+        </p:nvSpPr>
+        <p:spPr/>
+        <p:txBody>
+          <a:bodyPr/>
+          <a:lstStyle/>
+          <a:p>
+            <a:pPr marL="0" indent="0">
+              <a:buNone/>
+            </a:pPr>
+            <a:r>
+              <a:rPr lang="en-US" dirty="0" smtClean="0"/>
+              <a:t>Using Date in XAML</a:t>
+            </a:r>
+            <a:endParaRPr lang="en-US" dirty="0"/>
+          </a:p>
+        </p:txBody>
+      </p:sp>
       <p:cxnSp>
         <p:nvCxnSpPr>
           <p:cNvPr id="5" name="Straight Arrow Connector 4"/>
@@ -9891,9 +10475,9 @@
           <p:nvPr/>
         </p:nvCxnSpPr>
         <p:spPr bwMode="auto">
-          <a:xfrm flipV="1">
-            <a:off x="2514600" y="2567803"/>
-            <a:ext cx="152400" cy="735318"/>
+          <a:xfrm flipH="1">
+            <a:off x="2514600" y="1894159"/>
+            <a:ext cx="3886200" cy="181749"/>
           </a:xfrm>
           <a:prstGeom prst="straightConnector1">
             <a:avLst/>
@@ -9929,8 +10513,8 @@
         </p:nvSpPr>
         <p:spPr bwMode="auto">
           <a:xfrm>
-            <a:off x="1143000" y="3468469"/>
-            <a:ext cx="2438400" cy="369332"/>
+            <a:off x="6400800" y="1677227"/>
+            <a:ext cx="2743200" cy="369332"/>
           </a:xfrm>
           <a:prstGeom prst="rect">
             <a:avLst/>
@@ -9953,95 +10537,24 @@
               <a:rPr lang="en-US" dirty="0" smtClean="0">
                 <a:latin typeface="+mj-lt"/>
               </a:rPr>
-              <a:t>Use the Visible binding</a:t>
-            </a:r>
-          </a:p>
-        </p:txBody>
-      </p:sp>
-      <p:sp>
-        <p:nvSpPr>
-          <p:cNvPr id="13" name="TextBox 12"/>
-          <p:cNvSpPr txBox="1"/>
-          <p:nvPr/>
-        </p:nvSpPr>
-        <p:spPr bwMode="auto">
-          <a:xfrm>
-            <a:off x="4114800" y="3468469"/>
-            <a:ext cx="3733800" cy="1477328"/>
-          </a:xfrm>
-          <a:prstGeom prst="rect">
-            <a:avLst/>
-          </a:prstGeom>
-          <a:noFill/>
-          <a:ln w="9525">
-            <a:noFill/>
-            <a:miter lim="800000"/>
-            <a:headEnd/>
-            <a:tailEnd/>
-          </a:ln>
-        </p:spPr>
-        <p:txBody>
-          <a:bodyPr wrap="square" rtlCol="0">
-            <a:spAutoFit/>
-          </a:bodyPr>
-          <a:lstStyle/>
-          <a:p>
-            <a:r>
-              <a:rPr lang="en-US" dirty="0" smtClean="0">
-                <a:latin typeface="+mj-lt"/>
-              </a:rPr>
-              <a:t>Statement being evaluated to determine visibility.</a:t>
-            </a:r>
-          </a:p>
-          <a:p>
-            <a:endParaRPr lang="en-US" dirty="0">
+              <a:t>Built in Date Control</a:t>
+            </a:r>
+            <a:endParaRPr lang="en-US" dirty="0" smtClean="0">
               <a:latin typeface="+mj-lt"/>
             </a:endParaRPr>
           </a:p>
-          <a:p>
-            <a:r>
-              <a:rPr lang="en-US" dirty="0" smtClean="0">
-                <a:latin typeface="+mj-lt"/>
-              </a:rPr>
-              <a:t>This evaluates via the </a:t>
-            </a:r>
-            <a:r>
-              <a:rPr lang="en-US" dirty="0" err="1" smtClean="0">
-                <a:latin typeface="+mj-lt"/>
-              </a:rPr>
-              <a:t>truthly</a:t>
-            </a:r>
-            <a:r>
-              <a:rPr lang="en-US" dirty="0" smtClean="0">
-                <a:latin typeface="+mj-lt"/>
-              </a:rPr>
-              <a:t>/</a:t>
-            </a:r>
-            <a:r>
-              <a:rPr lang="en-US" dirty="0" err="1" smtClean="0">
-                <a:latin typeface="+mj-lt"/>
-              </a:rPr>
-              <a:t>falsy</a:t>
-            </a:r>
-            <a:r>
-              <a:rPr lang="en-US" dirty="0" smtClean="0">
-                <a:latin typeface="+mj-lt"/>
-              </a:rPr>
-              <a:t> concepts in JavaScript</a:t>
-            </a:r>
-          </a:p>
         </p:txBody>
       </p:sp>
       <p:cxnSp>
         <p:nvCxnSpPr>
-          <p:cNvPr id="14" name="Straight Arrow Connector 13"/>
+          <p:cNvPr id="9" name="Straight Arrow Connector 8"/>
           <p:cNvCxnSpPr/>
           <p:nvPr/>
         </p:nvCxnSpPr>
         <p:spPr bwMode="auto">
           <a:xfrm flipH="1" flipV="1">
-            <a:off x="5257800" y="2580751"/>
-            <a:ext cx="152400" cy="887718"/>
+            <a:off x="4191000" y="2624021"/>
+            <a:ext cx="2209800" cy="547030"/>
           </a:xfrm>
           <a:prstGeom prst="straightConnector1">
             <a:avLst/>
@@ -10069,10 +10582,58 @@
           </a:fontRef>
         </p:style>
       </p:cxnSp>
+      <p:sp>
+        <p:nvSpPr>
+          <p:cNvPr id="10" name="TextBox 9"/>
+          <p:cNvSpPr txBox="1"/>
+          <p:nvPr/>
+        </p:nvSpPr>
+        <p:spPr bwMode="auto">
+          <a:xfrm>
+            <a:off x="6400800" y="2954119"/>
+            <a:ext cx="2743200" cy="646331"/>
+          </a:xfrm>
+          <a:prstGeom prst="rect">
+            <a:avLst/>
+          </a:prstGeom>
+          <a:noFill/>
+          <a:ln w="9525">
+            <a:noFill/>
+            <a:miter lim="800000"/>
+            <a:headEnd/>
+            <a:tailEnd/>
+          </a:ln>
+        </p:spPr>
+        <p:txBody>
+          <a:bodyPr wrap="square" rtlCol="0">
+            <a:spAutoFit/>
+          </a:bodyPr>
+          <a:lstStyle/>
+          <a:p>
+            <a:r>
+              <a:rPr lang="en-US" dirty="0" smtClean="0">
+                <a:latin typeface="+mj-lt"/>
+              </a:rPr>
+              <a:t>Bind to the Date Property</a:t>
+            </a:r>
+          </a:p>
+          <a:p>
+            <a:r>
+              <a:rPr lang="en-US" dirty="0" smtClean="0">
+                <a:latin typeface="+mj-lt"/>
+              </a:rPr>
+              <a:t>on the View Model</a:t>
+            </a:r>
+            <a:endParaRPr lang="en-US" dirty="0" smtClean="0">
+              <a:latin typeface="+mj-lt"/>
+            </a:endParaRPr>
+          </a:p>
+        </p:txBody>
+      </p:sp>
     </p:spTree>
     <p:extLst>
       <p:ext uri="{BB962C8B-B14F-4D97-AF65-F5344CB8AC3E}">
-        <p14:creationId xmlns:p14="http://schemas.microsoft.com/office/powerpoint/2010/main" val="1587028419"/>
+        <p14:creationId xmlns:p14="http://schemas.microsoft.com/office/powerpoint/2010/main" val="3365478958"/>
       </p:ext>
     </p:extLst>
   </p:cSld>
@@ -10094,6 +10655,9 @@
                     <p:cTn id="3" fill="hold">
                       <p:stCondLst>
                         <p:cond delay="indefinite"/>
+                        <p:cond evt="onBegin" delay="0">
+                          <p:tn val="2"/>
+                        </p:cond>
                       </p:stCondLst>
                       <p:childTnLst>
                         <p:par>
@@ -10103,7 +10667,7 @@
                             </p:stCondLst>
                             <p:childTnLst>
                               <p:par>
-                                <p:cTn id="5" presetID="1" presetClass="entr" presetSubtype="0" fill="hold" grpId="0" nodeType="clickEffect">
+                                <p:cTn id="5" presetID="1" presetClass="entr" presetSubtype="0" fill="hold" grpId="0" nodeType="withEffect">
                                   <p:stCondLst>
                                     <p:cond delay="0"/>
                                   </p:stCondLst>
@@ -10264,7 +10828,7 @@
                                           </p:stCondLst>
                                         </p:cTn>
                                         <p:tgtEl>
-                                          <p:spTgt spid="14"/>
+                                          <p:spTgt spid="9"/>
                                         </p:tgtEl>
                                         <p:attrNameLst>
                                           <p:attrName>style.visibility</p:attrName>
@@ -10291,7 +10855,7 @@
                                           </p:stCondLst>
                                         </p:cTn>
                                         <p:tgtEl>
-                                          <p:spTgt spid="13"/>
+                                          <p:spTgt spid="10"/>
                                         </p:tgtEl>
                                         <p:attrNameLst>
                                           <p:attrName>style.visibility</p:attrName>
@@ -10334,7 +10898,7 @@
     <p:bldLst>
       <p:bldP spid="3" grpId="0" build="p"/>
       <p:bldP spid="6" grpId="0"/>
-      <p:bldP spid="13" grpId="0"/>
+      <p:bldP spid="10" grpId="0"/>
     </p:bldLst>
   </p:timing>
 </p:sld>
@@ -10407,7 +10971,7 @@
               <a:rPr lang="en-GB" dirty="0" smtClean="0">
                 <a:latin typeface="+mn-lt"/>
               </a:rPr>
-              <a:t>xxx</a:t>
+              <a:t>Building our HTML view</a:t>
             </a:r>
             <a:endParaRPr lang="en-GB" dirty="0">
               <a:latin typeface="+mn-lt"/>
@@ -10431,7 +10995,7 @@
               <a:rPr lang="en-US" dirty="0" smtClean="0">
                 <a:latin typeface="+mn-lt"/>
               </a:rPr>
-              <a:t>xxx</a:t>
+              <a:t>Setting up the View Model</a:t>
             </a:r>
             <a:endParaRPr lang="en-US" dirty="0">
               <a:latin typeface="+mn-lt"/>
@@ -10454,7 +11018,19 @@
               <a:rPr lang="en-GB" dirty="0" smtClean="0">
                 <a:latin typeface="+mn-lt"/>
               </a:rPr>
-              <a:t>Xxx</a:t>
+              <a:t>XAML Combo box </a:t>
+            </a:r>
+            <a:r>
+              <a:rPr lang="en-GB" dirty="0" err="1" smtClean="0">
+                <a:latin typeface="+mn-lt"/>
+              </a:rPr>
+              <a:t>vs</a:t>
+            </a:r>
+            <a:r>
+              <a:rPr lang="en-GB" dirty="0" smtClean="0">
+                <a:latin typeface="+mn-lt"/>
+              </a:rPr>
+              <a:t> HTML Select</a:t>
             </a:r>
           </a:p>
           <a:p>
@@ -10473,7 +11049,7 @@
             <a:pPr lvl="1"/>
             <a:r>
               <a:rPr lang="en-GB" dirty="0" smtClean="0"/>
-              <a:t>xxx</a:t>
+              <a:t>Handling Date data types</a:t>
             </a:r>
             <a:endParaRPr lang="en-GB" dirty="0"/>
           </a:p>
@@ -10513,7 +11089,7 @@
                             </p:stCondLst>
                             <p:childTnLst>
                               <p:par>
-                                <p:cTn id="5" presetID="10" presetClass="entr" presetSubtype="0" fill="hold" grpId="0" nodeType="clickEffect">
+                                <p:cTn id="5" presetID="1" presetClass="entr" presetSubtype="0" fill="hold" grpId="0" nodeType="clickEffect">
                                   <p:stCondLst>
                                     <p:cond delay="0"/>
                                   </p:stCondLst>
@@ -10540,30 +11116,18 @@
                                         <p:strVal val="visible"/>
                                       </p:to>
                                     </p:set>
-                                    <p:animEffect transition="in" filter="fade">
-                                      <p:cBhvr>
-                                        <p:cTn id="7" dur="500"/>
-                                        <p:tgtEl>
-                                          <p:spTgt spid="3">
-                                            <p:txEl>
-                                              <p:pRg st="0" end="0"/>
-                                            </p:txEl>
-                                          </p:spTgt>
-                                        </p:tgtEl>
-                                      </p:cBhvr>
-                                    </p:animEffect>
                                   </p:childTnLst>
                                 </p:cTn>
                               </p:par>
                               <p:par>
-                                <p:cTn id="8" presetID="10" presetClass="entr" presetSubtype="0" fill="hold" grpId="0" nodeType="withEffect">
+                                <p:cTn id="7" presetID="1" presetClass="entr" presetSubtype="0" fill="hold" grpId="0" nodeType="withEffect">
                                   <p:stCondLst>
                                     <p:cond delay="0"/>
                                   </p:stCondLst>
                                   <p:childTnLst>
                                     <p:set>
                                       <p:cBhvr>
-                                        <p:cTn id="9" dur="1" fill="hold">
+                                        <p:cTn id="8" dur="1" fill="hold">
                                           <p:stCondLst>
                                             <p:cond delay="0"/>
                                           </p:stCondLst>
@@ -10583,18 +11147,6 @@
                                         <p:strVal val="visible"/>
                                       </p:to>
                                     </p:set>
-                                    <p:animEffect transition="in" filter="fade">
-                                      <p:cBhvr>
-                                        <p:cTn id="10" dur="500"/>
-                                        <p:tgtEl>
-                                          <p:spTgt spid="3">
-                                            <p:txEl>
-                                              <p:pRg st="1" end="1"/>
-                                            </p:txEl>
-                                          </p:spTgt>
-                                        </p:tgtEl>
-                                      </p:cBhvr>
-                                    </p:animEffect>
                                   </p:childTnLst>
                                 </p:cTn>
                               </p:par>
@@ -10605,26 +11157,26 @@
                     </p:cTn>
                   </p:par>
                   <p:par>
-                    <p:cTn id="11" fill="hold">
+                    <p:cTn id="9" fill="hold">
                       <p:stCondLst>
                         <p:cond delay="indefinite"/>
                       </p:stCondLst>
                       <p:childTnLst>
                         <p:par>
-                          <p:cTn id="12" fill="hold">
+                          <p:cTn id="10" fill="hold">
                             <p:stCondLst>
                               <p:cond delay="0"/>
                             </p:stCondLst>
                             <p:childTnLst>
                               <p:par>
-                                <p:cTn id="13" presetID="10" presetClass="entr" presetSubtype="0" fill="hold" grpId="0" nodeType="clickEffect">
+                                <p:cTn id="11" presetID="1" presetClass="entr" presetSubtype="0" fill="hold" grpId="0" nodeType="clickEffect">
                                   <p:stCondLst>
                                     <p:cond delay="0"/>
                                   </p:stCondLst>
                                   <p:childTnLst>
                                     <p:set>
                                       <p:cBhvr>
-                                        <p:cTn id="14" dur="1" fill="hold">
+                                        <p:cTn id="12" dur="1" fill="hold">
                                           <p:stCondLst>
                                             <p:cond delay="0"/>
                                           </p:stCondLst>
@@ -10644,30 +11196,18 @@
                                         <p:strVal val="visible"/>
                                       </p:to>
                                     </p:set>
-                                    <p:animEffect transition="in" filter="fade">
-                                      <p:cBhvr>
-                                        <p:cTn id="15" dur="500"/>
-                                        <p:tgtEl>
-                                          <p:spTgt spid="3">
-                                            <p:txEl>
-                                              <p:pRg st="3" end="3"/>
-                                            </p:txEl>
-                                          </p:spTgt>
-                                        </p:tgtEl>
-                                      </p:cBhvr>
-                                    </p:animEffect>
                                   </p:childTnLst>
                                 </p:cTn>
                               </p:par>
                               <p:par>
-                                <p:cTn id="16" presetID="10" presetClass="entr" presetSubtype="0" fill="hold" grpId="0" nodeType="withEffect">
+                                <p:cTn id="13" presetID="1" presetClass="entr" presetSubtype="0" fill="hold" grpId="0" nodeType="withEffect">
                                   <p:stCondLst>
                                     <p:cond delay="0"/>
                                   </p:stCondLst>
                                   <p:childTnLst>
                                     <p:set>
                                       <p:cBhvr>
-                                        <p:cTn id="17" dur="1" fill="hold">
+                                        <p:cTn id="14" dur="1" fill="hold">
                                           <p:stCondLst>
                                             <p:cond delay="0"/>
                                           </p:stCondLst>
@@ -10687,18 +11227,6 @@
                                         <p:strVal val="visible"/>
                                       </p:to>
                                     </p:set>
-                                    <p:animEffect transition="in" filter="fade">
-                                      <p:cBhvr>
-                                        <p:cTn id="18" dur="500"/>
-                                        <p:tgtEl>
-                                          <p:spTgt spid="3">
-                                            <p:txEl>
-                                              <p:pRg st="4" end="4"/>
-                                            </p:txEl>
-                                          </p:spTgt>
-                                        </p:tgtEl>
-                                      </p:cBhvr>
-                                    </p:animEffect>
                                   </p:childTnLst>
                                 </p:cTn>
                               </p:par>
@@ -10709,26 +11237,26 @@
                     </p:cTn>
                   </p:par>
                   <p:par>
-                    <p:cTn id="19" fill="hold">
+                    <p:cTn id="15" fill="hold">
                       <p:stCondLst>
                         <p:cond delay="indefinite"/>
                       </p:stCondLst>
                       <p:childTnLst>
                         <p:par>
-                          <p:cTn id="20" fill="hold">
+                          <p:cTn id="16" fill="hold">
                             <p:stCondLst>
                               <p:cond delay="0"/>
                             </p:stCondLst>
                             <p:childTnLst>
                               <p:par>
-                                <p:cTn id="21" presetID="10" presetClass="entr" presetSubtype="0" fill="hold" grpId="0" nodeType="clickEffect">
+                                <p:cTn id="17" presetID="1" presetClass="entr" presetSubtype="0" fill="hold" grpId="0" nodeType="clickEffect">
                                   <p:stCondLst>
                                     <p:cond delay="0"/>
                                   </p:stCondLst>
                                   <p:childTnLst>
                                     <p:set>
                                       <p:cBhvr>
-                                        <p:cTn id="22" dur="1" fill="hold">
+                                        <p:cTn id="18" dur="1" fill="hold">
                                           <p:stCondLst>
                                             <p:cond delay="0"/>
                                           </p:stCondLst>
@@ -10748,30 +11276,18 @@
                                         <p:strVal val="visible"/>
                                       </p:to>
                                     </p:set>
-                                    <p:animEffect transition="in" filter="fade">
-                                      <p:cBhvr>
-                                        <p:cTn id="23" dur="500"/>
-                                        <p:tgtEl>
-                                          <p:spTgt spid="3">
-                                            <p:txEl>
-                                              <p:pRg st="6" end="6"/>
-                                            </p:txEl>
-                                          </p:spTgt>
-                                        </p:tgtEl>
-                                      </p:cBhvr>
-                                    </p:animEffect>
                                   </p:childTnLst>
                                 </p:cTn>
                               </p:par>
                               <p:par>
-                                <p:cTn id="24" presetID="10" presetClass="entr" presetSubtype="0" fill="hold" grpId="0" nodeType="withEffect">
+                                <p:cTn id="19" presetID="1" presetClass="entr" presetSubtype="0" fill="hold" grpId="0" nodeType="withEffect">
                                   <p:stCondLst>
                                     <p:cond delay="0"/>
                                   </p:stCondLst>
                                   <p:childTnLst>
                                     <p:set>
                                       <p:cBhvr>
-                                        <p:cTn id="25" dur="1" fill="hold">
+                                        <p:cTn id="20" dur="1" fill="hold">
                                           <p:stCondLst>
                                             <p:cond delay="0"/>
                                           </p:stCondLst>
@@ -10791,18 +11307,86 @@
                                         <p:strVal val="visible"/>
                                       </p:to>
                                     </p:set>
-                                    <p:animEffect transition="in" filter="fade">
+                                  </p:childTnLst>
+                                </p:cTn>
+                              </p:par>
+                            </p:childTnLst>
+                          </p:cTn>
+                        </p:par>
+                      </p:childTnLst>
+                    </p:cTn>
+                  </p:par>
+                  <p:par>
+                    <p:cTn id="21" fill="hold">
+                      <p:stCondLst>
+                        <p:cond delay="indefinite"/>
+                      </p:stCondLst>
+                      <p:childTnLst>
+                        <p:par>
+                          <p:cTn id="22" fill="hold">
+                            <p:stCondLst>
+                              <p:cond delay="0"/>
+                            </p:stCondLst>
+                            <p:childTnLst>
+                              <p:par>
+                                <p:cTn id="23" presetID="1" presetClass="entr" presetSubtype="0" fill="hold" grpId="0" nodeType="clickEffect">
+                                  <p:stCondLst>
+                                    <p:cond delay="0"/>
+                                  </p:stCondLst>
+                                  <p:childTnLst>
+                                    <p:set>
                                       <p:cBhvr>
-                                        <p:cTn id="26" dur="500"/>
+                                        <p:cTn id="24" dur="1" fill="hold">
+                                          <p:stCondLst>
+                                            <p:cond delay="0"/>
+                                          </p:stCondLst>
+                                        </p:cTn>
                                         <p:tgtEl>
                                           <p:spTgt spid="3">
                                             <p:txEl>
-                                              <p:pRg st="7" end="7"/>
+                                              <p:pRg st="9" end="9"/>
                                             </p:txEl>
                                           </p:spTgt>
                                         </p:tgtEl>
+                                        <p:attrNameLst>
+                                          <p:attrName>style.visibility</p:attrName>
+                                        </p:attrNameLst>
                                       </p:cBhvr>
-                                    </p:animEffect>
+                                      <p:to>
+                                        <p:strVal val="visible"/>
+                                      </p:to>
+                                    </p:set>
+                                  </p:childTnLst>
+                                </p:cTn>
+                              </p:par>
+                              <p:par>
+                                <p:cTn id="25" presetID="1" presetClass="entr" presetSubtype="0" fill="hold" grpId="0" nodeType="withEffect">
+                                  <p:stCondLst>
+                                    <p:cond delay="0"/>
+                                  </p:stCondLst>
+                                  <p:childTnLst>
+                                    <p:set>
+                                      <p:cBhvr>
+                                        <p:cTn id="26" dur="1" fill="hold">
+                                          <p:stCondLst>
+                                            <p:cond delay="0"/>
+                                          </p:stCondLst>
+                                        </p:cTn>
+                                        <p:tgtEl>
+                                          <p:spTgt spid="3">
+                                            <p:txEl>
+                                              <p:pRg st="10" end="10"/>
+                                            </p:txEl>
+                                          </p:spTgt>
+                                        </p:tgtEl>
+                                        <p:attrNameLst>
+                                          <p:attrName>style.visibility</p:attrName>
+                                        </p:attrNameLst>
+                                      </p:cBhvr>
+                                      <p:to>
+                                        <p:strVal val="visible"/>
+                                      </p:to>
+                                    </p:set>
                                   </p:childTnLst>
                                 </p:cTn>
                               </p:par>
@@ -10834,13 +11418,1644 @@
       </p:par>
     </p:tnLst>
     <p:bldLst>
-      <p:bldP spid="3" grpId="0" uiExpand="1" build="p"/>
+      <p:bldP spid="3" grpId="0" build="p"/>
     </p:bldLst>
   </p:timing>
 </p:sld>
 </file>
 
 <file path=ppt/slides/slide20.xml><?xml version="1.0" encoding="utf-8"?>
+<p:sld xmlns:a="http://schemas.openxmlformats.org/drawingml/2006/main" xmlns:r="http://schemas.openxmlformats.org/officeDocument/2006/relationships" xmlns:p="http://schemas.openxmlformats.org/presentationml/2006/main">
+  <p:cSld>
+    <p:spTree>
+      <p:nvGrpSpPr>
+        <p:cNvPr id="1" name=""/>
+        <p:cNvGrpSpPr/>
+        <p:nvPr/>
+      </p:nvGrpSpPr>
+      <p:grpSpPr>
+        <a:xfrm>
+          <a:off x="0" y="0"/>
+          <a:ext cx="0" cy="0"/>
+          <a:chOff x="0" y="0"/>
+          <a:chExt cx="0" cy="0"/>
+        </a:xfrm>
+      </p:grpSpPr>
+      <p:pic>
+        <p:nvPicPr>
+          <p:cNvPr id="12" name="Picture 11"/>
+          <p:cNvPicPr>
+            <a:picLocks noChangeAspect="1"/>
+          </p:cNvPicPr>
+          <p:nvPr/>
+        </p:nvPicPr>
+        <p:blipFill>
+          <a:blip r:embed="rId3"/>
+          <a:stretch>
+            <a:fillRect/>
+          </a:stretch>
+        </p:blipFill>
+        <p:spPr>
+          <a:xfrm>
+            <a:off x="814388" y="2036399"/>
+            <a:ext cx="5229225" cy="714375"/>
+          </a:xfrm>
+          <a:prstGeom prst="rect">
+            <a:avLst/>
+          </a:prstGeom>
+        </p:spPr>
+      </p:pic>
+      <p:sp>
+        <p:nvSpPr>
+          <p:cNvPr id="2" name="Title 1"/>
+          <p:cNvSpPr>
+            <a:spLocks noGrp="1"/>
+          </p:cNvSpPr>
+          <p:nvPr>
+            <p:ph type="title"/>
+          </p:nvPr>
+        </p:nvSpPr>
+        <p:spPr/>
+        <p:txBody>
+          <a:bodyPr/>
+          <a:lstStyle/>
+          <a:p>
+            <a:r>
+              <a:rPr lang="en-US" dirty="0" smtClean="0"/>
+              <a:t>Working with Date Fields</a:t>
+            </a:r>
+            <a:endParaRPr lang="en-US" dirty="0"/>
+          </a:p>
+        </p:txBody>
+      </p:sp>
+      <p:sp>
+        <p:nvSpPr>
+          <p:cNvPr id="3" name="Text Placeholder 2"/>
+          <p:cNvSpPr>
+            <a:spLocks noGrp="1"/>
+          </p:cNvSpPr>
+          <p:nvPr>
+            <p:ph type="body" idx="1"/>
+          </p:nvPr>
+        </p:nvSpPr>
+        <p:spPr/>
+        <p:txBody>
+          <a:bodyPr/>
+          <a:lstStyle/>
+          <a:p>
+            <a:pPr marL="0" indent="0">
+              <a:buNone/>
+            </a:pPr>
+            <a:r>
+              <a:rPr lang="en-US" dirty="0" smtClean="0"/>
+              <a:t>Using Date in HTML – Option 1</a:t>
+            </a:r>
+            <a:endParaRPr lang="en-US" dirty="0"/>
+          </a:p>
+        </p:txBody>
+      </p:sp>
+      <p:cxnSp>
+        <p:nvCxnSpPr>
+          <p:cNvPr id="5" name="Straight Arrow Connector 4"/>
+          <p:cNvCxnSpPr/>
+          <p:nvPr/>
+        </p:nvCxnSpPr>
+        <p:spPr bwMode="auto">
+          <a:xfrm flipH="1">
+            <a:off x="2514600" y="1894159"/>
+            <a:ext cx="3886200" cy="215241"/>
+          </a:xfrm>
+          <a:prstGeom prst="straightConnector1">
+            <a:avLst/>
+          </a:prstGeom>
+          <a:ln w="63500">
+            <a:solidFill>
+              <a:schemeClr val="tx1"/>
+            </a:solidFill>
+            <a:headEnd type="none" w="med" len="med"/>
+            <a:tailEnd type="triangle"/>
+          </a:ln>
+        </p:spPr>
+        <p:style>
+          <a:lnRef idx="1">
+            <a:schemeClr val="accent2"/>
+          </a:lnRef>
+          <a:fillRef idx="0">
+            <a:schemeClr val="accent2"/>
+          </a:fillRef>
+          <a:effectRef idx="0">
+            <a:schemeClr val="accent2"/>
+          </a:effectRef>
+          <a:fontRef idx="minor">
+            <a:schemeClr val="tx1"/>
+          </a:fontRef>
+        </p:style>
+      </p:cxnSp>
+      <p:sp>
+        <p:nvSpPr>
+          <p:cNvPr id="6" name="TextBox 5"/>
+          <p:cNvSpPr txBox="1"/>
+          <p:nvPr/>
+        </p:nvSpPr>
+        <p:spPr bwMode="auto">
+          <a:xfrm>
+            <a:off x="6400800" y="1677227"/>
+            <a:ext cx="2743200" cy="646331"/>
+          </a:xfrm>
+          <a:prstGeom prst="rect">
+            <a:avLst/>
+          </a:prstGeom>
+          <a:noFill/>
+          <a:ln w="9525">
+            <a:noFill/>
+            <a:miter lim="800000"/>
+            <a:headEnd/>
+            <a:tailEnd/>
+          </a:ln>
+        </p:spPr>
+        <p:txBody>
+          <a:bodyPr wrap="square" rtlCol="0">
+            <a:spAutoFit/>
+          </a:bodyPr>
+          <a:lstStyle/>
+          <a:p>
+            <a:r>
+              <a:rPr lang="en-US" dirty="0" smtClean="0">
+                <a:latin typeface="+mj-lt"/>
+              </a:rPr>
+              <a:t>Input control w/ a type of</a:t>
+            </a:r>
+          </a:p>
+          <a:p>
+            <a:r>
+              <a:rPr lang="en-US" dirty="0" smtClean="0">
+                <a:latin typeface="+mj-lt"/>
+              </a:rPr>
+              <a:t>Date</a:t>
+            </a:r>
+            <a:endParaRPr lang="en-US" dirty="0" smtClean="0">
+              <a:latin typeface="+mj-lt"/>
+            </a:endParaRPr>
+          </a:p>
+        </p:txBody>
+      </p:sp>
+      <p:cxnSp>
+        <p:nvCxnSpPr>
+          <p:cNvPr id="9" name="Straight Arrow Connector 8"/>
+          <p:cNvCxnSpPr/>
+          <p:nvPr/>
+        </p:nvCxnSpPr>
+        <p:spPr bwMode="auto">
+          <a:xfrm flipH="1" flipV="1">
+            <a:off x="3657600" y="2628358"/>
+            <a:ext cx="2743200" cy="542693"/>
+          </a:xfrm>
+          <a:prstGeom prst="straightConnector1">
+            <a:avLst/>
+          </a:prstGeom>
+          <a:ln w="63500">
+            <a:solidFill>
+              <a:schemeClr val="tx1"/>
+            </a:solidFill>
+            <a:headEnd type="none" w="med" len="med"/>
+            <a:tailEnd type="triangle"/>
+          </a:ln>
+        </p:spPr>
+        <p:style>
+          <a:lnRef idx="1">
+            <a:schemeClr val="accent2"/>
+          </a:lnRef>
+          <a:fillRef idx="0">
+            <a:schemeClr val="accent2"/>
+          </a:fillRef>
+          <a:effectRef idx="0">
+            <a:schemeClr val="accent2"/>
+          </a:effectRef>
+          <a:fontRef idx="minor">
+            <a:schemeClr val="tx1"/>
+          </a:fontRef>
+        </p:style>
+      </p:cxnSp>
+      <p:sp>
+        <p:nvSpPr>
+          <p:cNvPr id="10" name="TextBox 9"/>
+          <p:cNvSpPr txBox="1"/>
+          <p:nvPr/>
+        </p:nvSpPr>
+        <p:spPr bwMode="auto">
+          <a:xfrm>
+            <a:off x="6400800" y="2954119"/>
+            <a:ext cx="2743200" cy="646331"/>
+          </a:xfrm>
+          <a:prstGeom prst="rect">
+            <a:avLst/>
+          </a:prstGeom>
+          <a:noFill/>
+          <a:ln w="9525">
+            <a:noFill/>
+            <a:miter lim="800000"/>
+            <a:headEnd/>
+            <a:tailEnd/>
+          </a:ln>
+        </p:spPr>
+        <p:txBody>
+          <a:bodyPr wrap="square" rtlCol="0">
+            <a:spAutoFit/>
+          </a:bodyPr>
+          <a:lstStyle/>
+          <a:p>
+            <a:r>
+              <a:rPr lang="en-US" dirty="0" smtClean="0">
+                <a:latin typeface="+mj-lt"/>
+              </a:rPr>
+              <a:t>Bind to the </a:t>
+            </a:r>
+            <a:r>
+              <a:rPr lang="en-US" dirty="0" err="1" smtClean="0">
+                <a:latin typeface="+mj-lt"/>
+              </a:rPr>
+              <a:t>DueDate</a:t>
+            </a:r>
+            <a:endParaRPr lang="en-US" dirty="0" smtClean="0">
+              <a:latin typeface="+mj-lt"/>
+            </a:endParaRPr>
+          </a:p>
+          <a:p>
+            <a:r>
+              <a:rPr lang="en-US" dirty="0" smtClean="0">
+                <a:latin typeface="+mj-lt"/>
+              </a:rPr>
+              <a:t>on the View Model</a:t>
+            </a:r>
+            <a:endParaRPr lang="en-US" dirty="0" smtClean="0">
+              <a:latin typeface="+mj-lt"/>
+            </a:endParaRPr>
+          </a:p>
+        </p:txBody>
+      </p:sp>
+      <p:sp>
+        <p:nvSpPr>
+          <p:cNvPr id="15" name="TextBox 14"/>
+          <p:cNvSpPr txBox="1"/>
+          <p:nvPr/>
+        </p:nvSpPr>
+        <p:spPr bwMode="auto">
+          <a:xfrm>
+            <a:off x="45720" y="4572000"/>
+            <a:ext cx="9067800" cy="646331"/>
+          </a:xfrm>
+          <a:prstGeom prst="rect">
+            <a:avLst/>
+          </a:prstGeom>
+          <a:noFill/>
+          <a:ln w="9525">
+            <a:noFill/>
+            <a:miter lim="800000"/>
+            <a:headEnd/>
+            <a:tailEnd/>
+          </a:ln>
+        </p:spPr>
+        <p:txBody>
+          <a:bodyPr wrap="square" rtlCol="0">
+            <a:spAutoFit/>
+          </a:bodyPr>
+          <a:lstStyle/>
+          <a:p>
+            <a:pPr algn="ctr"/>
+            <a:r>
+              <a:rPr lang="en-US" dirty="0" smtClean="0">
+                <a:solidFill>
+                  <a:srgbClr val="FF0000"/>
+                </a:solidFill>
+                <a:latin typeface="+mj-lt"/>
+              </a:rPr>
+              <a:t>Input type=“Date” is a new HTML 5 standard and is not supported in IE or Firefox</a:t>
+            </a:r>
+          </a:p>
+          <a:p>
+            <a:pPr algn="ctr"/>
+            <a:r>
+              <a:rPr lang="en-US" dirty="0" smtClean="0">
+                <a:solidFill>
+                  <a:srgbClr val="FF0000"/>
+                </a:solidFill>
+                <a:latin typeface="+mj-lt"/>
+              </a:rPr>
+              <a:t>as well as in older browsers</a:t>
+            </a:r>
+            <a:endParaRPr lang="en-US" dirty="0" smtClean="0">
+              <a:solidFill>
+                <a:srgbClr val="FF0000"/>
+              </a:solidFill>
+              <a:latin typeface="+mj-lt"/>
+            </a:endParaRPr>
+          </a:p>
+        </p:txBody>
+      </p:sp>
+      <p:pic>
+        <p:nvPicPr>
+          <p:cNvPr id="16" name="Picture 15"/>
+          <p:cNvPicPr>
+            <a:picLocks noChangeAspect="1"/>
+          </p:cNvPicPr>
+          <p:nvPr/>
+        </p:nvPicPr>
+        <p:blipFill>
+          <a:blip r:embed="rId4"/>
+          <a:stretch>
+            <a:fillRect/>
+          </a:stretch>
+        </p:blipFill>
+        <p:spPr>
+          <a:xfrm>
+            <a:off x="2652713" y="5218331"/>
+            <a:ext cx="3390900" cy="533400"/>
+          </a:xfrm>
+          <a:prstGeom prst="rect">
+            <a:avLst/>
+          </a:prstGeom>
+        </p:spPr>
+      </p:pic>
+    </p:spTree>
+    <p:extLst>
+      <p:ext uri="{BB962C8B-B14F-4D97-AF65-F5344CB8AC3E}">
+        <p14:creationId xmlns:p14="http://schemas.microsoft.com/office/powerpoint/2010/main" val="3312552709"/>
+      </p:ext>
+    </p:extLst>
+  </p:cSld>
+  <p:clrMapOvr>
+    <a:masterClrMapping/>
+  </p:clrMapOvr>
+  <p:transition>
+    <p:fade/>
+  </p:transition>
+  <p:timing>
+    <p:tnLst>
+      <p:par>
+        <p:cTn id="1" dur="indefinite" restart="never" nodeType="tmRoot">
+          <p:childTnLst>
+            <p:seq concurrent="1" nextAc="seek">
+              <p:cTn id="2" dur="indefinite" nodeType="mainSeq">
+                <p:childTnLst>
+                  <p:par>
+                    <p:cTn id="3" fill="hold">
+                      <p:stCondLst>
+                        <p:cond delay="indefinite"/>
+                        <p:cond evt="onBegin" delay="0">
+                          <p:tn val="2"/>
+                        </p:cond>
+                      </p:stCondLst>
+                      <p:childTnLst>
+                        <p:par>
+                          <p:cTn id="4" fill="hold">
+                            <p:stCondLst>
+                              <p:cond delay="0"/>
+                            </p:stCondLst>
+                            <p:childTnLst>
+                              <p:par>
+                                <p:cTn id="5" presetID="1" presetClass="entr" presetSubtype="0" fill="hold" grpId="0" nodeType="withEffect">
+                                  <p:stCondLst>
+                                    <p:cond delay="0"/>
+                                  </p:stCondLst>
+                                  <p:childTnLst>
+                                    <p:set>
+                                      <p:cBhvr>
+                                        <p:cTn id="6" dur="1" fill="hold">
+                                          <p:stCondLst>
+                                            <p:cond delay="0"/>
+                                          </p:stCondLst>
+                                        </p:cTn>
+                                        <p:tgtEl>
+                                          <p:spTgt spid="3">
+                                            <p:txEl>
+                                              <p:pRg st="0" end="0"/>
+                                            </p:txEl>
+                                          </p:spTgt>
+                                        </p:tgtEl>
+                                        <p:attrNameLst>
+                                          <p:attrName>style.visibility</p:attrName>
+                                        </p:attrNameLst>
+                                      </p:cBhvr>
+                                      <p:to>
+                                        <p:strVal val="visible"/>
+                                      </p:to>
+                                    </p:set>
+                                  </p:childTnLst>
+                                </p:cTn>
+                              </p:par>
+                              <p:par>
+                                <p:cTn id="7" presetID="1" presetClass="entr" presetSubtype="0" fill="hold" nodeType="withEffect">
+                                  <p:stCondLst>
+                                    <p:cond delay="0"/>
+                                  </p:stCondLst>
+                                  <p:childTnLst>
+                                    <p:set>
+                                      <p:cBhvr>
+                                        <p:cTn id="8" dur="1" fill="hold">
+                                          <p:stCondLst>
+                                            <p:cond delay="0"/>
+                                          </p:stCondLst>
+                                        </p:cTn>
+                                        <p:tgtEl>
+                                          <p:spTgt spid="12"/>
+                                        </p:tgtEl>
+                                        <p:attrNameLst>
+                                          <p:attrName>style.visibility</p:attrName>
+                                        </p:attrNameLst>
+                                      </p:cBhvr>
+                                      <p:to>
+                                        <p:strVal val="visible"/>
+                                      </p:to>
+                                    </p:set>
+                                  </p:childTnLst>
+                                </p:cTn>
+                              </p:par>
+                            </p:childTnLst>
+                          </p:cTn>
+                        </p:par>
+                      </p:childTnLst>
+                    </p:cTn>
+                  </p:par>
+                  <p:par>
+                    <p:cTn id="9" fill="hold">
+                      <p:stCondLst>
+                        <p:cond delay="indefinite"/>
+                      </p:stCondLst>
+                      <p:childTnLst>
+                        <p:par>
+                          <p:cTn id="10" fill="hold">
+                            <p:stCondLst>
+                              <p:cond delay="0"/>
+                            </p:stCondLst>
+                            <p:childTnLst>
+                              <p:par>
+                                <p:cTn id="11" presetID="1" presetClass="entr" presetSubtype="0" fill="hold" nodeType="clickEffect">
+                                  <p:stCondLst>
+                                    <p:cond delay="0"/>
+                                  </p:stCondLst>
+                                  <p:childTnLst>
+                                    <p:set>
+                                      <p:cBhvr>
+                                        <p:cTn id="12" dur="1" fill="hold">
+                                          <p:stCondLst>
+                                            <p:cond delay="0"/>
+                                          </p:stCondLst>
+                                        </p:cTn>
+                                        <p:tgtEl>
+                                          <p:spTgt spid="5"/>
+                                        </p:tgtEl>
+                                        <p:attrNameLst>
+                                          <p:attrName>style.visibility</p:attrName>
+                                        </p:attrNameLst>
+                                      </p:cBhvr>
+                                      <p:to>
+                                        <p:strVal val="visible"/>
+                                      </p:to>
+                                    </p:set>
+                                  </p:childTnLst>
+                                </p:cTn>
+                              </p:par>
+                              <p:par>
+                                <p:cTn id="13" presetID="1" presetClass="entr" presetSubtype="0" fill="hold" grpId="0" nodeType="withEffect">
+                                  <p:stCondLst>
+                                    <p:cond delay="0"/>
+                                  </p:stCondLst>
+                                  <p:childTnLst>
+                                    <p:set>
+                                      <p:cBhvr>
+                                        <p:cTn id="14" dur="1" fill="hold">
+                                          <p:stCondLst>
+                                            <p:cond delay="0"/>
+                                          </p:stCondLst>
+                                        </p:cTn>
+                                        <p:tgtEl>
+                                          <p:spTgt spid="6"/>
+                                        </p:tgtEl>
+                                        <p:attrNameLst>
+                                          <p:attrName>style.visibility</p:attrName>
+                                        </p:attrNameLst>
+                                      </p:cBhvr>
+                                      <p:to>
+                                        <p:strVal val="visible"/>
+                                      </p:to>
+                                    </p:set>
+                                  </p:childTnLst>
+                                </p:cTn>
+                              </p:par>
+                            </p:childTnLst>
+                          </p:cTn>
+                        </p:par>
+                      </p:childTnLst>
+                    </p:cTn>
+                  </p:par>
+                  <p:par>
+                    <p:cTn id="15" fill="hold">
+                      <p:stCondLst>
+                        <p:cond delay="indefinite"/>
+                      </p:stCondLst>
+                      <p:childTnLst>
+                        <p:par>
+                          <p:cTn id="16" fill="hold">
+                            <p:stCondLst>
+                              <p:cond delay="0"/>
+                            </p:stCondLst>
+                            <p:childTnLst>
+                              <p:par>
+                                <p:cTn id="17" presetID="1" presetClass="entr" presetSubtype="0" fill="hold" nodeType="clickEffect">
+                                  <p:stCondLst>
+                                    <p:cond delay="0"/>
+                                  </p:stCondLst>
+                                  <p:childTnLst>
+                                    <p:set>
+                                      <p:cBhvr>
+                                        <p:cTn id="18" dur="1" fill="hold">
+                                          <p:stCondLst>
+                                            <p:cond delay="0"/>
+                                          </p:stCondLst>
+                                        </p:cTn>
+                                        <p:tgtEl>
+                                          <p:spTgt spid="9"/>
+                                        </p:tgtEl>
+                                        <p:attrNameLst>
+                                          <p:attrName>style.visibility</p:attrName>
+                                        </p:attrNameLst>
+                                      </p:cBhvr>
+                                      <p:to>
+                                        <p:strVal val="visible"/>
+                                      </p:to>
+                                    </p:set>
+                                  </p:childTnLst>
+                                </p:cTn>
+                              </p:par>
+                              <p:par>
+                                <p:cTn id="19" presetID="1" presetClass="entr" presetSubtype="0" fill="hold" grpId="0" nodeType="withEffect">
+                                  <p:stCondLst>
+                                    <p:cond delay="0"/>
+                                  </p:stCondLst>
+                                  <p:childTnLst>
+                                    <p:set>
+                                      <p:cBhvr>
+                                        <p:cTn id="20" dur="1" fill="hold">
+                                          <p:stCondLst>
+                                            <p:cond delay="0"/>
+                                          </p:stCondLst>
+                                        </p:cTn>
+                                        <p:tgtEl>
+                                          <p:spTgt spid="10"/>
+                                        </p:tgtEl>
+                                        <p:attrNameLst>
+                                          <p:attrName>style.visibility</p:attrName>
+                                        </p:attrNameLst>
+                                      </p:cBhvr>
+                                      <p:to>
+                                        <p:strVal val="visible"/>
+                                      </p:to>
+                                    </p:set>
+                                  </p:childTnLst>
+                                </p:cTn>
+                              </p:par>
+                            </p:childTnLst>
+                          </p:cTn>
+                        </p:par>
+                      </p:childTnLst>
+                    </p:cTn>
+                  </p:par>
+                  <p:par>
+                    <p:cTn id="21" fill="hold">
+                      <p:stCondLst>
+                        <p:cond delay="indefinite"/>
+                      </p:stCondLst>
+                      <p:childTnLst>
+                        <p:par>
+                          <p:cTn id="22" fill="hold">
+                            <p:stCondLst>
+                              <p:cond delay="0"/>
+                            </p:stCondLst>
+                            <p:childTnLst>
+                              <p:par>
+                                <p:cTn id="23" presetID="1" presetClass="entr" presetSubtype="0" fill="hold" grpId="0" nodeType="clickEffect">
+                                  <p:stCondLst>
+                                    <p:cond delay="0"/>
+                                  </p:stCondLst>
+                                  <p:childTnLst>
+                                    <p:set>
+                                      <p:cBhvr>
+                                        <p:cTn id="24" dur="1" fill="hold">
+                                          <p:stCondLst>
+                                            <p:cond delay="0"/>
+                                          </p:stCondLst>
+                                        </p:cTn>
+                                        <p:tgtEl>
+                                          <p:spTgt spid="15"/>
+                                        </p:tgtEl>
+                                        <p:attrNameLst>
+                                          <p:attrName>style.visibility</p:attrName>
+                                        </p:attrNameLst>
+                                      </p:cBhvr>
+                                      <p:to>
+                                        <p:strVal val="visible"/>
+                                      </p:to>
+                                    </p:set>
+                                  </p:childTnLst>
+                                </p:cTn>
+                              </p:par>
+                              <p:par>
+                                <p:cTn id="25" presetID="1" presetClass="entr" presetSubtype="0" fill="hold" nodeType="withEffect">
+                                  <p:stCondLst>
+                                    <p:cond delay="0"/>
+                                  </p:stCondLst>
+                                  <p:childTnLst>
+                                    <p:set>
+                                      <p:cBhvr>
+                                        <p:cTn id="26" dur="1" fill="hold">
+                                          <p:stCondLst>
+                                            <p:cond delay="0"/>
+                                          </p:stCondLst>
+                                        </p:cTn>
+                                        <p:tgtEl>
+                                          <p:spTgt spid="16"/>
+                                        </p:tgtEl>
+                                        <p:attrNameLst>
+                                          <p:attrName>style.visibility</p:attrName>
+                                        </p:attrNameLst>
+                                      </p:cBhvr>
+                                      <p:to>
+                                        <p:strVal val="visible"/>
+                                      </p:to>
+                                    </p:set>
+                                  </p:childTnLst>
+                                </p:cTn>
+                              </p:par>
+                            </p:childTnLst>
+                          </p:cTn>
+                        </p:par>
+                      </p:childTnLst>
+                    </p:cTn>
+                  </p:par>
+                </p:childTnLst>
+              </p:cTn>
+              <p:prevCondLst>
+                <p:cond evt="onPrev" delay="0">
+                  <p:tgtEl>
+                    <p:sldTgt/>
+                  </p:tgtEl>
+                </p:cond>
+              </p:prevCondLst>
+              <p:nextCondLst>
+                <p:cond evt="onNext" delay="0">
+                  <p:tgtEl>
+                    <p:sldTgt/>
+                  </p:tgtEl>
+                </p:cond>
+              </p:nextCondLst>
+            </p:seq>
+          </p:childTnLst>
+        </p:cTn>
+      </p:par>
+    </p:tnLst>
+    <p:bldLst>
+      <p:bldP spid="3" grpId="0" build="p"/>
+      <p:bldP spid="6" grpId="0"/>
+      <p:bldP spid="10" grpId="0"/>
+      <p:bldP spid="15" grpId="0"/>
+    </p:bldLst>
+  </p:timing>
+</p:sld>
+</file>
+
+<file path=ppt/slides/slide21.xml><?xml version="1.0" encoding="utf-8"?>
+<p:sld xmlns:a="http://schemas.openxmlformats.org/drawingml/2006/main" xmlns:r="http://schemas.openxmlformats.org/officeDocument/2006/relationships" xmlns:p="http://schemas.openxmlformats.org/presentationml/2006/main">
+  <p:cSld>
+    <p:spTree>
+      <p:nvGrpSpPr>
+        <p:cNvPr id="1" name=""/>
+        <p:cNvGrpSpPr/>
+        <p:nvPr/>
+      </p:nvGrpSpPr>
+      <p:grpSpPr>
+        <a:xfrm>
+          <a:off x="0" y="0"/>
+          <a:ext cx="0" cy="0"/>
+          <a:chOff x="0" y="0"/>
+          <a:chExt cx="0" cy="0"/>
+        </a:xfrm>
+      </p:grpSpPr>
+      <p:pic>
+        <p:nvPicPr>
+          <p:cNvPr id="4" name="Picture 3"/>
+          <p:cNvPicPr>
+            <a:picLocks noChangeAspect="1"/>
+          </p:cNvPicPr>
+          <p:nvPr/>
+        </p:nvPicPr>
+        <p:blipFill>
+          <a:blip r:embed="rId3"/>
+          <a:stretch>
+            <a:fillRect/>
+          </a:stretch>
+        </p:blipFill>
+        <p:spPr>
+          <a:xfrm>
+            <a:off x="885825" y="2079884"/>
+            <a:ext cx="5286375" cy="571500"/>
+          </a:xfrm>
+          <a:prstGeom prst="rect">
+            <a:avLst/>
+          </a:prstGeom>
+        </p:spPr>
+      </p:pic>
+      <p:sp>
+        <p:nvSpPr>
+          <p:cNvPr id="2" name="Title 1"/>
+          <p:cNvSpPr>
+            <a:spLocks noGrp="1"/>
+          </p:cNvSpPr>
+          <p:nvPr>
+            <p:ph type="title"/>
+          </p:nvPr>
+        </p:nvSpPr>
+        <p:spPr/>
+        <p:txBody>
+          <a:bodyPr/>
+          <a:lstStyle/>
+          <a:p>
+            <a:r>
+              <a:rPr lang="en-US" dirty="0" smtClean="0"/>
+              <a:t>Working with Date Fields</a:t>
+            </a:r>
+            <a:endParaRPr lang="en-US" dirty="0"/>
+          </a:p>
+        </p:txBody>
+      </p:sp>
+      <p:sp>
+        <p:nvSpPr>
+          <p:cNvPr id="3" name="Text Placeholder 2"/>
+          <p:cNvSpPr>
+            <a:spLocks noGrp="1"/>
+          </p:cNvSpPr>
+          <p:nvPr>
+            <p:ph type="body" idx="1"/>
+          </p:nvPr>
+        </p:nvSpPr>
+        <p:spPr/>
+        <p:txBody>
+          <a:bodyPr/>
+          <a:lstStyle/>
+          <a:p>
+            <a:pPr marL="0" indent="0">
+              <a:buNone/>
+            </a:pPr>
+            <a:r>
+              <a:rPr lang="en-US" dirty="0" smtClean="0"/>
+              <a:t>Using Date in HTML – Option 2</a:t>
+            </a:r>
+            <a:endParaRPr lang="en-US" dirty="0"/>
+          </a:p>
+        </p:txBody>
+      </p:sp>
+      <p:cxnSp>
+        <p:nvCxnSpPr>
+          <p:cNvPr id="5" name="Straight Arrow Connector 4"/>
+          <p:cNvCxnSpPr/>
+          <p:nvPr/>
+        </p:nvCxnSpPr>
+        <p:spPr bwMode="auto">
+          <a:xfrm flipH="1">
+            <a:off x="2514600" y="1894159"/>
+            <a:ext cx="3886200" cy="215241"/>
+          </a:xfrm>
+          <a:prstGeom prst="straightConnector1">
+            <a:avLst/>
+          </a:prstGeom>
+          <a:ln w="63500">
+            <a:solidFill>
+              <a:schemeClr val="tx1"/>
+            </a:solidFill>
+            <a:headEnd type="none" w="med" len="med"/>
+            <a:tailEnd type="triangle"/>
+          </a:ln>
+        </p:spPr>
+        <p:style>
+          <a:lnRef idx="1">
+            <a:schemeClr val="accent2"/>
+          </a:lnRef>
+          <a:fillRef idx="0">
+            <a:schemeClr val="accent2"/>
+          </a:fillRef>
+          <a:effectRef idx="0">
+            <a:schemeClr val="accent2"/>
+          </a:effectRef>
+          <a:fontRef idx="minor">
+            <a:schemeClr val="tx1"/>
+          </a:fontRef>
+        </p:style>
+      </p:cxnSp>
+      <p:sp>
+        <p:nvSpPr>
+          <p:cNvPr id="6" name="TextBox 5"/>
+          <p:cNvSpPr txBox="1"/>
+          <p:nvPr/>
+        </p:nvSpPr>
+        <p:spPr bwMode="auto">
+          <a:xfrm>
+            <a:off x="6400800" y="1677227"/>
+            <a:ext cx="2743200" cy="646331"/>
+          </a:xfrm>
+          <a:prstGeom prst="rect">
+            <a:avLst/>
+          </a:prstGeom>
+          <a:noFill/>
+          <a:ln w="9525">
+            <a:noFill/>
+            <a:miter lim="800000"/>
+            <a:headEnd/>
+            <a:tailEnd/>
+          </a:ln>
+        </p:spPr>
+        <p:txBody>
+          <a:bodyPr wrap="square" rtlCol="0">
+            <a:spAutoFit/>
+          </a:bodyPr>
+          <a:lstStyle/>
+          <a:p>
+            <a:r>
+              <a:rPr lang="en-US" dirty="0" smtClean="0">
+                <a:latin typeface="+mj-lt"/>
+              </a:rPr>
+              <a:t>Input control w/ a type of</a:t>
+            </a:r>
+          </a:p>
+          <a:p>
+            <a:r>
+              <a:rPr lang="en-US" dirty="0" smtClean="0">
+                <a:latin typeface="+mj-lt"/>
+              </a:rPr>
+              <a:t>Text, the default</a:t>
+            </a:r>
+            <a:endParaRPr lang="en-US" dirty="0" smtClean="0">
+              <a:latin typeface="+mj-lt"/>
+            </a:endParaRPr>
+          </a:p>
+        </p:txBody>
+      </p:sp>
+      <p:cxnSp>
+        <p:nvCxnSpPr>
+          <p:cNvPr id="9" name="Straight Arrow Connector 8"/>
+          <p:cNvCxnSpPr/>
+          <p:nvPr/>
+        </p:nvCxnSpPr>
+        <p:spPr bwMode="auto">
+          <a:xfrm flipH="1" flipV="1">
+            <a:off x="3657600" y="2628358"/>
+            <a:ext cx="2743200" cy="542693"/>
+          </a:xfrm>
+          <a:prstGeom prst="straightConnector1">
+            <a:avLst/>
+          </a:prstGeom>
+          <a:ln w="63500">
+            <a:solidFill>
+              <a:schemeClr val="tx1"/>
+            </a:solidFill>
+            <a:headEnd type="none" w="med" len="med"/>
+            <a:tailEnd type="triangle"/>
+          </a:ln>
+        </p:spPr>
+        <p:style>
+          <a:lnRef idx="1">
+            <a:schemeClr val="accent2"/>
+          </a:lnRef>
+          <a:fillRef idx="0">
+            <a:schemeClr val="accent2"/>
+          </a:fillRef>
+          <a:effectRef idx="0">
+            <a:schemeClr val="accent2"/>
+          </a:effectRef>
+          <a:fontRef idx="minor">
+            <a:schemeClr val="tx1"/>
+          </a:fontRef>
+        </p:style>
+      </p:cxnSp>
+      <p:sp>
+        <p:nvSpPr>
+          <p:cNvPr id="10" name="TextBox 9"/>
+          <p:cNvSpPr txBox="1"/>
+          <p:nvPr/>
+        </p:nvSpPr>
+        <p:spPr bwMode="auto">
+          <a:xfrm>
+            <a:off x="6400800" y="2954119"/>
+            <a:ext cx="2743200" cy="646331"/>
+          </a:xfrm>
+          <a:prstGeom prst="rect">
+            <a:avLst/>
+          </a:prstGeom>
+          <a:noFill/>
+          <a:ln w="9525">
+            <a:noFill/>
+            <a:miter lim="800000"/>
+            <a:headEnd/>
+            <a:tailEnd/>
+          </a:ln>
+        </p:spPr>
+        <p:txBody>
+          <a:bodyPr wrap="square" rtlCol="0">
+            <a:spAutoFit/>
+          </a:bodyPr>
+          <a:lstStyle/>
+          <a:p>
+            <a:r>
+              <a:rPr lang="en-US" dirty="0" smtClean="0">
+                <a:latin typeface="+mj-lt"/>
+              </a:rPr>
+              <a:t>Bind to the </a:t>
+            </a:r>
+            <a:r>
+              <a:rPr lang="en-US" dirty="0" err="1" smtClean="0">
+                <a:latin typeface="+mj-lt"/>
+              </a:rPr>
+              <a:t>DueDate</a:t>
+            </a:r>
+            <a:endParaRPr lang="en-US" dirty="0" smtClean="0">
+              <a:latin typeface="+mj-lt"/>
+            </a:endParaRPr>
+          </a:p>
+          <a:p>
+            <a:r>
+              <a:rPr lang="en-US" dirty="0" smtClean="0">
+                <a:latin typeface="+mj-lt"/>
+              </a:rPr>
+              <a:t>on the View Model</a:t>
+            </a:r>
+            <a:endParaRPr lang="en-US" dirty="0" smtClean="0">
+              <a:latin typeface="+mj-lt"/>
+            </a:endParaRPr>
+          </a:p>
+        </p:txBody>
+      </p:sp>
+      <p:pic>
+        <p:nvPicPr>
+          <p:cNvPr id="7" name="Picture 6"/>
+          <p:cNvPicPr>
+            <a:picLocks noChangeAspect="1"/>
+          </p:cNvPicPr>
+          <p:nvPr/>
+        </p:nvPicPr>
+        <p:blipFill>
+          <a:blip r:embed="rId4"/>
+          <a:stretch>
+            <a:fillRect/>
+          </a:stretch>
+        </p:blipFill>
+        <p:spPr>
+          <a:xfrm>
+            <a:off x="885825" y="3790950"/>
+            <a:ext cx="3067050" cy="628650"/>
+          </a:xfrm>
+          <a:prstGeom prst="rect">
+            <a:avLst/>
+          </a:prstGeom>
+        </p:spPr>
+      </p:pic>
+      <p:cxnSp>
+        <p:nvCxnSpPr>
+          <p:cNvPr id="13" name="Straight Arrow Connector 12"/>
+          <p:cNvCxnSpPr>
+            <a:stCxn id="14" idx="1"/>
+          </p:cNvCxnSpPr>
+          <p:nvPr/>
+        </p:nvCxnSpPr>
+        <p:spPr bwMode="auto">
+          <a:xfrm flipH="1">
+            <a:off x="4267200" y="4069693"/>
+            <a:ext cx="2133600" cy="35582"/>
+          </a:xfrm>
+          <a:prstGeom prst="straightConnector1">
+            <a:avLst/>
+          </a:prstGeom>
+          <a:ln w="63500">
+            <a:solidFill>
+              <a:schemeClr val="tx1"/>
+            </a:solidFill>
+            <a:headEnd type="none" w="med" len="med"/>
+            <a:tailEnd type="triangle"/>
+          </a:ln>
+        </p:spPr>
+        <p:style>
+          <a:lnRef idx="1">
+            <a:schemeClr val="accent2"/>
+          </a:lnRef>
+          <a:fillRef idx="0">
+            <a:schemeClr val="accent2"/>
+          </a:fillRef>
+          <a:effectRef idx="0">
+            <a:schemeClr val="accent2"/>
+          </a:effectRef>
+          <a:fontRef idx="minor">
+            <a:schemeClr val="tx1"/>
+          </a:fontRef>
+        </p:style>
+      </p:cxnSp>
+      <p:sp>
+        <p:nvSpPr>
+          <p:cNvPr id="14" name="TextBox 13"/>
+          <p:cNvSpPr txBox="1"/>
+          <p:nvPr/>
+        </p:nvSpPr>
+        <p:spPr bwMode="auto">
+          <a:xfrm>
+            <a:off x="6400800" y="3746527"/>
+            <a:ext cx="2743200" cy="646331"/>
+          </a:xfrm>
+          <a:prstGeom prst="rect">
+            <a:avLst/>
+          </a:prstGeom>
+          <a:noFill/>
+          <a:ln w="9525">
+            <a:noFill/>
+            <a:miter lim="800000"/>
+            <a:headEnd/>
+            <a:tailEnd/>
+          </a:ln>
+        </p:spPr>
+        <p:txBody>
+          <a:bodyPr wrap="square" rtlCol="0">
+            <a:spAutoFit/>
+          </a:bodyPr>
+          <a:lstStyle/>
+          <a:p>
+            <a:r>
+              <a:rPr lang="en-US" dirty="0" smtClean="0">
+                <a:latin typeface="+mj-lt"/>
+              </a:rPr>
+              <a:t>Use </a:t>
+            </a:r>
+            <a:r>
+              <a:rPr lang="en-US" dirty="0" err="1" smtClean="0">
+                <a:latin typeface="+mj-lt"/>
+              </a:rPr>
+              <a:t>jQuery</a:t>
+            </a:r>
+            <a:r>
+              <a:rPr lang="en-US" dirty="0" smtClean="0">
+                <a:latin typeface="+mj-lt"/>
+              </a:rPr>
+              <a:t> UI to create and format the date picker</a:t>
+            </a:r>
+            <a:endParaRPr lang="en-US" dirty="0" smtClean="0">
+              <a:latin typeface="+mj-lt"/>
+            </a:endParaRPr>
+          </a:p>
+        </p:txBody>
+      </p:sp>
+      <p:pic>
+        <p:nvPicPr>
+          <p:cNvPr id="16" name="Picture 15"/>
+          <p:cNvPicPr>
+            <a:picLocks noChangeAspect="1"/>
+          </p:cNvPicPr>
+          <p:nvPr/>
+        </p:nvPicPr>
+        <p:blipFill>
+          <a:blip r:embed="rId5"/>
+          <a:stretch>
+            <a:fillRect/>
+          </a:stretch>
+        </p:blipFill>
+        <p:spPr>
+          <a:xfrm>
+            <a:off x="885825" y="4467649"/>
+            <a:ext cx="3267075" cy="2183034"/>
+          </a:xfrm>
+          <a:prstGeom prst="rect">
+            <a:avLst/>
+          </a:prstGeom>
+        </p:spPr>
+      </p:pic>
+      <p:cxnSp>
+        <p:nvCxnSpPr>
+          <p:cNvPr id="18" name="Straight Arrow Connector 17"/>
+          <p:cNvCxnSpPr/>
+          <p:nvPr/>
+        </p:nvCxnSpPr>
+        <p:spPr bwMode="auto">
+          <a:xfrm flipH="1" flipV="1">
+            <a:off x="4267200" y="5503617"/>
+            <a:ext cx="2133600" cy="10584"/>
+          </a:xfrm>
+          <a:prstGeom prst="straightConnector1">
+            <a:avLst/>
+          </a:prstGeom>
+          <a:ln w="63500">
+            <a:solidFill>
+              <a:schemeClr val="tx1"/>
+            </a:solidFill>
+            <a:headEnd type="none" w="med" len="med"/>
+            <a:tailEnd type="triangle"/>
+          </a:ln>
+        </p:spPr>
+        <p:style>
+          <a:lnRef idx="1">
+            <a:schemeClr val="accent2"/>
+          </a:lnRef>
+          <a:fillRef idx="0">
+            <a:schemeClr val="accent2"/>
+          </a:fillRef>
+          <a:effectRef idx="0">
+            <a:schemeClr val="accent2"/>
+          </a:effectRef>
+          <a:fontRef idx="minor">
+            <a:schemeClr val="tx1"/>
+          </a:fontRef>
+        </p:style>
+      </p:cxnSp>
+      <p:sp>
+        <p:nvSpPr>
+          <p:cNvPr id="19" name="TextBox 18"/>
+          <p:cNvSpPr txBox="1"/>
+          <p:nvPr/>
+        </p:nvSpPr>
+        <p:spPr bwMode="auto">
+          <a:xfrm>
+            <a:off x="6400800" y="5325348"/>
+            <a:ext cx="2743200" cy="369332"/>
+          </a:xfrm>
+          <a:prstGeom prst="rect">
+            <a:avLst/>
+          </a:prstGeom>
+          <a:noFill/>
+          <a:ln w="9525">
+            <a:noFill/>
+            <a:miter lim="800000"/>
+            <a:headEnd/>
+            <a:tailEnd/>
+          </a:ln>
+        </p:spPr>
+        <p:txBody>
+          <a:bodyPr wrap="square" rtlCol="0">
+            <a:spAutoFit/>
+          </a:bodyPr>
+          <a:lstStyle/>
+          <a:p>
+            <a:r>
+              <a:rPr lang="en-US" dirty="0" smtClean="0">
+                <a:latin typeface="+mj-lt"/>
+              </a:rPr>
+              <a:t>What the picker looks like</a:t>
+            </a:r>
+            <a:endParaRPr lang="en-US" dirty="0" smtClean="0">
+              <a:latin typeface="+mj-lt"/>
+            </a:endParaRPr>
+          </a:p>
+        </p:txBody>
+      </p:sp>
+    </p:spTree>
+    <p:extLst>
+      <p:ext uri="{BB962C8B-B14F-4D97-AF65-F5344CB8AC3E}">
+        <p14:creationId xmlns:p14="http://schemas.microsoft.com/office/powerpoint/2010/main" val="1094875246"/>
+      </p:ext>
+    </p:extLst>
+  </p:cSld>
+  <p:clrMapOvr>
+    <a:masterClrMapping/>
+  </p:clrMapOvr>
+  <p:transition>
+    <p:fade/>
+  </p:transition>
+  <p:timing>
+    <p:tnLst>
+      <p:par>
+        <p:cTn id="1" dur="indefinite" restart="never" nodeType="tmRoot">
+          <p:childTnLst>
+            <p:seq concurrent="1" nextAc="seek">
+              <p:cTn id="2" dur="indefinite" nodeType="mainSeq">
+                <p:childTnLst>
+                  <p:par>
+                    <p:cTn id="3" fill="hold">
+                      <p:stCondLst>
+                        <p:cond delay="indefinite"/>
+                        <p:cond evt="onBegin" delay="0">
+                          <p:tn val="2"/>
+                        </p:cond>
+                      </p:stCondLst>
+                      <p:childTnLst>
+                        <p:par>
+                          <p:cTn id="4" fill="hold">
+                            <p:stCondLst>
+                              <p:cond delay="0"/>
+                            </p:stCondLst>
+                            <p:childTnLst>
+                              <p:par>
+                                <p:cTn id="5" presetID="1" presetClass="entr" presetSubtype="0" fill="hold" grpId="0" nodeType="withEffect">
+                                  <p:stCondLst>
+                                    <p:cond delay="0"/>
+                                  </p:stCondLst>
+                                  <p:childTnLst>
+                                    <p:set>
+                                      <p:cBhvr>
+                                        <p:cTn id="6" dur="1" fill="hold">
+                                          <p:stCondLst>
+                                            <p:cond delay="0"/>
+                                          </p:stCondLst>
+                                        </p:cTn>
+                                        <p:tgtEl>
+                                          <p:spTgt spid="3">
+                                            <p:txEl>
+                                              <p:pRg st="0" end="0"/>
+                                            </p:txEl>
+                                          </p:spTgt>
+                                        </p:tgtEl>
+                                        <p:attrNameLst>
+                                          <p:attrName>style.visibility</p:attrName>
+                                        </p:attrNameLst>
+                                      </p:cBhvr>
+                                      <p:to>
+                                        <p:strVal val="visible"/>
+                                      </p:to>
+                                    </p:set>
+                                  </p:childTnLst>
+                                </p:cTn>
+                              </p:par>
+                            </p:childTnLst>
+                          </p:cTn>
+                        </p:par>
+                      </p:childTnLst>
+                    </p:cTn>
+                  </p:par>
+                  <p:par>
+                    <p:cTn id="7" fill="hold">
+                      <p:stCondLst>
+                        <p:cond delay="indefinite"/>
+                      </p:stCondLst>
+                      <p:childTnLst>
+                        <p:par>
+                          <p:cTn id="8" fill="hold">
+                            <p:stCondLst>
+                              <p:cond delay="0"/>
+                            </p:stCondLst>
+                            <p:childTnLst>
+                              <p:par>
+                                <p:cTn id="9" presetID="1" presetClass="entr" presetSubtype="0" fill="hold" nodeType="clickEffect">
+                                  <p:stCondLst>
+                                    <p:cond delay="0"/>
+                                  </p:stCondLst>
+                                  <p:childTnLst>
+                                    <p:set>
+                                      <p:cBhvr>
+                                        <p:cTn id="10" dur="1" fill="hold">
+                                          <p:stCondLst>
+                                            <p:cond delay="0"/>
+                                          </p:stCondLst>
+                                        </p:cTn>
+                                        <p:tgtEl>
+                                          <p:spTgt spid="5"/>
+                                        </p:tgtEl>
+                                        <p:attrNameLst>
+                                          <p:attrName>style.visibility</p:attrName>
+                                        </p:attrNameLst>
+                                      </p:cBhvr>
+                                      <p:to>
+                                        <p:strVal val="visible"/>
+                                      </p:to>
+                                    </p:set>
+                                  </p:childTnLst>
+                                </p:cTn>
+                              </p:par>
+                              <p:par>
+                                <p:cTn id="11" presetID="1" presetClass="entr" presetSubtype="0" fill="hold" grpId="0" nodeType="withEffect">
+                                  <p:stCondLst>
+                                    <p:cond delay="0"/>
+                                  </p:stCondLst>
+                                  <p:childTnLst>
+                                    <p:set>
+                                      <p:cBhvr>
+                                        <p:cTn id="12" dur="1" fill="hold">
+                                          <p:stCondLst>
+                                            <p:cond delay="0"/>
+                                          </p:stCondLst>
+                                        </p:cTn>
+                                        <p:tgtEl>
+                                          <p:spTgt spid="6"/>
+                                        </p:tgtEl>
+                                        <p:attrNameLst>
+                                          <p:attrName>style.visibility</p:attrName>
+                                        </p:attrNameLst>
+                                      </p:cBhvr>
+                                      <p:to>
+                                        <p:strVal val="visible"/>
+                                      </p:to>
+                                    </p:set>
+                                  </p:childTnLst>
+                                </p:cTn>
+                              </p:par>
+                            </p:childTnLst>
+                          </p:cTn>
+                        </p:par>
+                      </p:childTnLst>
+                    </p:cTn>
+                  </p:par>
+                  <p:par>
+                    <p:cTn id="13" fill="hold">
+                      <p:stCondLst>
+                        <p:cond delay="indefinite"/>
+                      </p:stCondLst>
+                      <p:childTnLst>
+                        <p:par>
+                          <p:cTn id="14" fill="hold">
+                            <p:stCondLst>
+                              <p:cond delay="0"/>
+                            </p:stCondLst>
+                            <p:childTnLst>
+                              <p:par>
+                                <p:cTn id="15" presetID="1" presetClass="entr" presetSubtype="0" fill="hold" nodeType="clickEffect">
+                                  <p:stCondLst>
+                                    <p:cond delay="0"/>
+                                  </p:stCondLst>
+                                  <p:childTnLst>
+                                    <p:set>
+                                      <p:cBhvr>
+                                        <p:cTn id="16" dur="1" fill="hold">
+                                          <p:stCondLst>
+                                            <p:cond delay="0"/>
+                                          </p:stCondLst>
+                                        </p:cTn>
+                                        <p:tgtEl>
+                                          <p:spTgt spid="9"/>
+                                        </p:tgtEl>
+                                        <p:attrNameLst>
+                                          <p:attrName>style.visibility</p:attrName>
+                                        </p:attrNameLst>
+                                      </p:cBhvr>
+                                      <p:to>
+                                        <p:strVal val="visible"/>
+                                      </p:to>
+                                    </p:set>
+                                  </p:childTnLst>
+                                </p:cTn>
+                              </p:par>
+                              <p:par>
+                                <p:cTn id="17" presetID="1" presetClass="entr" presetSubtype="0" fill="hold" grpId="0" nodeType="withEffect">
+                                  <p:stCondLst>
+                                    <p:cond delay="0"/>
+                                  </p:stCondLst>
+                                  <p:childTnLst>
+                                    <p:set>
+                                      <p:cBhvr>
+                                        <p:cTn id="18" dur="1" fill="hold">
+                                          <p:stCondLst>
+                                            <p:cond delay="0"/>
+                                          </p:stCondLst>
+                                        </p:cTn>
+                                        <p:tgtEl>
+                                          <p:spTgt spid="10"/>
+                                        </p:tgtEl>
+                                        <p:attrNameLst>
+                                          <p:attrName>style.visibility</p:attrName>
+                                        </p:attrNameLst>
+                                      </p:cBhvr>
+                                      <p:to>
+                                        <p:strVal val="visible"/>
+                                      </p:to>
+                                    </p:set>
+                                  </p:childTnLst>
+                                </p:cTn>
+                              </p:par>
+                            </p:childTnLst>
+                          </p:cTn>
+                        </p:par>
+                      </p:childTnLst>
+                    </p:cTn>
+                  </p:par>
+                  <p:par>
+                    <p:cTn id="19" fill="hold">
+                      <p:stCondLst>
+                        <p:cond delay="indefinite"/>
+                      </p:stCondLst>
+                      <p:childTnLst>
+                        <p:par>
+                          <p:cTn id="20" fill="hold">
+                            <p:stCondLst>
+                              <p:cond delay="0"/>
+                            </p:stCondLst>
+                            <p:childTnLst>
+                              <p:par>
+                                <p:cTn id="21" presetID="1" presetClass="entr" presetSubtype="0" fill="hold" nodeType="clickEffect">
+                                  <p:stCondLst>
+                                    <p:cond delay="0"/>
+                                  </p:stCondLst>
+                                  <p:childTnLst>
+                                    <p:set>
+                                      <p:cBhvr>
+                                        <p:cTn id="22" dur="1" fill="hold">
+                                          <p:stCondLst>
+                                            <p:cond delay="0"/>
+                                          </p:stCondLst>
+                                        </p:cTn>
+                                        <p:tgtEl>
+                                          <p:spTgt spid="13"/>
+                                        </p:tgtEl>
+                                        <p:attrNameLst>
+                                          <p:attrName>style.visibility</p:attrName>
+                                        </p:attrNameLst>
+                                      </p:cBhvr>
+                                      <p:to>
+                                        <p:strVal val="visible"/>
+                                      </p:to>
+                                    </p:set>
+                                  </p:childTnLst>
+                                </p:cTn>
+                              </p:par>
+                              <p:par>
+                                <p:cTn id="23" presetID="1" presetClass="entr" presetSubtype="0" fill="hold" grpId="0" nodeType="withEffect">
+                                  <p:stCondLst>
+                                    <p:cond delay="0"/>
+                                  </p:stCondLst>
+                                  <p:childTnLst>
+                                    <p:set>
+                                      <p:cBhvr>
+                                        <p:cTn id="24" dur="1" fill="hold">
+                                          <p:stCondLst>
+                                            <p:cond delay="0"/>
+                                          </p:stCondLst>
+                                        </p:cTn>
+                                        <p:tgtEl>
+                                          <p:spTgt spid="14"/>
+                                        </p:tgtEl>
+                                        <p:attrNameLst>
+                                          <p:attrName>style.visibility</p:attrName>
+                                        </p:attrNameLst>
+                                      </p:cBhvr>
+                                      <p:to>
+                                        <p:strVal val="visible"/>
+                                      </p:to>
+                                    </p:set>
+                                  </p:childTnLst>
+                                </p:cTn>
+                              </p:par>
+                              <p:par>
+                                <p:cTn id="25" presetID="1" presetClass="entr" presetSubtype="0" fill="hold" nodeType="withEffect">
+                                  <p:stCondLst>
+                                    <p:cond delay="0"/>
+                                  </p:stCondLst>
+                                  <p:childTnLst>
+                                    <p:set>
+                                      <p:cBhvr>
+                                        <p:cTn id="26" dur="1" fill="hold">
+                                          <p:stCondLst>
+                                            <p:cond delay="0"/>
+                                          </p:stCondLst>
+                                        </p:cTn>
+                                        <p:tgtEl>
+                                          <p:spTgt spid="7"/>
+                                        </p:tgtEl>
+                                        <p:attrNameLst>
+                                          <p:attrName>style.visibility</p:attrName>
+                                        </p:attrNameLst>
+                                      </p:cBhvr>
+                                      <p:to>
+                                        <p:strVal val="visible"/>
+                                      </p:to>
+                                    </p:set>
+                                  </p:childTnLst>
+                                </p:cTn>
+                              </p:par>
+                            </p:childTnLst>
+                          </p:cTn>
+                        </p:par>
+                      </p:childTnLst>
+                    </p:cTn>
+                  </p:par>
+                  <p:par>
+                    <p:cTn id="27" fill="hold">
+                      <p:stCondLst>
+                        <p:cond delay="indefinite"/>
+                      </p:stCondLst>
+                      <p:childTnLst>
+                        <p:par>
+                          <p:cTn id="28" fill="hold">
+                            <p:stCondLst>
+                              <p:cond delay="0"/>
+                            </p:stCondLst>
+                            <p:childTnLst>
+                              <p:par>
+                                <p:cTn id="29" presetID="1" presetClass="entr" presetSubtype="0" fill="hold" nodeType="clickEffect">
+                                  <p:stCondLst>
+                                    <p:cond delay="0"/>
+                                  </p:stCondLst>
+                                  <p:childTnLst>
+                                    <p:set>
+                                      <p:cBhvr>
+                                        <p:cTn id="30" dur="1" fill="hold">
+                                          <p:stCondLst>
+                                            <p:cond delay="0"/>
+                                          </p:stCondLst>
+                                        </p:cTn>
+                                        <p:tgtEl>
+                                          <p:spTgt spid="18"/>
+                                        </p:tgtEl>
+                                        <p:attrNameLst>
+                                          <p:attrName>style.visibility</p:attrName>
+                                        </p:attrNameLst>
+                                      </p:cBhvr>
+                                      <p:to>
+                                        <p:strVal val="visible"/>
+                                      </p:to>
+                                    </p:set>
+                                  </p:childTnLst>
+                                </p:cTn>
+                              </p:par>
+                              <p:par>
+                                <p:cTn id="31" presetID="1" presetClass="entr" presetSubtype="0" fill="hold" grpId="0" nodeType="withEffect">
+                                  <p:stCondLst>
+                                    <p:cond delay="0"/>
+                                  </p:stCondLst>
+                                  <p:childTnLst>
+                                    <p:set>
+                                      <p:cBhvr>
+                                        <p:cTn id="32" dur="1" fill="hold">
+                                          <p:stCondLst>
+                                            <p:cond delay="0"/>
+                                          </p:stCondLst>
+                                        </p:cTn>
+                                        <p:tgtEl>
+                                          <p:spTgt spid="19"/>
+                                        </p:tgtEl>
+                                        <p:attrNameLst>
+                                          <p:attrName>style.visibility</p:attrName>
+                                        </p:attrNameLst>
+                                      </p:cBhvr>
+                                      <p:to>
+                                        <p:strVal val="visible"/>
+                                      </p:to>
+                                    </p:set>
+                                  </p:childTnLst>
+                                </p:cTn>
+                              </p:par>
+                              <p:par>
+                                <p:cTn id="33" presetID="1" presetClass="entr" presetSubtype="0" fill="hold" nodeType="withEffect">
+                                  <p:stCondLst>
+                                    <p:cond delay="0"/>
+                                  </p:stCondLst>
+                                  <p:childTnLst>
+                                    <p:set>
+                                      <p:cBhvr>
+                                        <p:cTn id="34" dur="1" fill="hold">
+                                          <p:stCondLst>
+                                            <p:cond delay="0"/>
+                                          </p:stCondLst>
+                                        </p:cTn>
+                                        <p:tgtEl>
+                                          <p:spTgt spid="16"/>
+                                        </p:tgtEl>
+                                        <p:attrNameLst>
+                                          <p:attrName>style.visibility</p:attrName>
+                                        </p:attrNameLst>
+                                      </p:cBhvr>
+                                      <p:to>
+                                        <p:strVal val="visible"/>
+                                      </p:to>
+                                    </p:set>
+                                  </p:childTnLst>
+                                </p:cTn>
+                              </p:par>
+                            </p:childTnLst>
+                          </p:cTn>
+                        </p:par>
+                      </p:childTnLst>
+                    </p:cTn>
+                  </p:par>
+                </p:childTnLst>
+              </p:cTn>
+              <p:prevCondLst>
+                <p:cond evt="onPrev" delay="0">
+                  <p:tgtEl>
+                    <p:sldTgt/>
+                  </p:tgtEl>
+                </p:cond>
+              </p:prevCondLst>
+              <p:nextCondLst>
+                <p:cond evt="onNext" delay="0">
+                  <p:tgtEl>
+                    <p:sldTgt/>
+                  </p:tgtEl>
+                </p:cond>
+              </p:nextCondLst>
+            </p:seq>
+          </p:childTnLst>
+        </p:cTn>
+      </p:par>
+    </p:tnLst>
+    <p:bldLst>
+      <p:bldP spid="3" grpId="0" build="p"/>
+      <p:bldP spid="6" grpId="0"/>
+      <p:bldP spid="10" grpId="0"/>
+      <p:bldP spid="14" grpId="0"/>
+      <p:bldP spid="19" grpId="0"/>
+    </p:bldLst>
+  </p:timing>
+</p:sld>
+</file>
+
+<file path=ppt/slides/slide22.xml><?xml version="1.0" encoding="utf-8"?>
 <p:sld xmlns:a="http://schemas.openxmlformats.org/drawingml/2006/main" xmlns:r="http://schemas.openxmlformats.org/officeDocument/2006/relationships" xmlns:p="http://schemas.openxmlformats.org/presentationml/2006/main" show="0">
   <p:cSld>
     <p:bg>
@@ -10937,7 +13152,7 @@
 </p:sld>
 </file>
 
-<file path=ppt/slides/slide21.xml><?xml version="1.0" encoding="utf-8"?>
+<file path=ppt/slides/slide23.xml><?xml version="1.0" encoding="utf-8"?>
 <p:sld xmlns:a="http://schemas.openxmlformats.org/drawingml/2006/main" xmlns:r="http://schemas.openxmlformats.org/officeDocument/2006/relationships" xmlns:p="http://schemas.openxmlformats.org/presentationml/2006/main">
   <p:cSld>
     <p:spTree>
@@ -11060,7 +13275,7 @@
 </p:sld>
 </file>
 
-<file path=ppt/slides/slide22.xml><?xml version="1.0" encoding="utf-8"?>
+<file path=ppt/slides/slide24.xml><?xml version="1.0" encoding="utf-8"?>
 <p:sld xmlns:a="http://schemas.openxmlformats.org/drawingml/2006/main" xmlns:r="http://schemas.openxmlformats.org/officeDocument/2006/relationships" xmlns:p="http://schemas.openxmlformats.org/presentationml/2006/main">
   <p:cSld>
     <p:spTree>
@@ -11748,7 +13963,7 @@
 </p:sld>
 </file>
 
-<file path=ppt/slides/slide23.xml><?xml version="1.0" encoding="utf-8"?>
+<file path=ppt/slides/slide25.xml><?xml version="1.0" encoding="utf-8"?>
 <p:sld xmlns:a="http://schemas.openxmlformats.org/drawingml/2006/main" xmlns:r="http://schemas.openxmlformats.org/officeDocument/2006/relationships" xmlns:p="http://schemas.openxmlformats.org/presentationml/2006/main">
   <p:cSld>
     <p:spTree>
@@ -12392,7 +14607,7 @@
 </p:sld>
 </file>
 
-<file path=ppt/slides/slide24.xml><?xml version="1.0" encoding="utf-8"?>
+<file path=ppt/slides/slide26.xml><?xml version="1.0" encoding="utf-8"?>
 <p:sld xmlns:a="http://schemas.openxmlformats.org/drawingml/2006/main" xmlns:r="http://schemas.openxmlformats.org/officeDocument/2006/relationships" xmlns:p="http://schemas.openxmlformats.org/presentationml/2006/main" show="0">
   <p:cSld>
     <p:bg>
@@ -12489,7 +14704,7 @@
 </p:sld>
 </file>
 
-<file path=ppt/slides/slide25.xml><?xml version="1.0" encoding="utf-8"?>
+<file path=ppt/slides/slide27.xml><?xml version="1.0" encoding="utf-8"?>
 <p:sld xmlns:a="http://schemas.openxmlformats.org/drawingml/2006/main" xmlns:r="http://schemas.openxmlformats.org/officeDocument/2006/relationships" xmlns:p="http://schemas.openxmlformats.org/presentationml/2006/main">
   <p:cSld>
     <p:spTree>
@@ -12618,7 +14833,7 @@
 </p:sld>
 </file>
 
-<file path=ppt/slides/slide26.xml><?xml version="1.0" encoding="utf-8"?>
+<file path=ppt/slides/slide28.xml><?xml version="1.0" encoding="utf-8"?>
 <p:sld xmlns:a="http://schemas.openxmlformats.org/drawingml/2006/main" xmlns:r="http://schemas.openxmlformats.org/officeDocument/2006/relationships" xmlns:p="http://schemas.openxmlformats.org/presentationml/2006/main">
   <p:cSld>
     <p:spTree>
@@ -12993,7 +15208,7 @@
 </p:sld>
 </file>
 
-<file path=ppt/slides/slide27.xml><?xml version="1.0" encoding="utf-8"?>
+<file path=ppt/slides/slide29.xml><?xml version="1.0" encoding="utf-8"?>
 <p:sld xmlns:a="http://schemas.openxmlformats.org/drawingml/2006/main" xmlns:r="http://schemas.openxmlformats.org/officeDocument/2006/relationships" xmlns:p="http://schemas.openxmlformats.org/presentationml/2006/main">
   <p:cSld>
     <p:spTree>
@@ -13556,7 +15771,563 @@
 </p:sld>
 </file>
 
-<file path=ppt/slides/slide28.xml><?xml version="1.0" encoding="utf-8"?>
+<file path=ppt/slides/slide3.xml><?xml version="1.0" encoding="utf-8"?>
+<p:sld xmlns:a="http://schemas.openxmlformats.org/drawingml/2006/main" xmlns:r="http://schemas.openxmlformats.org/officeDocument/2006/relationships" xmlns:p="http://schemas.openxmlformats.org/presentationml/2006/main">
+  <p:cSld>
+    <p:spTree>
+      <p:nvGrpSpPr>
+        <p:cNvPr id="1" name=""/>
+        <p:cNvGrpSpPr/>
+        <p:nvPr/>
+      </p:nvGrpSpPr>
+      <p:grpSpPr>
+        <a:xfrm>
+          <a:off x="0" y="0"/>
+          <a:ext cx="0" cy="0"/>
+          <a:chOff x="0" y="0"/>
+          <a:chExt cx="0" cy="0"/>
+        </a:xfrm>
+      </p:grpSpPr>
+      <p:sp>
+        <p:nvSpPr>
+          <p:cNvPr id="2" name="Title 1"/>
+          <p:cNvSpPr>
+            <a:spLocks noGrp="1"/>
+          </p:cNvSpPr>
+          <p:nvPr>
+            <p:ph type="title"/>
+          </p:nvPr>
+        </p:nvSpPr>
+        <p:spPr/>
+        <p:txBody>
+          <a:bodyPr/>
+          <a:lstStyle/>
+          <a:p>
+            <a:r>
+              <a:rPr lang="en-US" dirty="0" smtClean="0"/>
+              <a:t>Agenda		</a:t>
+            </a:r>
+            <a:endParaRPr lang="en-GB" dirty="0"/>
+          </a:p>
+        </p:txBody>
+      </p:sp>
+      <p:sp>
+        <p:nvSpPr>
+          <p:cNvPr id="3" name="Text Placeholder 2"/>
+          <p:cNvSpPr>
+            <a:spLocks noGrp="1"/>
+          </p:cNvSpPr>
+          <p:nvPr>
+            <p:ph type="body" idx="1"/>
+          </p:nvPr>
+        </p:nvSpPr>
+        <p:spPr/>
+        <p:txBody>
+          <a:bodyPr/>
+          <a:lstStyle/>
+          <a:p>
+            <a:r>
+              <a:rPr lang="en-GB" dirty="0"/>
+              <a:t>Creating a new </a:t>
+            </a:r>
+            <a:r>
+              <a:rPr lang="en-GB" dirty="0" err="1"/>
+              <a:t>ToDo</a:t>
+            </a:r>
+            <a:r>
+              <a:rPr lang="en-GB" dirty="0"/>
+              <a:t> Item</a:t>
+            </a:r>
+          </a:p>
+          <a:p>
+            <a:pPr lvl="1"/>
+            <a:r>
+              <a:rPr lang="en-US" dirty="0" smtClean="0">
+                <a:latin typeface="+mn-lt"/>
+              </a:rPr>
+              <a:t>Adding a new </a:t>
+            </a:r>
+            <a:r>
+              <a:rPr lang="en-US" dirty="0" err="1" smtClean="0">
+                <a:latin typeface="+mn-lt"/>
+              </a:rPr>
+              <a:t>ToDo</a:t>
+            </a:r>
+            <a:r>
+              <a:rPr lang="en-US" dirty="0" smtClean="0">
+                <a:latin typeface="+mn-lt"/>
+              </a:rPr>
+              <a:t> Item</a:t>
+            </a:r>
+          </a:p>
+          <a:p>
+            <a:pPr lvl="1"/>
+            <a:endParaRPr lang="en-US" dirty="0" smtClean="0">
+              <a:latin typeface="+mn-lt"/>
+            </a:endParaRPr>
+          </a:p>
+          <a:p>
+            <a:r>
+              <a:rPr lang="en-US" dirty="0" smtClean="0">
+                <a:latin typeface="+mn-lt"/>
+              </a:rPr>
+              <a:t>Maintaining an existing </a:t>
+            </a:r>
+            <a:r>
+              <a:rPr lang="en-US" dirty="0" err="1" smtClean="0">
+                <a:latin typeface="+mn-lt"/>
+              </a:rPr>
+              <a:t>ToDo</a:t>
+            </a:r>
+            <a:r>
+              <a:rPr lang="en-US" dirty="0" smtClean="0">
+                <a:latin typeface="+mn-lt"/>
+              </a:rPr>
+              <a:t> Item</a:t>
+            </a:r>
+            <a:endParaRPr lang="en-US" dirty="0" smtClean="0">
+              <a:latin typeface="+mn-lt"/>
+            </a:endParaRPr>
+          </a:p>
+          <a:p>
+            <a:pPr lvl="1"/>
+            <a:r>
+              <a:rPr lang="en-US" dirty="0" smtClean="0">
+                <a:latin typeface="+mn-lt"/>
+              </a:rPr>
+              <a:t>Editing an existing </a:t>
+            </a:r>
+            <a:r>
+              <a:rPr lang="en-US" dirty="0" err="1" smtClean="0">
+                <a:latin typeface="+mn-lt"/>
+              </a:rPr>
+              <a:t>ToDo</a:t>
+            </a:r>
+            <a:r>
+              <a:rPr lang="en-US" dirty="0" smtClean="0">
+                <a:latin typeface="+mn-lt"/>
+              </a:rPr>
+              <a:t> Item</a:t>
+            </a:r>
+            <a:endParaRPr lang="en-US" dirty="0" smtClean="0">
+              <a:latin typeface="+mn-lt"/>
+            </a:endParaRPr>
+          </a:p>
+          <a:p>
+            <a:pPr marL="457200" lvl="1" indent="0">
+              <a:buNone/>
+            </a:pPr>
+            <a:endParaRPr lang="en-US" dirty="0" smtClean="0">
+              <a:latin typeface="+mn-lt"/>
+            </a:endParaRPr>
+          </a:p>
+          <a:p>
+            <a:r>
+              <a:rPr lang="en-GB" dirty="0" smtClean="0"/>
+              <a:t>Saving the </a:t>
+            </a:r>
+            <a:r>
+              <a:rPr lang="en-GB" dirty="0" err="1" smtClean="0"/>
+              <a:t>ToDo</a:t>
+            </a:r>
+            <a:r>
+              <a:rPr lang="en-GB" dirty="0" smtClean="0"/>
+              <a:t> Item</a:t>
+            </a:r>
+            <a:endParaRPr lang="en-GB" dirty="0"/>
+          </a:p>
+          <a:p>
+            <a:pPr lvl="1"/>
+            <a:r>
+              <a:rPr lang="en-GB" dirty="0" smtClean="0">
+                <a:latin typeface="+mn-lt"/>
+              </a:rPr>
+              <a:t>Performing  an HTTP Post to save data</a:t>
+            </a:r>
+            <a:endParaRPr lang="en-GB" dirty="0" smtClean="0">
+              <a:latin typeface="+mn-lt"/>
+            </a:endParaRPr>
+          </a:p>
+          <a:p>
+            <a:pPr lvl="1"/>
+            <a:endParaRPr lang="en-US" dirty="0" smtClean="0"/>
+          </a:p>
+          <a:p>
+            <a:pPr marL="457200" lvl="1" indent="0">
+              <a:buNone/>
+            </a:pPr>
+            <a:endParaRPr lang="en-GB" dirty="0" smtClean="0"/>
+          </a:p>
+          <a:p>
+            <a:pPr marL="457200" lvl="1" indent="0">
+              <a:buNone/>
+            </a:pPr>
+            <a:endParaRPr lang="en-GB" dirty="0"/>
+          </a:p>
+        </p:txBody>
+      </p:sp>
+    </p:spTree>
+    <p:extLst>
+      <p:ext uri="{BB962C8B-B14F-4D97-AF65-F5344CB8AC3E}">
+        <p14:creationId xmlns:p14="http://schemas.microsoft.com/office/powerpoint/2010/main" val="3792548165"/>
+      </p:ext>
+    </p:extLst>
+  </p:cSld>
+  <p:clrMapOvr>
+    <a:masterClrMapping/>
+  </p:clrMapOvr>
+  <p:transition>
+    <p:fade/>
+  </p:transition>
+  <p:timing>
+    <p:tnLst>
+      <p:par>
+        <p:cTn id="1" dur="indefinite" restart="never" nodeType="tmRoot">
+          <p:childTnLst>
+            <p:seq concurrent="1" nextAc="seek">
+              <p:cTn id="2" dur="indefinite" nodeType="mainSeq">
+                <p:childTnLst>
+                  <p:par>
+                    <p:cTn id="3" fill="hold">
+                      <p:stCondLst>
+                        <p:cond delay="indefinite"/>
+                      </p:stCondLst>
+                      <p:childTnLst>
+                        <p:par>
+                          <p:cTn id="4" fill="hold">
+                            <p:stCondLst>
+                              <p:cond delay="0"/>
+                            </p:stCondLst>
+                            <p:childTnLst>
+                              <p:par>
+                                <p:cTn id="5" presetID="10" presetClass="entr" presetSubtype="0" fill="hold" grpId="0" nodeType="clickEffect">
+                                  <p:stCondLst>
+                                    <p:cond delay="0"/>
+                                  </p:stCondLst>
+                                  <p:childTnLst>
+                                    <p:set>
+                                      <p:cBhvr>
+                                        <p:cTn id="6" dur="1" fill="hold">
+                                          <p:stCondLst>
+                                            <p:cond delay="0"/>
+                                          </p:stCondLst>
+                                        </p:cTn>
+                                        <p:tgtEl>
+                                          <p:spTgt spid="3">
+                                            <p:txEl>
+                                              <p:pRg st="0" end="0"/>
+                                            </p:txEl>
+                                          </p:spTgt>
+                                        </p:tgtEl>
+                                        <p:attrNameLst>
+                                          <p:attrName>style.visibility</p:attrName>
+                                        </p:attrNameLst>
+                                      </p:cBhvr>
+                                      <p:to>
+                                        <p:strVal val="visible"/>
+                                      </p:to>
+                                    </p:set>
+                                    <p:animEffect transition="in" filter="fade">
+                                      <p:cBhvr>
+                                        <p:cTn id="7" dur="500"/>
+                                        <p:tgtEl>
+                                          <p:spTgt spid="3">
+                                            <p:txEl>
+                                              <p:pRg st="0" end="0"/>
+                                            </p:txEl>
+                                          </p:spTgt>
+                                        </p:tgtEl>
+                                      </p:cBhvr>
+                                    </p:animEffect>
+                                  </p:childTnLst>
+                                </p:cTn>
+                              </p:par>
+                              <p:par>
+                                <p:cTn id="8" presetID="10" presetClass="entr" presetSubtype="0" fill="hold" grpId="0" nodeType="withEffect">
+                                  <p:stCondLst>
+                                    <p:cond delay="0"/>
+                                  </p:stCondLst>
+                                  <p:childTnLst>
+                                    <p:set>
+                                      <p:cBhvr>
+                                        <p:cTn id="9" dur="1" fill="hold">
+                                          <p:stCondLst>
+                                            <p:cond delay="0"/>
+                                          </p:stCondLst>
+                                        </p:cTn>
+                                        <p:tgtEl>
+                                          <p:spTgt spid="3">
+                                            <p:txEl>
+                                              <p:pRg st="1" end="1"/>
+                                            </p:txEl>
+                                          </p:spTgt>
+                                        </p:tgtEl>
+                                        <p:attrNameLst>
+                                          <p:attrName>style.visibility</p:attrName>
+                                        </p:attrNameLst>
+                                      </p:cBhvr>
+                                      <p:to>
+                                        <p:strVal val="visible"/>
+                                      </p:to>
+                                    </p:set>
+                                    <p:animEffect transition="in" filter="fade">
+                                      <p:cBhvr>
+                                        <p:cTn id="10" dur="500"/>
+                                        <p:tgtEl>
+                                          <p:spTgt spid="3">
+                                            <p:txEl>
+                                              <p:pRg st="1" end="1"/>
+                                            </p:txEl>
+                                          </p:spTgt>
+                                        </p:tgtEl>
+                                      </p:cBhvr>
+                                    </p:animEffect>
+                                  </p:childTnLst>
+                                </p:cTn>
+                              </p:par>
+                            </p:childTnLst>
+                          </p:cTn>
+                        </p:par>
+                      </p:childTnLst>
+                    </p:cTn>
+                  </p:par>
+                  <p:par>
+                    <p:cTn id="11" fill="hold">
+                      <p:stCondLst>
+                        <p:cond delay="indefinite"/>
+                      </p:stCondLst>
+                      <p:childTnLst>
+                        <p:par>
+                          <p:cTn id="12" fill="hold">
+                            <p:stCondLst>
+                              <p:cond delay="0"/>
+                            </p:stCondLst>
+                            <p:childTnLst>
+                              <p:par>
+                                <p:cTn id="13" presetID="10" presetClass="entr" presetSubtype="0" fill="hold" grpId="0" nodeType="clickEffect">
+                                  <p:stCondLst>
+                                    <p:cond delay="0"/>
+                                  </p:stCondLst>
+                                  <p:childTnLst>
+                                    <p:set>
+                                      <p:cBhvr>
+                                        <p:cTn id="14" dur="1" fill="hold">
+                                          <p:stCondLst>
+                                            <p:cond delay="0"/>
+                                          </p:stCondLst>
+                                        </p:cTn>
+                                        <p:tgtEl>
+                                          <p:spTgt spid="3">
+                                            <p:txEl>
+                                              <p:pRg st="3" end="3"/>
+                                            </p:txEl>
+                                          </p:spTgt>
+                                        </p:tgtEl>
+                                        <p:attrNameLst>
+                                          <p:attrName>style.visibility</p:attrName>
+                                        </p:attrNameLst>
+                                      </p:cBhvr>
+                                      <p:to>
+                                        <p:strVal val="visible"/>
+                                      </p:to>
+                                    </p:set>
+                                    <p:animEffect transition="in" filter="fade">
+                                      <p:cBhvr>
+                                        <p:cTn id="15" dur="500"/>
+                                        <p:tgtEl>
+                                          <p:spTgt spid="3">
+                                            <p:txEl>
+                                              <p:pRg st="3" end="3"/>
+                                            </p:txEl>
+                                          </p:spTgt>
+                                        </p:tgtEl>
+                                      </p:cBhvr>
+                                    </p:animEffect>
+                                  </p:childTnLst>
+                                </p:cTn>
+                              </p:par>
+                              <p:par>
+                                <p:cTn id="16" presetID="10" presetClass="entr" presetSubtype="0" fill="hold" grpId="0" nodeType="withEffect">
+                                  <p:stCondLst>
+                                    <p:cond delay="0"/>
+                                  </p:stCondLst>
+                                  <p:childTnLst>
+                                    <p:set>
+                                      <p:cBhvr>
+                                        <p:cTn id="17" dur="1" fill="hold">
+                                          <p:stCondLst>
+                                            <p:cond delay="0"/>
+                                          </p:stCondLst>
+                                        </p:cTn>
+                                        <p:tgtEl>
+                                          <p:spTgt spid="3">
+                                            <p:txEl>
+                                              <p:pRg st="4" end="4"/>
+                                            </p:txEl>
+                                          </p:spTgt>
+                                        </p:tgtEl>
+                                        <p:attrNameLst>
+                                          <p:attrName>style.visibility</p:attrName>
+                                        </p:attrNameLst>
+                                      </p:cBhvr>
+                                      <p:to>
+                                        <p:strVal val="visible"/>
+                                      </p:to>
+                                    </p:set>
+                                    <p:animEffect transition="in" filter="fade">
+                                      <p:cBhvr>
+                                        <p:cTn id="18" dur="500"/>
+                                        <p:tgtEl>
+                                          <p:spTgt spid="3">
+                                            <p:txEl>
+                                              <p:pRg st="4" end="4"/>
+                                            </p:txEl>
+                                          </p:spTgt>
+                                        </p:tgtEl>
+                                      </p:cBhvr>
+                                    </p:animEffect>
+                                  </p:childTnLst>
+                                </p:cTn>
+                              </p:par>
+                            </p:childTnLst>
+                          </p:cTn>
+                        </p:par>
+                      </p:childTnLst>
+                    </p:cTn>
+                  </p:par>
+                  <p:par>
+                    <p:cTn id="19" fill="hold">
+                      <p:stCondLst>
+                        <p:cond delay="indefinite"/>
+                      </p:stCondLst>
+                      <p:childTnLst>
+                        <p:par>
+                          <p:cTn id="20" fill="hold">
+                            <p:stCondLst>
+                              <p:cond delay="0"/>
+                            </p:stCondLst>
+                            <p:childTnLst>
+                              <p:par>
+                                <p:cTn id="21" presetID="10" presetClass="entr" presetSubtype="0" fill="hold" grpId="0" nodeType="clickEffect">
+                                  <p:stCondLst>
+                                    <p:cond delay="0"/>
+                                  </p:stCondLst>
+                                  <p:childTnLst>
+                                    <p:set>
+                                      <p:cBhvr>
+                                        <p:cTn id="22" dur="1" fill="hold">
+                                          <p:stCondLst>
+                                            <p:cond delay="0"/>
+                                          </p:stCondLst>
+                                        </p:cTn>
+                                        <p:tgtEl>
+                                          <p:spTgt spid="3">
+                                            <p:txEl>
+                                              <p:pRg st="6" end="6"/>
+                                            </p:txEl>
+                                          </p:spTgt>
+                                        </p:tgtEl>
+                                        <p:attrNameLst>
+                                          <p:attrName>style.visibility</p:attrName>
+                                        </p:attrNameLst>
+                                      </p:cBhvr>
+                                      <p:to>
+                                        <p:strVal val="visible"/>
+                                      </p:to>
+                                    </p:set>
+                                    <p:animEffect transition="in" filter="fade">
+                                      <p:cBhvr>
+                                        <p:cTn id="23" dur="500"/>
+                                        <p:tgtEl>
+                                          <p:spTgt spid="3">
+                                            <p:txEl>
+                                              <p:pRg st="6" end="6"/>
+                                            </p:txEl>
+                                          </p:spTgt>
+                                        </p:tgtEl>
+                                      </p:cBhvr>
+                                    </p:animEffect>
+                                  </p:childTnLst>
+                                </p:cTn>
+                              </p:par>
+                              <p:par>
+                                <p:cTn id="24" presetID="10" presetClass="entr" presetSubtype="0" fill="hold" grpId="0" nodeType="withEffect">
+                                  <p:stCondLst>
+                                    <p:cond delay="0"/>
+                                  </p:stCondLst>
+                                  <p:childTnLst>
+                                    <p:set>
+                                      <p:cBhvr>
+                                        <p:cTn id="25" dur="1" fill="hold">
+                                          <p:stCondLst>
+                                            <p:cond delay="0"/>
+                                          </p:stCondLst>
+                                        </p:cTn>
+                                        <p:tgtEl>
+                                          <p:spTgt spid="3">
+                                            <p:txEl>
+                                              <p:pRg st="7" end="7"/>
+                                            </p:txEl>
+                                          </p:spTgt>
+                                        </p:tgtEl>
+                                        <p:attrNameLst>
+                                          <p:attrName>style.visibility</p:attrName>
+                                        </p:attrNameLst>
+                                      </p:cBhvr>
+                                      <p:to>
+                                        <p:strVal val="visible"/>
+                                      </p:to>
+                                    </p:set>
+                                    <p:animEffect transition="in" filter="fade">
+                                      <p:cBhvr>
+                                        <p:cTn id="26" dur="500"/>
+                                        <p:tgtEl>
+                                          <p:spTgt spid="3">
+                                            <p:txEl>
+                                              <p:pRg st="7" end="7"/>
+                                            </p:txEl>
+                                          </p:spTgt>
+                                        </p:tgtEl>
+                                      </p:cBhvr>
+                                    </p:animEffect>
+                                  </p:childTnLst>
+                                </p:cTn>
+                              </p:par>
+                            </p:childTnLst>
+                          </p:cTn>
+                        </p:par>
+                      </p:childTnLst>
+                    </p:cTn>
+                  </p:par>
+                </p:childTnLst>
+              </p:cTn>
+              <p:prevCondLst>
+                <p:cond evt="onPrev" delay="0">
+                  <p:tgtEl>
+                    <p:sldTgt/>
+                  </p:tgtEl>
+                </p:cond>
+              </p:prevCondLst>
+              <p:nextCondLst>
+                <p:cond evt="onNext" delay="0">
+                  <p:tgtEl>
+                    <p:sldTgt/>
+                  </p:tgtEl>
+                </p:cond>
+              </p:nextCondLst>
+            </p:seq>
+          </p:childTnLst>
+        </p:cTn>
+      </p:par>
+    </p:tnLst>
+    <p:bldLst>
+      <p:bldP spid="3" grpId="0" uiExpand="1" build="p"/>
+    </p:bldLst>
+  </p:timing>
+</p:sld>
+</file>
+
+<file path=ppt/slides/slide30.xml><?xml version="1.0" encoding="utf-8"?>
 <p:sld xmlns:a="http://schemas.openxmlformats.org/drawingml/2006/main" xmlns:r="http://schemas.openxmlformats.org/officeDocument/2006/relationships" xmlns:p="http://schemas.openxmlformats.org/presentationml/2006/main">
   <p:cSld>
     <p:spTree>
@@ -14400,7 +17171,7 @@
 </p:sld>
 </file>
 
-<file path=ppt/slides/slide29.xml><?xml version="1.0" encoding="utf-8"?>
+<file path=ppt/slides/slide31.xml><?xml version="1.0" encoding="utf-8"?>
 <p:sld xmlns:a="http://schemas.openxmlformats.org/drawingml/2006/main" xmlns:r="http://schemas.openxmlformats.org/officeDocument/2006/relationships" xmlns:p="http://schemas.openxmlformats.org/presentationml/2006/main" show="0">
   <p:cSld>
     <p:bg>
@@ -14497,527 +17268,7 @@
 </p:sld>
 </file>
 
-<file path=ppt/slides/slide3.xml><?xml version="1.0" encoding="utf-8"?>
-<p:sld xmlns:a="http://schemas.openxmlformats.org/drawingml/2006/main" xmlns:r="http://schemas.openxmlformats.org/officeDocument/2006/relationships" xmlns:p="http://schemas.openxmlformats.org/presentationml/2006/main">
-  <p:cSld>
-    <p:spTree>
-      <p:nvGrpSpPr>
-        <p:cNvPr id="1" name=""/>
-        <p:cNvGrpSpPr/>
-        <p:nvPr/>
-      </p:nvGrpSpPr>
-      <p:grpSpPr>
-        <a:xfrm>
-          <a:off x="0" y="0"/>
-          <a:ext cx="0" cy="0"/>
-          <a:chOff x="0" y="0"/>
-          <a:chExt cx="0" cy="0"/>
-        </a:xfrm>
-      </p:grpSpPr>
-      <p:sp>
-        <p:nvSpPr>
-          <p:cNvPr id="2" name="Title 1"/>
-          <p:cNvSpPr>
-            <a:spLocks noGrp="1"/>
-          </p:cNvSpPr>
-          <p:nvPr>
-            <p:ph type="title"/>
-          </p:nvPr>
-        </p:nvSpPr>
-        <p:spPr/>
-        <p:txBody>
-          <a:bodyPr/>
-          <a:lstStyle/>
-          <a:p>
-            <a:r>
-              <a:rPr lang="en-US" dirty="0" smtClean="0"/>
-              <a:t>Agenda		</a:t>
-            </a:r>
-            <a:endParaRPr lang="en-GB" dirty="0"/>
-          </a:p>
-        </p:txBody>
-      </p:sp>
-      <p:sp>
-        <p:nvSpPr>
-          <p:cNvPr id="3" name="Text Placeholder 2"/>
-          <p:cNvSpPr>
-            <a:spLocks noGrp="1"/>
-          </p:cNvSpPr>
-          <p:nvPr>
-            <p:ph type="body" idx="1"/>
-          </p:nvPr>
-        </p:nvSpPr>
-        <p:spPr/>
-        <p:txBody>
-          <a:bodyPr/>
-          <a:lstStyle/>
-          <a:p>
-            <a:r>
-              <a:rPr lang="en-GB" dirty="0"/>
-              <a:t>Creating a new </a:t>
-            </a:r>
-            <a:r>
-              <a:rPr lang="en-GB" dirty="0" err="1"/>
-              <a:t>ToDo</a:t>
-            </a:r>
-            <a:r>
-              <a:rPr lang="en-GB" dirty="0"/>
-              <a:t> Item</a:t>
-            </a:r>
-          </a:p>
-          <a:p>
-            <a:pPr lvl="1"/>
-            <a:r>
-              <a:rPr lang="en-US" dirty="0" smtClean="0">
-                <a:latin typeface="+mn-lt"/>
-              </a:rPr>
-              <a:t>Xxx</a:t>
-            </a:r>
-          </a:p>
-          <a:p>
-            <a:pPr lvl="1"/>
-            <a:endParaRPr lang="en-US" dirty="0" smtClean="0">
-              <a:latin typeface="+mn-lt"/>
-            </a:endParaRPr>
-          </a:p>
-          <a:p>
-            <a:r>
-              <a:rPr lang="en-US" dirty="0" smtClean="0">
-                <a:latin typeface="+mn-lt"/>
-              </a:rPr>
-              <a:t>Maintaining an existing </a:t>
-            </a:r>
-            <a:r>
-              <a:rPr lang="en-US" dirty="0" err="1" smtClean="0">
-                <a:latin typeface="+mn-lt"/>
-              </a:rPr>
-              <a:t>ToDo</a:t>
-            </a:r>
-            <a:r>
-              <a:rPr lang="en-US" dirty="0" smtClean="0">
-                <a:latin typeface="+mn-lt"/>
-              </a:rPr>
-              <a:t> Item</a:t>
-            </a:r>
-            <a:endParaRPr lang="en-US" dirty="0" smtClean="0">
-              <a:latin typeface="+mn-lt"/>
-            </a:endParaRPr>
-          </a:p>
-          <a:p>
-            <a:pPr lvl="1"/>
-            <a:r>
-              <a:rPr lang="en-US" dirty="0" smtClean="0">
-                <a:latin typeface="+mn-lt"/>
-              </a:rPr>
-              <a:t>xxx</a:t>
-            </a:r>
-            <a:endParaRPr lang="en-US" dirty="0" smtClean="0">
-              <a:latin typeface="+mn-lt"/>
-            </a:endParaRPr>
-          </a:p>
-          <a:p>
-            <a:pPr marL="457200" lvl="1" indent="0">
-              <a:buNone/>
-            </a:pPr>
-            <a:endParaRPr lang="en-US" dirty="0" smtClean="0">
-              <a:latin typeface="+mn-lt"/>
-            </a:endParaRPr>
-          </a:p>
-          <a:p>
-            <a:r>
-              <a:rPr lang="en-GB" dirty="0" smtClean="0"/>
-              <a:t>Saving the </a:t>
-            </a:r>
-            <a:r>
-              <a:rPr lang="en-GB" dirty="0" err="1" smtClean="0"/>
-              <a:t>ToDo</a:t>
-            </a:r>
-            <a:r>
-              <a:rPr lang="en-GB" dirty="0" smtClean="0"/>
-              <a:t> Item</a:t>
-            </a:r>
-            <a:endParaRPr lang="en-GB" dirty="0"/>
-          </a:p>
-          <a:p>
-            <a:pPr lvl="1"/>
-            <a:r>
-              <a:rPr lang="en-GB" dirty="0" smtClean="0">
-                <a:latin typeface="+mn-lt"/>
-              </a:rPr>
-              <a:t>xxx</a:t>
-            </a:r>
-            <a:endParaRPr lang="en-GB" dirty="0" smtClean="0">
-              <a:latin typeface="+mn-lt"/>
-            </a:endParaRPr>
-          </a:p>
-          <a:p>
-            <a:pPr lvl="1"/>
-            <a:endParaRPr lang="en-US" dirty="0" smtClean="0"/>
-          </a:p>
-          <a:p>
-            <a:pPr marL="457200" lvl="1" indent="0">
-              <a:buNone/>
-            </a:pPr>
-            <a:endParaRPr lang="en-GB" dirty="0" smtClean="0"/>
-          </a:p>
-          <a:p>
-            <a:pPr marL="457200" lvl="1" indent="0">
-              <a:buNone/>
-            </a:pPr>
-            <a:endParaRPr lang="en-GB" dirty="0"/>
-          </a:p>
-        </p:txBody>
-      </p:sp>
-    </p:spTree>
-    <p:extLst>
-      <p:ext uri="{BB962C8B-B14F-4D97-AF65-F5344CB8AC3E}">
-        <p14:creationId xmlns:p14="http://schemas.microsoft.com/office/powerpoint/2010/main" val="3792548165"/>
-      </p:ext>
-    </p:extLst>
-  </p:cSld>
-  <p:clrMapOvr>
-    <a:masterClrMapping/>
-  </p:clrMapOvr>
-  <p:transition>
-    <p:fade/>
-  </p:transition>
-  <p:timing>
-    <p:tnLst>
-      <p:par>
-        <p:cTn id="1" dur="indefinite" restart="never" nodeType="tmRoot">
-          <p:childTnLst>
-            <p:seq concurrent="1" nextAc="seek">
-              <p:cTn id="2" dur="indefinite" nodeType="mainSeq">
-                <p:childTnLst>
-                  <p:par>
-                    <p:cTn id="3" fill="hold">
-                      <p:stCondLst>
-                        <p:cond delay="indefinite"/>
-                      </p:stCondLst>
-                      <p:childTnLst>
-                        <p:par>
-                          <p:cTn id="4" fill="hold">
-                            <p:stCondLst>
-                              <p:cond delay="0"/>
-                            </p:stCondLst>
-                            <p:childTnLst>
-                              <p:par>
-                                <p:cTn id="5" presetID="10" presetClass="entr" presetSubtype="0" fill="hold" grpId="0" nodeType="clickEffect">
-                                  <p:stCondLst>
-                                    <p:cond delay="0"/>
-                                  </p:stCondLst>
-                                  <p:childTnLst>
-                                    <p:set>
-                                      <p:cBhvr>
-                                        <p:cTn id="6" dur="1" fill="hold">
-                                          <p:stCondLst>
-                                            <p:cond delay="0"/>
-                                          </p:stCondLst>
-                                        </p:cTn>
-                                        <p:tgtEl>
-                                          <p:spTgt spid="3">
-                                            <p:txEl>
-                                              <p:pRg st="0" end="0"/>
-                                            </p:txEl>
-                                          </p:spTgt>
-                                        </p:tgtEl>
-                                        <p:attrNameLst>
-                                          <p:attrName>style.visibility</p:attrName>
-                                        </p:attrNameLst>
-                                      </p:cBhvr>
-                                      <p:to>
-                                        <p:strVal val="visible"/>
-                                      </p:to>
-                                    </p:set>
-                                    <p:animEffect transition="in" filter="fade">
-                                      <p:cBhvr>
-                                        <p:cTn id="7" dur="500"/>
-                                        <p:tgtEl>
-                                          <p:spTgt spid="3">
-                                            <p:txEl>
-                                              <p:pRg st="0" end="0"/>
-                                            </p:txEl>
-                                          </p:spTgt>
-                                        </p:tgtEl>
-                                      </p:cBhvr>
-                                    </p:animEffect>
-                                  </p:childTnLst>
-                                </p:cTn>
-                              </p:par>
-                              <p:par>
-                                <p:cTn id="8" presetID="10" presetClass="entr" presetSubtype="0" fill="hold" grpId="0" nodeType="withEffect">
-                                  <p:stCondLst>
-                                    <p:cond delay="0"/>
-                                  </p:stCondLst>
-                                  <p:childTnLst>
-                                    <p:set>
-                                      <p:cBhvr>
-                                        <p:cTn id="9" dur="1" fill="hold">
-                                          <p:stCondLst>
-                                            <p:cond delay="0"/>
-                                          </p:stCondLst>
-                                        </p:cTn>
-                                        <p:tgtEl>
-                                          <p:spTgt spid="3">
-                                            <p:txEl>
-                                              <p:pRg st="1" end="1"/>
-                                            </p:txEl>
-                                          </p:spTgt>
-                                        </p:tgtEl>
-                                        <p:attrNameLst>
-                                          <p:attrName>style.visibility</p:attrName>
-                                        </p:attrNameLst>
-                                      </p:cBhvr>
-                                      <p:to>
-                                        <p:strVal val="visible"/>
-                                      </p:to>
-                                    </p:set>
-                                    <p:animEffect transition="in" filter="fade">
-                                      <p:cBhvr>
-                                        <p:cTn id="10" dur="500"/>
-                                        <p:tgtEl>
-                                          <p:spTgt spid="3">
-                                            <p:txEl>
-                                              <p:pRg st="1" end="1"/>
-                                            </p:txEl>
-                                          </p:spTgt>
-                                        </p:tgtEl>
-                                      </p:cBhvr>
-                                    </p:animEffect>
-                                  </p:childTnLst>
-                                </p:cTn>
-                              </p:par>
-                            </p:childTnLst>
-                          </p:cTn>
-                        </p:par>
-                      </p:childTnLst>
-                    </p:cTn>
-                  </p:par>
-                  <p:par>
-                    <p:cTn id="11" fill="hold">
-                      <p:stCondLst>
-                        <p:cond delay="indefinite"/>
-                      </p:stCondLst>
-                      <p:childTnLst>
-                        <p:par>
-                          <p:cTn id="12" fill="hold">
-                            <p:stCondLst>
-                              <p:cond delay="0"/>
-                            </p:stCondLst>
-                            <p:childTnLst>
-                              <p:par>
-                                <p:cTn id="13" presetID="10" presetClass="entr" presetSubtype="0" fill="hold" grpId="0" nodeType="clickEffect">
-                                  <p:stCondLst>
-                                    <p:cond delay="0"/>
-                                  </p:stCondLst>
-                                  <p:childTnLst>
-                                    <p:set>
-                                      <p:cBhvr>
-                                        <p:cTn id="14" dur="1" fill="hold">
-                                          <p:stCondLst>
-                                            <p:cond delay="0"/>
-                                          </p:stCondLst>
-                                        </p:cTn>
-                                        <p:tgtEl>
-                                          <p:spTgt spid="3">
-                                            <p:txEl>
-                                              <p:pRg st="3" end="3"/>
-                                            </p:txEl>
-                                          </p:spTgt>
-                                        </p:tgtEl>
-                                        <p:attrNameLst>
-                                          <p:attrName>style.visibility</p:attrName>
-                                        </p:attrNameLst>
-                                      </p:cBhvr>
-                                      <p:to>
-                                        <p:strVal val="visible"/>
-                                      </p:to>
-                                    </p:set>
-                                    <p:animEffect transition="in" filter="fade">
-                                      <p:cBhvr>
-                                        <p:cTn id="15" dur="500"/>
-                                        <p:tgtEl>
-                                          <p:spTgt spid="3">
-                                            <p:txEl>
-                                              <p:pRg st="3" end="3"/>
-                                            </p:txEl>
-                                          </p:spTgt>
-                                        </p:tgtEl>
-                                      </p:cBhvr>
-                                    </p:animEffect>
-                                  </p:childTnLst>
-                                </p:cTn>
-                              </p:par>
-                              <p:par>
-                                <p:cTn id="16" presetID="10" presetClass="entr" presetSubtype="0" fill="hold" grpId="0" nodeType="withEffect">
-                                  <p:stCondLst>
-                                    <p:cond delay="0"/>
-                                  </p:stCondLst>
-                                  <p:childTnLst>
-                                    <p:set>
-                                      <p:cBhvr>
-                                        <p:cTn id="17" dur="1" fill="hold">
-                                          <p:stCondLst>
-                                            <p:cond delay="0"/>
-                                          </p:stCondLst>
-                                        </p:cTn>
-                                        <p:tgtEl>
-                                          <p:spTgt spid="3">
-                                            <p:txEl>
-                                              <p:pRg st="4" end="4"/>
-                                            </p:txEl>
-                                          </p:spTgt>
-                                        </p:tgtEl>
-                                        <p:attrNameLst>
-                                          <p:attrName>style.visibility</p:attrName>
-                                        </p:attrNameLst>
-                                      </p:cBhvr>
-                                      <p:to>
-                                        <p:strVal val="visible"/>
-                                      </p:to>
-                                    </p:set>
-                                    <p:animEffect transition="in" filter="fade">
-                                      <p:cBhvr>
-                                        <p:cTn id="18" dur="500"/>
-                                        <p:tgtEl>
-                                          <p:spTgt spid="3">
-                                            <p:txEl>
-                                              <p:pRg st="4" end="4"/>
-                                            </p:txEl>
-                                          </p:spTgt>
-                                        </p:tgtEl>
-                                      </p:cBhvr>
-                                    </p:animEffect>
-                                  </p:childTnLst>
-                                </p:cTn>
-                              </p:par>
-                            </p:childTnLst>
-                          </p:cTn>
-                        </p:par>
-                      </p:childTnLst>
-                    </p:cTn>
-                  </p:par>
-                  <p:par>
-                    <p:cTn id="19" fill="hold">
-                      <p:stCondLst>
-                        <p:cond delay="indefinite"/>
-                      </p:stCondLst>
-                      <p:childTnLst>
-                        <p:par>
-                          <p:cTn id="20" fill="hold">
-                            <p:stCondLst>
-                              <p:cond delay="0"/>
-                            </p:stCondLst>
-                            <p:childTnLst>
-                              <p:par>
-                                <p:cTn id="21" presetID="10" presetClass="entr" presetSubtype="0" fill="hold" grpId="0" nodeType="clickEffect">
-                                  <p:stCondLst>
-                                    <p:cond delay="0"/>
-                                  </p:stCondLst>
-                                  <p:childTnLst>
-                                    <p:set>
-                                      <p:cBhvr>
-                                        <p:cTn id="22" dur="1" fill="hold">
-                                          <p:stCondLst>
-                                            <p:cond delay="0"/>
-                                          </p:stCondLst>
-                                        </p:cTn>
-                                        <p:tgtEl>
-                                          <p:spTgt spid="3">
-                                            <p:txEl>
-                                              <p:pRg st="6" end="6"/>
-                                            </p:txEl>
-                                          </p:spTgt>
-                                        </p:tgtEl>
-                                        <p:attrNameLst>
-                                          <p:attrName>style.visibility</p:attrName>
-                                        </p:attrNameLst>
-                                      </p:cBhvr>
-                                      <p:to>
-                                        <p:strVal val="visible"/>
-                                      </p:to>
-                                    </p:set>
-                                    <p:animEffect transition="in" filter="fade">
-                                      <p:cBhvr>
-                                        <p:cTn id="23" dur="500"/>
-                                        <p:tgtEl>
-                                          <p:spTgt spid="3">
-                                            <p:txEl>
-                                              <p:pRg st="6" end="6"/>
-                                            </p:txEl>
-                                          </p:spTgt>
-                                        </p:tgtEl>
-                                      </p:cBhvr>
-                                    </p:animEffect>
-                                  </p:childTnLst>
-                                </p:cTn>
-                              </p:par>
-                              <p:par>
-                                <p:cTn id="24" presetID="1" presetClass="entr" presetSubtype="0" fill="hold" nodeType="withEffect">
-                                  <p:stCondLst>
-                                    <p:cond delay="0"/>
-                                  </p:stCondLst>
-                                  <p:childTnLst>
-                                    <p:set>
-                                      <p:cBhvr>
-                                        <p:cTn id="25" dur="1" fill="hold">
-                                          <p:stCondLst>
-                                            <p:cond delay="0"/>
-                                          </p:stCondLst>
-                                        </p:cTn>
-                                        <p:tgtEl>
-                                          <p:spTgt spid="3">
-                                            <p:txEl>
-                                              <p:pRg st="7" end="7"/>
-                                            </p:txEl>
-                                          </p:spTgt>
-                                        </p:tgtEl>
-                                        <p:attrNameLst>
-                                          <p:attrName>style.visibility</p:attrName>
-                                        </p:attrNameLst>
-                                      </p:cBhvr>
-                                      <p:to>
-                                        <p:strVal val="visible"/>
-                                      </p:to>
-                                    </p:set>
-                                  </p:childTnLst>
-                                </p:cTn>
-                              </p:par>
-                            </p:childTnLst>
-                          </p:cTn>
-                        </p:par>
-                      </p:childTnLst>
-                    </p:cTn>
-                  </p:par>
-                </p:childTnLst>
-              </p:cTn>
-              <p:prevCondLst>
-                <p:cond evt="onPrev" delay="0">
-                  <p:tgtEl>
-                    <p:sldTgt/>
-                  </p:tgtEl>
-                </p:cond>
-              </p:prevCondLst>
-              <p:nextCondLst>
-                <p:cond evt="onNext" delay="0">
-                  <p:tgtEl>
-                    <p:sldTgt/>
-                  </p:tgtEl>
-                </p:cond>
-              </p:nextCondLst>
-            </p:seq>
-          </p:childTnLst>
-        </p:cTn>
-      </p:par>
-    </p:tnLst>
-    <p:bldLst>
-      <p:bldP spid="3" grpId="0" uiExpand="1" build="p"/>
-    </p:bldLst>
-  </p:timing>
-</p:sld>
-</file>
-
-<file path=ppt/slides/slide30.xml><?xml version="1.0" encoding="utf-8"?>
+<file path=ppt/slides/slide32.xml><?xml version="1.0" encoding="utf-8"?>
 <p:sld xmlns:a="http://schemas.openxmlformats.org/drawingml/2006/main" xmlns:r="http://schemas.openxmlformats.org/officeDocument/2006/relationships" xmlns:p="http://schemas.openxmlformats.org/presentationml/2006/main">
   <p:cSld>
     <p:spTree>
